--- a/project/demoCode/posterPaper/poster.pptx
+++ b/project/demoCode/posterPaper/poster.pptx
@@ -109,7 +109,7 @@
   </p:defaultTextStyle>
   <p:extLst>
     <p:ext uri="{EFAFB233-063F-42B5-8137-9DF3F51BA10A}">
-      <p15:sldGuideLst xmlns="" xmlns:p15="http://schemas.microsoft.com/office/powerpoint/2012/main">
+      <p15:sldGuideLst xmlns:p15="http://schemas.microsoft.com/office/powerpoint/2012/main" xmlns="">
         <p15:guide id="1" orient="horz" pos="3318">
           <p15:clr>
             <a:srgbClr val="A4A3A4"/>
@@ -163,7 +163,7 @@
       </p15:sldGuideLst>
     </p:ext>
     <p:ext uri="{2D200454-40CA-4A62-9FC3-DE9A4176ACB9}">
-      <p15:notesGuideLst xmlns="" xmlns:p15="http://schemas.microsoft.com/office/powerpoint/2012/main">
+      <p15:notesGuideLst xmlns:p15="http://schemas.microsoft.com/office/powerpoint/2012/main" xmlns="">
         <p15:guide id="1" orient="horz" pos="13681">
           <p15:clr>
             <a:srgbClr val="A4A3A4"/>
@@ -1112,11 +1112,7 @@
           <a:pPr rtl="0"/>
           <a:r>
             <a:rPr lang="en-US" dirty="0" smtClean="0"/>
-            <a:t>Feature </a:t>
-          </a:r>
-          <a:r>
-            <a:rPr lang="en-US" dirty="0" smtClean="0"/>
-            <a:t>Extraction</a:t>
+            <a:t>Feature Extraction</a:t>
           </a:r>
           <a:endParaRPr lang="en-US" dirty="0"/>
         </a:p>
@@ -1436,19 +1432,19 @@
     </dgm:pt>
   </dgm:ptLst>
   <dgm:cxnLst>
+    <dgm:cxn modelId="{7C2517A4-18CE-924F-866D-0E1242068640}" type="presOf" srcId="{82A90042-09D5-244E-942B-859E6651293B}" destId="{A46FF8C8-9923-E04A-9858-061BC14A7BBA}" srcOrd="0" destOrd="0" presId="urn:microsoft.com/office/officeart/2009/layout/CircleArrowProcess"/>
+    <dgm:cxn modelId="{DEFE656C-9395-C54B-8017-5978CB0353CB}" srcId="{806CA583-6F7B-1442-BC30-7C5A2DCF7382}" destId="{82A90042-09D5-244E-942B-859E6651293B}" srcOrd="0" destOrd="0" parTransId="{EDA5739A-FAE5-D842-ADC2-104CFBCBFA84}" sibTransId="{08428D78-E24B-A947-8F21-821583892A44}"/>
+    <dgm:cxn modelId="{395BD204-E7DE-CE4C-89A4-71010CB9A851}" type="presOf" srcId="{00FE946D-5602-2E40-AF78-07AA90C00949}" destId="{90063860-69A2-7D4D-977A-0B6082081121}" srcOrd="0" destOrd="0" presId="urn:microsoft.com/office/officeart/2009/layout/CircleArrowProcess"/>
+    <dgm:cxn modelId="{6ED89394-3FBD-A748-B0C0-EF21F563DB34}" srcId="{806CA583-6F7B-1442-BC30-7C5A2DCF7382}" destId="{23BE406B-8FC0-EA49-9376-785B99E85F94}" srcOrd="4" destOrd="0" parTransId="{D390FE7A-3FF0-CC43-A483-E8942CFF911F}" sibTransId="{C6B67723-B0B6-EE46-BDB2-D6B72D1591F5}"/>
+    <dgm:cxn modelId="{6273B534-B3D8-6040-B0A8-907273708B9C}" srcId="{806CA583-6F7B-1442-BC30-7C5A2DCF7382}" destId="{0D3AD3BE-FAE6-684A-89C5-A6B7D25532A4}" srcOrd="1" destOrd="0" parTransId="{416E2B02-728F-D441-818F-75CF29BB7DBD}" sibTransId="{B55C1537-669B-CA46-ACC0-BE045DF0522A}"/>
+    <dgm:cxn modelId="{B08D1F3C-A915-C142-A904-0145F85A6859}" type="presOf" srcId="{3A06A258-2897-BE4B-BC8B-BE4AE10B6418}" destId="{F4A300AB-213F-2C4F-99D0-5C0883F66816}" srcOrd="0" destOrd="0" presId="urn:microsoft.com/office/officeart/2009/layout/CircleArrowProcess"/>
+    <dgm:cxn modelId="{7E2CE8EC-0581-9E4B-B416-A426AD2C14A3}" srcId="{806CA583-6F7B-1442-BC30-7C5A2DCF7382}" destId="{3785D4D6-BEE7-3F41-A4DA-071FF9283026}" srcOrd="5" destOrd="0" parTransId="{AB2F5A9F-7688-C145-92F1-EC6293FC3390}" sibTransId="{796DE90E-3C39-3B4C-9D04-1B2719A95421}"/>
     <dgm:cxn modelId="{7E13EDAF-B75E-0446-914A-CDB2E2C1AB33}" srcId="{806CA583-6F7B-1442-BC30-7C5A2DCF7382}" destId="{3A06A258-2897-BE4B-BC8B-BE4AE10B6418}" srcOrd="2" destOrd="0" parTransId="{3AAA81EB-2EAB-4040-874E-D10D0CC06819}" sibTransId="{17EF48EA-6A19-414B-84BC-121604E8574C}"/>
-    <dgm:cxn modelId="{6273B534-B3D8-6040-B0A8-907273708B9C}" srcId="{806CA583-6F7B-1442-BC30-7C5A2DCF7382}" destId="{0D3AD3BE-FAE6-684A-89C5-A6B7D25532A4}" srcOrd="1" destOrd="0" parTransId="{416E2B02-728F-D441-818F-75CF29BB7DBD}" sibTransId="{B55C1537-669B-CA46-ACC0-BE045DF0522A}"/>
+    <dgm:cxn modelId="{53BD8E24-38CF-EB40-9E46-8CCF91F65DDA}" srcId="{806CA583-6F7B-1442-BC30-7C5A2DCF7382}" destId="{00FE946D-5602-2E40-AF78-07AA90C00949}" srcOrd="3" destOrd="0" parTransId="{786FE575-ABA6-1B44-BF2C-4C20CEBF0DB3}" sibTransId="{B15B3A2C-C795-9649-A3C8-2B46161FBD79}"/>
     <dgm:cxn modelId="{051EF588-A2A8-5F41-A3D1-4D3B092FB6B2}" type="presOf" srcId="{806CA583-6F7B-1442-BC30-7C5A2DCF7382}" destId="{B7E09D3B-F6E7-324F-942E-CF0F868312D7}" srcOrd="0" destOrd="0" presId="urn:microsoft.com/office/officeart/2009/layout/CircleArrowProcess"/>
-    <dgm:cxn modelId="{7C2517A4-18CE-924F-866D-0E1242068640}" type="presOf" srcId="{82A90042-09D5-244E-942B-859E6651293B}" destId="{A46FF8C8-9923-E04A-9858-061BC14A7BBA}" srcOrd="0" destOrd="0" presId="urn:microsoft.com/office/officeart/2009/layout/CircleArrowProcess"/>
-    <dgm:cxn modelId="{7E2CE8EC-0581-9E4B-B416-A426AD2C14A3}" srcId="{806CA583-6F7B-1442-BC30-7C5A2DCF7382}" destId="{3785D4D6-BEE7-3F41-A4DA-071FF9283026}" srcOrd="5" destOrd="0" parTransId="{AB2F5A9F-7688-C145-92F1-EC6293FC3390}" sibTransId="{796DE90E-3C39-3B4C-9D04-1B2719A95421}"/>
+    <dgm:cxn modelId="{3F177D84-CAB1-D041-B344-E47BA0BD4CA4}" type="presOf" srcId="{3785D4D6-BEE7-3F41-A4DA-071FF9283026}" destId="{40FDAB20-7504-0A4E-B8A9-73F9D859052F}" srcOrd="0" destOrd="0" presId="urn:microsoft.com/office/officeart/2009/layout/CircleArrowProcess"/>
     <dgm:cxn modelId="{D40E7BC7-44D1-534F-9F6A-92026D28EF3C}" type="presOf" srcId="{23BE406B-8FC0-EA49-9376-785B99E85F94}" destId="{AA061E65-8560-1241-A792-86CDE2C87118}" srcOrd="0" destOrd="0" presId="urn:microsoft.com/office/officeart/2009/layout/CircleArrowProcess"/>
-    <dgm:cxn modelId="{395BD204-E7DE-CE4C-89A4-71010CB9A851}" type="presOf" srcId="{00FE946D-5602-2E40-AF78-07AA90C00949}" destId="{90063860-69A2-7D4D-977A-0B6082081121}" srcOrd="0" destOrd="0" presId="urn:microsoft.com/office/officeart/2009/layout/CircleArrowProcess"/>
-    <dgm:cxn modelId="{DEFE656C-9395-C54B-8017-5978CB0353CB}" srcId="{806CA583-6F7B-1442-BC30-7C5A2DCF7382}" destId="{82A90042-09D5-244E-942B-859E6651293B}" srcOrd="0" destOrd="0" parTransId="{EDA5739A-FAE5-D842-ADC2-104CFBCBFA84}" sibTransId="{08428D78-E24B-A947-8F21-821583892A44}"/>
-    <dgm:cxn modelId="{B08D1F3C-A915-C142-A904-0145F85A6859}" type="presOf" srcId="{3A06A258-2897-BE4B-BC8B-BE4AE10B6418}" destId="{F4A300AB-213F-2C4F-99D0-5C0883F66816}" srcOrd="0" destOrd="0" presId="urn:microsoft.com/office/officeart/2009/layout/CircleArrowProcess"/>
     <dgm:cxn modelId="{1B983F47-7F0B-3D43-A9D4-375A2C4D8B0D}" type="presOf" srcId="{0D3AD3BE-FAE6-684A-89C5-A6B7D25532A4}" destId="{22DAAAF5-D93D-1C44-9E93-4F0BC283BEF3}" srcOrd="0" destOrd="0" presId="urn:microsoft.com/office/officeart/2009/layout/CircleArrowProcess"/>
-    <dgm:cxn modelId="{53BD8E24-38CF-EB40-9E46-8CCF91F65DDA}" srcId="{806CA583-6F7B-1442-BC30-7C5A2DCF7382}" destId="{00FE946D-5602-2E40-AF78-07AA90C00949}" srcOrd="3" destOrd="0" parTransId="{786FE575-ABA6-1B44-BF2C-4C20CEBF0DB3}" sibTransId="{B15B3A2C-C795-9649-A3C8-2B46161FBD79}"/>
-    <dgm:cxn modelId="{3F177D84-CAB1-D041-B344-E47BA0BD4CA4}" type="presOf" srcId="{3785D4D6-BEE7-3F41-A4DA-071FF9283026}" destId="{40FDAB20-7504-0A4E-B8A9-73F9D859052F}" srcOrd="0" destOrd="0" presId="urn:microsoft.com/office/officeart/2009/layout/CircleArrowProcess"/>
-    <dgm:cxn modelId="{6ED89394-3FBD-A748-B0C0-EF21F563DB34}" srcId="{806CA583-6F7B-1442-BC30-7C5A2DCF7382}" destId="{23BE406B-8FC0-EA49-9376-785B99E85F94}" srcOrd="4" destOrd="0" parTransId="{D390FE7A-3FF0-CC43-A483-E8942CFF911F}" sibTransId="{C6B67723-B0B6-EE46-BDB2-D6B72D1591F5}"/>
     <dgm:cxn modelId="{436A6719-CC2B-1D40-8358-8B0DDE7798E1}" type="presParOf" srcId="{B7E09D3B-F6E7-324F-942E-CF0F868312D7}" destId="{34EEFE88-6680-2C4C-B733-823DC821803B}" srcOrd="0" destOrd="0" presId="urn:microsoft.com/office/officeart/2009/layout/CircleArrowProcess"/>
     <dgm:cxn modelId="{B5C8C3FC-0BB3-D44F-87C9-44A464990A80}" type="presParOf" srcId="{34EEFE88-6680-2C4C-B733-823DC821803B}" destId="{C42A544C-44D4-314F-A2FE-CDBA6434E29D}" srcOrd="0" destOrd="0" presId="urn:microsoft.com/office/officeart/2009/layout/CircleArrowProcess"/>
     <dgm:cxn modelId="{96410D97-9957-1441-A887-E4EB9F25F8D7}" type="presParOf" srcId="{B7E09D3B-F6E7-324F-942E-CF0F868312D7}" destId="{A46FF8C8-9923-E04A-9858-061BC14A7BBA}" srcOrd="1" destOrd="0" presId="urn:microsoft.com/office/officeart/2009/layout/CircleArrowProcess"/>
@@ -1472,7 +1468,7 @@
   <dgm:whole/>
   <dgm:extLst>
     <a:ext uri="http://schemas.microsoft.com/office/drawing/2008/diagram">
-      <dsp:dataModelExt xmlns:dsp="http://schemas.microsoft.com/office/drawing/2008/diagram" relId="rId10" minVer="http://schemas.openxmlformats.org/drawingml/2006/diagram"/>
+      <dsp:dataModelExt xmlns:dsp="http://schemas.microsoft.com/office/drawing/2008/diagram" relId="rId12" minVer="http://schemas.openxmlformats.org/drawingml/2006/diagram"/>
     </a:ext>
     <a:ext uri="{C62137D5-CB1D-491B-B009-E17868A290BF}">
       <dgm14:recolorImg xmlns:dgm14="http://schemas.microsoft.com/office/drawing/2010/diagram" val="1"/>
@@ -2234,11 +2230,7 @@
           </a:pPr>
           <a:r>
             <a:rPr lang="en-US" sz="1100" kern="1200" dirty="0" smtClean="0"/>
-            <a:t>Feature </a:t>
-          </a:r>
-          <a:r>
-            <a:rPr lang="en-US" sz="1100" kern="1200" dirty="0" smtClean="0"/>
-            <a:t>Extraction</a:t>
+            <a:t>Feature Extraction</a:t>
           </a:r>
           <a:endParaRPr lang="en-US" sz="1100" kern="1200" dirty="0"/>
         </a:p>
@@ -8560,7 +8552,7 @@
               <a:graphicData uri="http://schemas.openxmlformats.org/presentationml/2006/ole">
                 <mc:AlternateContent xmlns:mc="http://schemas.openxmlformats.org/markup-compatibility/2006">
                   <mc:Choice xmlns:v="urn:schemas-microsoft-com:vml" Requires="v">
-                    <p:oleObj spid="_x0000_s1064" name="Image" r:id="rId8" imgW="1828440" imgH="1117440" progId="Photoshop.Image.13">
+                    <p:oleObj spid="_x0000_s1173" name="Image" r:id="rId8" imgW="1828440" imgH="1117440" progId="Photoshop.Image.13">
                       <p:embed/>
                     </p:oleObj>
                   </mc:Choice>
@@ -8617,7 +8609,7 @@
               <a:graphicData uri="http://schemas.openxmlformats.org/presentationml/2006/ole">
                 <mc:AlternateContent xmlns:mc="http://schemas.openxmlformats.org/markup-compatibility/2006">
                   <mc:Choice xmlns:v="urn:schemas-microsoft-com:vml" Requires="v">
-                    <p:oleObj spid="_x0000_s1065" name="Image" r:id="rId10" imgW="1828440" imgH="1117440" progId="Photoshop.Image.13">
+                    <p:oleObj spid="_x0000_s1174" name="Image" r:id="rId10" imgW="1828440" imgH="1117440" progId="Photoshop.Image.13">
                       <p:embed/>
                     </p:oleObj>
                   </mc:Choice>
@@ -9745,7 +9737,7 @@
             <a:graphicData uri="http://schemas.openxmlformats.org/presentationml/2006/ole">
               <mc:AlternateContent xmlns:mc="http://schemas.openxmlformats.org/markup-compatibility/2006">
                 <mc:Choice xmlns:v="urn:schemas-microsoft-com:vml" Requires="v">
-                  <p:oleObj spid="_x0000_s1066" name="Image" r:id="rId12" imgW="4571280" imgH="1688760" progId="Photoshop.Image.13">
+                  <p:oleObj spid="_x0000_s1175" name="Image" r:id="rId12" imgW="4571280" imgH="1688760" progId="Photoshop.Image.13">
                     <p:embed/>
                   </p:oleObj>
                 </mc:Choice>
@@ -9829,7 +9821,7 @@
             <a:graphicData uri="http://schemas.openxmlformats.org/presentationml/2006/ole">
               <mc:AlternateContent xmlns:mc="http://schemas.openxmlformats.org/markup-compatibility/2006">
                 <mc:Choice xmlns:v="urn:schemas-microsoft-com:vml" Requires="v">
-                  <p:oleObj spid="_x0000_s1067" name="Image" r:id="rId15" imgW="1574280" imgH="1053720" progId="Photoshop.Image.13">
+                  <p:oleObj spid="_x0000_s1176" name="Image" r:id="rId15" imgW="1574280" imgH="1053720" progId="Photoshop.Image.13">
                     <p:embed/>
                   </p:oleObj>
                 </mc:Choice>
@@ -10457,7 +10449,7 @@
 </file>
 
 <file path=ppt/slides/slide1.xml><?xml version="1.0" encoding="utf-8"?>
-<p:sld xmlns:a="http://schemas.openxmlformats.org/drawingml/2006/main" xmlns:r="http://schemas.openxmlformats.org/officeDocument/2006/relationships" xmlns:p="http://schemas.openxmlformats.org/presentationml/2006/main">
+<p:sld xmlns:a="http://schemas.openxmlformats.org/drawingml/2006/main" xmlns:r="http://schemas.openxmlformats.org/officeDocument/2006/relationships" xmlns:p="http://schemas.openxmlformats.org/presentationml/2006/main" show="0">
   <p:cSld>
     <p:spTree>
       <p:nvGrpSpPr>
@@ -10575,12 +10567,57 @@
             <p:ph type="body" sz="quarter" idx="21"/>
           </p:nvPr>
         </p:nvSpPr>
-        <p:spPr/>
+        <p:spPr>
+          <a:xfrm>
+            <a:off x="5323859" y="5686850"/>
+            <a:ext cx="9651689" cy="1511136"/>
+          </a:xfrm>
+        </p:spPr>
         <p:txBody>
           <a:bodyPr/>
           <a:lstStyle/>
           <a:p>
-            <a:endParaRPr lang="en-US"/>
+            <a:r>
+              <a:rPr lang="en-US" b="1" dirty="0" smtClean="0"/>
+              <a:t>1. Hand Detection: </a:t>
+            </a:r>
+          </a:p>
+          <a:p>
+            <a:pPr marL="285750" indent="-285750">
+              <a:buFont typeface="Arial"/>
+              <a:buChar char="•"/>
+            </a:pPr>
+            <a:r>
+              <a:rPr lang="en-US" sz="1800" dirty="0" smtClean="0"/>
+              <a:t>Primary task skin color detection . A </a:t>
+            </a:r>
+            <a:r>
+              <a:rPr lang="en-US" sz="1800" dirty="0"/>
+              <a:t>pixel is classified as a skin pixel </a:t>
+            </a:r>
+            <a:r>
+              <a:rPr lang="en-US" sz="1800" dirty="0" smtClean="0"/>
+              <a:t>if </a:t>
+            </a:r>
+            <a:r>
+              <a:rPr lang="en-US" sz="1800" dirty="0"/>
+              <a:t>it satisfies an OR condition of the following formulas in RGB space and </a:t>
+            </a:r>
+            <a:r>
+              <a:rPr lang="en-US" sz="1800" dirty="0" err="1"/>
+              <a:t>YCbCr</a:t>
+            </a:r>
+            <a:r>
+              <a:rPr lang="en-US" sz="1800" dirty="0"/>
+              <a:t> </a:t>
+            </a:r>
+            <a:r>
+              <a:rPr lang="en-US" sz="1800" dirty="0" smtClean="0"/>
+              <a:t>space. </a:t>
+            </a:r>
+          </a:p>
+          <a:p>
+            <a:endParaRPr lang="en-US" sz="1800" dirty="0"/>
           </a:p>
         </p:txBody>
       </p:sp>
@@ -10594,14 +10631,19 @@
             <p:ph type="body" sz="quarter" idx="22"/>
           </p:nvPr>
         </p:nvSpPr>
-        <p:spPr/>
+        <p:spPr>
+          <a:xfrm>
+            <a:off x="5157259" y="4997695"/>
+            <a:ext cx="9822656" cy="507813"/>
+          </a:xfrm>
+        </p:spPr>
         <p:txBody>
           <a:bodyPr/>
           <a:lstStyle/>
           <a:p>
             <a:r>
               <a:rPr lang="en-US" dirty="0" smtClean="0"/>
-              <a:t>Procedure</a:t>
+              <a:t>Execution Methodology</a:t>
             </a:r>
             <a:endParaRPr lang="en-US" dirty="0"/>
           </a:p>
@@ -10609,7 +10651,1947 @@
       </p:sp>
       <p:sp>
         <p:nvSpPr>
-          <p:cNvPr id="9" name="Text Placeholder 8"/>
+          <p:cNvPr id="13" name="Text Placeholder 12"/>
+          <p:cNvSpPr>
+            <a:spLocks noGrp="1"/>
+          </p:cNvSpPr>
+          <p:nvPr>
+            <p:ph type="body" sz="quarter" idx="27"/>
+          </p:nvPr>
+        </p:nvSpPr>
+        <p:spPr>
+          <a:xfrm>
+            <a:off x="239382" y="22492726"/>
+            <a:ext cx="4675584" cy="507813"/>
+          </a:xfrm>
+        </p:spPr>
+        <p:txBody>
+          <a:bodyPr/>
+          <a:lstStyle/>
+          <a:p>
+            <a:r>
+              <a:rPr lang="en-US" dirty="0" smtClean="0"/>
+              <a:t>Algorithm</a:t>
+            </a:r>
+            <a:endParaRPr lang="en-US" dirty="0"/>
+          </a:p>
+        </p:txBody>
+      </p:sp>
+      <p:sp>
+        <p:nvSpPr>
+          <p:cNvPr id="17" name="Text Placeholder 16"/>
+          <p:cNvSpPr>
+            <a:spLocks noGrp="1"/>
+          </p:cNvSpPr>
+          <p:nvPr>
+            <p:ph type="body" sz="quarter" idx="96"/>
+          </p:nvPr>
+        </p:nvSpPr>
+        <p:spPr>
+          <a:xfrm>
+            <a:off x="245931" y="10935269"/>
+            <a:ext cx="4675584" cy="11886280"/>
+          </a:xfrm>
+        </p:spPr>
+        <p:txBody>
+          <a:bodyPr/>
+          <a:lstStyle/>
+          <a:p>
+            <a:pPr algn="just"/>
+            <a:r>
+              <a:rPr lang="en-US" sz="1800" dirty="0"/>
+              <a:t>There are two major approaches for Hand gesture recognition: Data glove and Vision based. The Data glove approach uses a glove with sensors attached to track finger blending, positioning and orientation. In this paper we have gone ahead with vision based approach, as it is more cost effective and feasible since the user does not have to wear a cumbersome device. In hand based gesture recognition systems, hand tracking and segmentation are the most important and challenging steps towards gesture recognition. Uncontrolled environment, lighting conditions, noisy background, skin color detection and rapid hand movements are some of the challenges that need to be considered while capturing and tracking the hand gestures.</a:t>
+            </a:r>
+          </a:p>
+          <a:p>
+            <a:pPr algn="just"/>
+            <a:r>
+              <a:rPr lang="en-US" sz="1800" dirty="0"/>
+              <a:t>The second major step after Hand segmentation is Shape Feature extraction from the segmented hand. The shape feature extraction can usually be divided into contour based and region based. In our work, we have used contour based method which extracts shape feature information from the boundary of the entity. We have used Fourier descriptor method as it can overcome the effect of noise and boundary variations by analyzing the shape in spectral domain. Furthermore, they are compact, computationally light and there matching is a relatively simple process</a:t>
+            </a:r>
+            <a:r>
+              <a:rPr lang="en-US" sz="1800" dirty="0" smtClean="0"/>
+              <a:t>.</a:t>
+            </a:r>
+          </a:p>
+          <a:p>
+            <a:pPr algn="just"/>
+            <a:r>
+              <a:rPr lang="en-US" sz="1800" dirty="0"/>
+              <a:t>The final step of the process involves training a classifier using the shape features extracted from the training data set collected, and using it to predict or classify a given gesture. In our work we have tried various methods like Neural Networks, K nearest neighbor and PCA for the purpose of classification, and have included the results obtained from each of the methods.</a:t>
+            </a:r>
+          </a:p>
+          <a:p>
+            <a:pPr algn="just"/>
+            <a:endParaRPr lang="en-US" sz="1800" dirty="0" smtClean="0"/>
+          </a:p>
+          <a:p>
+            <a:pPr algn="just"/>
+            <a:endParaRPr lang="en-US" sz="1800" dirty="0"/>
+          </a:p>
+        </p:txBody>
+      </p:sp>
+      <p:sp>
+        <p:nvSpPr>
+          <p:cNvPr id="19" name="Text Placeholder 18"/>
+          <p:cNvSpPr>
+            <a:spLocks noGrp="1"/>
+          </p:cNvSpPr>
+          <p:nvPr>
+            <p:ph type="body" sz="quarter" idx="150"/>
+          </p:nvPr>
+        </p:nvSpPr>
+        <p:spPr/>
+        <p:txBody>
+          <a:bodyPr>
+            <a:normAutofit fontScale="55000" lnSpcReduction="20000"/>
+          </a:bodyPr>
+          <a:lstStyle/>
+          <a:p>
+            <a:r>
+              <a:rPr lang="en-US" dirty="0" err="1"/>
+              <a:t>Saikat</a:t>
+            </a:r>
+            <a:r>
+              <a:rPr lang="en-US" dirty="0"/>
+              <a:t> </a:t>
+            </a:r>
+            <a:r>
+              <a:rPr lang="en-US" dirty="0" err="1"/>
+              <a:t>RoyChowdhury</a:t>
+            </a:r>
+            <a:r>
+              <a:rPr lang="en-US" dirty="0"/>
+              <a:t> (</a:t>
+            </a:r>
+            <a:r>
+              <a:rPr lang="en-US" dirty="0">
+                <a:hlinkClick r:id="rId3"/>
+              </a:rPr>
+              <a:t>rychwdh2@illinois.edu</a:t>
+            </a:r>
+            <a:r>
+              <a:rPr lang="en-US" dirty="0" smtClean="0"/>
+              <a:t>)</a:t>
+            </a:r>
+            <a:endParaRPr lang="en-US" dirty="0" smtClean="0"/>
+          </a:p>
+          <a:p>
+            <a:r>
+              <a:rPr lang="en-US" dirty="0" smtClean="0"/>
+              <a:t>Shyam Rajendran (</a:t>
+            </a:r>
+            <a:r>
+              <a:rPr lang="en-US" dirty="0" smtClean="0">
+                <a:hlinkClick r:id="rId4"/>
+              </a:rPr>
+              <a:t>srajend2@illinois.edu</a:t>
+            </a:r>
+            <a:r>
+              <a:rPr lang="en-US" dirty="0" smtClean="0"/>
+              <a:t>)</a:t>
+            </a:r>
+          </a:p>
+          <a:p>
+            <a:r>
+              <a:rPr lang="en-US" dirty="0" err="1" smtClean="0"/>
+              <a:t>Udit</a:t>
+            </a:r>
+            <a:r>
+              <a:rPr lang="en-US" dirty="0" smtClean="0"/>
+              <a:t> </a:t>
+            </a:r>
+            <a:r>
+              <a:rPr lang="en-US" dirty="0" err="1" smtClean="0"/>
+              <a:t>Mehrotra</a:t>
+            </a:r>
+            <a:r>
+              <a:rPr lang="en-US" dirty="0"/>
+              <a:t> (</a:t>
+            </a:r>
+            <a:r>
+              <a:rPr lang="en-US" dirty="0">
+                <a:hlinkClick r:id="rId5"/>
+              </a:rPr>
+              <a:t>umehrot2@</a:t>
+            </a:r>
+            <a:r>
+              <a:rPr lang="en-US" dirty="0" smtClean="0">
+                <a:hlinkClick r:id="rId5"/>
+              </a:rPr>
+              <a:t>illinois.edu</a:t>
+            </a:r>
+            <a:r>
+              <a:rPr lang="en-US" dirty="0" smtClean="0"/>
+              <a:t>)</a:t>
+            </a:r>
+          </a:p>
+          <a:p>
+            <a:endParaRPr lang="en-US" dirty="0"/>
+          </a:p>
+        </p:txBody>
+      </p:sp>
+      <p:sp>
+        <p:nvSpPr>
+          <p:cNvPr id="43" name="Text Placeholder 42"/>
+          <p:cNvSpPr>
+            <a:spLocks noGrp="1"/>
+          </p:cNvSpPr>
+          <p:nvPr>
+            <p:ph type="body" sz="quarter" idx="184"/>
+          </p:nvPr>
+        </p:nvSpPr>
+        <p:spPr/>
+        <p:txBody>
+          <a:bodyPr>
+            <a:normAutofit fontScale="92500" lnSpcReduction="10000"/>
+          </a:bodyPr>
+          <a:lstStyle/>
+          <a:p>
+            <a:r>
+              <a:rPr lang="en-US" dirty="0" smtClean="0"/>
+              <a:t>Masters Computer Science, </a:t>
+            </a:r>
+          </a:p>
+          <a:p>
+            <a:r>
+              <a:rPr lang="en-US" dirty="0" smtClean="0"/>
+              <a:t>University of Illinois, Urbana Champaign</a:t>
+            </a:r>
+            <a:endParaRPr lang="en-US" dirty="0"/>
+          </a:p>
+        </p:txBody>
+      </p:sp>
+      <p:sp>
+        <p:nvSpPr>
+          <p:cNvPr id="44" name="Text Placeholder 43"/>
+          <p:cNvSpPr>
+            <a:spLocks noGrp="1"/>
+          </p:cNvSpPr>
+          <p:nvPr>
+            <p:ph type="body" sz="quarter" idx="185"/>
+          </p:nvPr>
+        </p:nvSpPr>
+        <p:spPr/>
+        <p:txBody>
+          <a:bodyPr>
+            <a:normAutofit fontScale="77500" lnSpcReduction="20000"/>
+          </a:bodyPr>
+          <a:lstStyle/>
+          <a:p>
+            <a:r>
+              <a:rPr lang="en-US" dirty="0" smtClean="0"/>
+              <a:t>American Sign Language (ASL) Recognition</a:t>
+            </a:r>
+            <a:endParaRPr lang="en-US" dirty="0"/>
+          </a:p>
+        </p:txBody>
+      </p:sp>
+      <p:pic>
+        <p:nvPicPr>
+          <p:cNvPr id="5" name="Picture 4" descr="nn.png"/>
+          <p:cNvPicPr>
+            <a:picLocks noChangeAspect="1"/>
+          </p:cNvPicPr>
+          <p:nvPr/>
+        </p:nvPicPr>
+        <p:blipFill>
+          <a:blip r:embed="rId6">
+            <a:extLst>
+              <a:ext uri="{28A0092B-C50C-407E-A947-70E740481C1C}">
+                <a14:useLocalDpi xmlns:a14="http://schemas.microsoft.com/office/drawing/2010/main" val="0"/>
+              </a:ext>
+            </a:extLst>
+          </a:blip>
+          <a:stretch>
+            <a:fillRect/>
+          </a:stretch>
+        </p:blipFill>
+        <p:spPr>
+          <a:xfrm>
+            <a:off x="15254127" y="13265058"/>
+            <a:ext cx="4580986" cy="1862213"/>
+          </a:xfrm>
+          <a:prstGeom prst="rect">
+            <a:avLst/>
+          </a:prstGeom>
+        </p:spPr>
+      </p:pic>
+      <p:pic>
+        <p:nvPicPr>
+          <p:cNvPr id="22" name="Picture 21" descr="con.png"/>
+          <p:cNvPicPr>
+            <a:picLocks noChangeAspect="1"/>
+          </p:cNvPicPr>
+          <p:nvPr/>
+        </p:nvPicPr>
+        <p:blipFill>
+          <a:blip r:embed="rId7">
+            <a:extLst>
+              <a:ext uri="{28A0092B-C50C-407E-A947-70E740481C1C}">
+                <a14:useLocalDpi xmlns:a14="http://schemas.microsoft.com/office/drawing/2010/main" val="0"/>
+              </a:ext>
+            </a:extLst>
+          </a:blip>
+          <a:stretch>
+            <a:fillRect/>
+          </a:stretch>
+        </p:blipFill>
+        <p:spPr>
+          <a:xfrm>
+            <a:off x="15254127" y="15555258"/>
+            <a:ext cx="4580985" cy="1869386"/>
+          </a:xfrm>
+          <a:prstGeom prst="rect">
+            <a:avLst/>
+          </a:prstGeom>
+        </p:spPr>
+      </p:pic>
+      <p:graphicFrame>
+        <p:nvGraphicFramePr>
+          <p:cNvPr id="25" name="Diagram 24"/>
+          <p:cNvGraphicFramePr/>
+          <p:nvPr>
+            <p:extLst>
+              <p:ext uri="{D42A27DB-BD31-4B8C-83A1-F6EECF244321}">
+                <p14:modId xmlns:p14="http://schemas.microsoft.com/office/powerpoint/2010/main" val="4098575976"/>
+              </p:ext>
+            </p:extLst>
+          </p:nvPr>
+        </p:nvGraphicFramePr>
+        <p:xfrm>
+          <a:off x="-3438084" y="23192582"/>
+          <a:ext cx="11967994" cy="6577897"/>
+        </p:xfrm>
+        <a:graphic>
+          <a:graphicData uri="http://schemas.openxmlformats.org/drawingml/2006/diagram">
+            <dgm:relIds xmlns:dgm="http://schemas.openxmlformats.org/drawingml/2006/diagram" xmlns:r="http://schemas.openxmlformats.org/officeDocument/2006/relationships" r:dm="rId8" r:lo="rId9" r:qs="rId10" r:cs="rId11"/>
+          </a:graphicData>
+        </a:graphic>
+      </p:graphicFrame>
+      <p:sp>
+        <p:nvSpPr>
+          <p:cNvPr id="31" name="Text Placeholder 9"/>
+          <p:cNvSpPr txBox="1">
+            <a:spLocks/>
+          </p:cNvSpPr>
+          <p:nvPr/>
+        </p:nvSpPr>
+        <p:spPr>
+          <a:xfrm>
+            <a:off x="15254127" y="4997695"/>
+            <a:ext cx="4652320" cy="507813"/>
+          </a:xfrm>
+          <a:prstGeom prst="rect">
+            <a:avLst/>
+          </a:prstGeom>
+          <a:noFill/>
+        </p:spPr>
+        <p:txBody>
+          <a:bodyPr wrap="square" lIns="60951" tIns="60951" rIns="60951" bIns="60951" anchor="ctr" anchorCtr="0">
+            <a:spAutoFit/>
+          </a:bodyPr>
+          <a:lstStyle>
+            <a:lvl1pPr marL="0" indent="0" algn="ctr" defTabSz="2925641" rtl="0" eaLnBrk="1" latinLnBrk="0" hangingPunct="1">
+              <a:spcBef>
+                <a:spcPct val="20000"/>
+              </a:spcBef>
+              <a:buFont typeface="Arial" pitchFamily="34" charset="0"/>
+              <a:buNone/>
+              <a:defRPr sz="2500" b="1" u="sng" kern="1200" baseline="0">
+                <a:solidFill>
+                  <a:schemeClr val="accent5">
+                    <a:lumMod val="50000"/>
+                  </a:schemeClr>
+                </a:solidFill>
+                <a:latin typeface="+mn-lt"/>
+                <a:ea typeface="+mn-ea"/>
+                <a:cs typeface="+mn-cs"/>
+              </a:defRPr>
+            </a:lvl1pPr>
+            <a:lvl2pPr marL="2377084" indent="-914263" algn="l" defTabSz="2925641" rtl="0" eaLnBrk="1" latinLnBrk="0" hangingPunct="1">
+              <a:spcBef>
+                <a:spcPct val="20000"/>
+              </a:spcBef>
+              <a:buFont typeface="Arial" pitchFamily="34" charset="0"/>
+              <a:buChar char="–"/>
+              <a:defRPr sz="9000" kern="1200">
+                <a:solidFill>
+                  <a:schemeClr val="tx1"/>
+                </a:solidFill>
+                <a:latin typeface="+mn-lt"/>
+                <a:ea typeface="+mn-ea"/>
+                <a:cs typeface="+mn-cs"/>
+              </a:defRPr>
+            </a:lvl2pPr>
+            <a:lvl3pPr marL="3657052" indent="-731411" algn="l" defTabSz="2925641" rtl="0" eaLnBrk="1" latinLnBrk="0" hangingPunct="1">
+              <a:spcBef>
+                <a:spcPct val="20000"/>
+              </a:spcBef>
+              <a:buFont typeface="Arial" pitchFamily="34" charset="0"/>
+              <a:buChar char="•"/>
+              <a:defRPr sz="7700" kern="1200">
+                <a:solidFill>
+                  <a:schemeClr val="tx1"/>
+                </a:solidFill>
+                <a:latin typeface="+mn-lt"/>
+                <a:ea typeface="+mn-ea"/>
+                <a:cs typeface="+mn-cs"/>
+              </a:defRPr>
+            </a:lvl3pPr>
+            <a:lvl4pPr marL="5119873" indent="-731411" algn="l" defTabSz="2925641" rtl="0" eaLnBrk="1" latinLnBrk="0" hangingPunct="1">
+              <a:spcBef>
+                <a:spcPct val="20000"/>
+              </a:spcBef>
+              <a:buFont typeface="Arial" pitchFamily="34" charset="0"/>
+              <a:buChar char="–"/>
+              <a:defRPr sz="6400" kern="1200">
+                <a:solidFill>
+                  <a:schemeClr val="tx1"/>
+                </a:solidFill>
+                <a:latin typeface="+mn-lt"/>
+                <a:ea typeface="+mn-ea"/>
+                <a:cs typeface="+mn-cs"/>
+              </a:defRPr>
+            </a:lvl4pPr>
+            <a:lvl5pPr marL="6582692" indent="-731411" algn="l" defTabSz="2925641" rtl="0" eaLnBrk="1" latinLnBrk="0" hangingPunct="1">
+              <a:spcBef>
+                <a:spcPct val="20000"/>
+              </a:spcBef>
+              <a:buFont typeface="Arial" pitchFamily="34" charset="0"/>
+              <a:buChar char="»"/>
+              <a:defRPr sz="6400" kern="1200">
+                <a:solidFill>
+                  <a:schemeClr val="tx1"/>
+                </a:solidFill>
+                <a:latin typeface="+mn-lt"/>
+                <a:ea typeface="+mn-ea"/>
+                <a:cs typeface="+mn-cs"/>
+              </a:defRPr>
+            </a:lvl5pPr>
+            <a:lvl6pPr marL="8045513" indent="-731411" algn="l" defTabSz="2925641" rtl="0" eaLnBrk="1" latinLnBrk="0" hangingPunct="1">
+              <a:spcBef>
+                <a:spcPct val="20000"/>
+              </a:spcBef>
+              <a:buFont typeface="Arial" pitchFamily="34" charset="0"/>
+              <a:buChar char="•"/>
+              <a:defRPr sz="6400" kern="1200">
+                <a:solidFill>
+                  <a:schemeClr val="tx1"/>
+                </a:solidFill>
+                <a:latin typeface="+mn-lt"/>
+                <a:ea typeface="+mn-ea"/>
+                <a:cs typeface="+mn-cs"/>
+              </a:defRPr>
+            </a:lvl6pPr>
+            <a:lvl7pPr marL="9508333" indent="-731411" algn="l" defTabSz="2925641" rtl="0" eaLnBrk="1" latinLnBrk="0" hangingPunct="1">
+              <a:spcBef>
+                <a:spcPct val="20000"/>
+              </a:spcBef>
+              <a:buFont typeface="Arial" pitchFamily="34" charset="0"/>
+              <a:buChar char="•"/>
+              <a:defRPr sz="6400" kern="1200">
+                <a:solidFill>
+                  <a:schemeClr val="tx1"/>
+                </a:solidFill>
+                <a:latin typeface="+mn-lt"/>
+                <a:ea typeface="+mn-ea"/>
+                <a:cs typeface="+mn-cs"/>
+              </a:defRPr>
+            </a:lvl7pPr>
+            <a:lvl8pPr marL="10971154" indent="-731411" algn="l" defTabSz="2925641" rtl="0" eaLnBrk="1" latinLnBrk="0" hangingPunct="1">
+              <a:spcBef>
+                <a:spcPct val="20000"/>
+              </a:spcBef>
+              <a:buFont typeface="Arial" pitchFamily="34" charset="0"/>
+              <a:buChar char="•"/>
+              <a:defRPr sz="6400" kern="1200">
+                <a:solidFill>
+                  <a:schemeClr val="tx1"/>
+                </a:solidFill>
+                <a:latin typeface="+mn-lt"/>
+                <a:ea typeface="+mn-ea"/>
+                <a:cs typeface="+mn-cs"/>
+              </a:defRPr>
+            </a:lvl8pPr>
+            <a:lvl9pPr marL="12433974" indent="-731411" algn="l" defTabSz="2925641" rtl="0" eaLnBrk="1" latinLnBrk="0" hangingPunct="1">
+              <a:spcBef>
+                <a:spcPct val="20000"/>
+              </a:spcBef>
+              <a:buFont typeface="Arial" pitchFamily="34" charset="0"/>
+              <a:buChar char="•"/>
+              <a:defRPr sz="6400" kern="1200">
+                <a:solidFill>
+                  <a:schemeClr val="tx1"/>
+                </a:solidFill>
+                <a:latin typeface="+mn-lt"/>
+                <a:ea typeface="+mn-ea"/>
+                <a:cs typeface="+mn-cs"/>
+              </a:defRPr>
+            </a:lvl9pPr>
+          </a:lstStyle>
+          <a:p>
+            <a:r>
+              <a:rPr lang="en-US" dirty="0" smtClean="0"/>
+              <a:t>Classification Results</a:t>
+            </a:r>
+            <a:endParaRPr lang="en-US" dirty="0"/>
+          </a:p>
+        </p:txBody>
+      </p:sp>
+      <p:pic>
+        <p:nvPicPr>
+          <p:cNvPr id="4" name="Picture 3" descr="for.png"/>
+          <p:cNvPicPr>
+            <a:picLocks noChangeAspect="1"/>
+          </p:cNvPicPr>
+          <p:nvPr/>
+        </p:nvPicPr>
+        <p:blipFill>
+          <a:blip r:embed="rId13">
+            <a:extLst>
+              <a:ext uri="{28A0092B-C50C-407E-A947-70E740481C1C}">
+                <a14:useLocalDpi xmlns:a14="http://schemas.microsoft.com/office/drawing/2010/main" val="0"/>
+              </a:ext>
+            </a:extLst>
+          </a:blip>
+          <a:stretch>
+            <a:fillRect/>
+          </a:stretch>
+        </p:blipFill>
+        <p:spPr>
+          <a:xfrm>
+            <a:off x="5979036" y="6844122"/>
+            <a:ext cx="3386258" cy="1130441"/>
+          </a:xfrm>
+          <a:prstGeom prst="rect">
+            <a:avLst/>
+          </a:prstGeom>
+        </p:spPr>
+      </p:pic>
+      <p:pic>
+        <p:nvPicPr>
+          <p:cNvPr id="18" name="Picture 17" descr="for2.png"/>
+          <p:cNvPicPr>
+            <a:picLocks noChangeAspect="1"/>
+          </p:cNvPicPr>
+          <p:nvPr/>
+        </p:nvPicPr>
+        <p:blipFill>
+          <a:blip r:embed="rId14">
+            <a:extLst>
+              <a:ext uri="{28A0092B-C50C-407E-A947-70E740481C1C}">
+                <a14:useLocalDpi xmlns:a14="http://schemas.microsoft.com/office/drawing/2010/main" val="0"/>
+              </a:ext>
+            </a:extLst>
+          </a:blip>
+          <a:stretch>
+            <a:fillRect/>
+          </a:stretch>
+        </p:blipFill>
+        <p:spPr>
+          <a:xfrm>
+            <a:off x="10516416" y="6898601"/>
+            <a:ext cx="2876936" cy="1130441"/>
+          </a:xfrm>
+          <a:prstGeom prst="rect">
+            <a:avLst/>
+          </a:prstGeom>
+        </p:spPr>
+      </p:pic>
+      <p:sp>
+        <p:nvSpPr>
+          <p:cNvPr id="23" name="Rectangle 22"/>
+          <p:cNvSpPr/>
+          <p:nvPr/>
+        </p:nvSpPr>
+        <p:spPr>
+          <a:xfrm>
+            <a:off x="6437640" y="8011397"/>
+            <a:ext cx="2550874" cy="353943"/>
+          </a:xfrm>
+          <a:prstGeom prst="rect">
+            <a:avLst/>
+          </a:prstGeom>
+        </p:spPr>
+        <p:txBody>
+          <a:bodyPr wrap="square">
+            <a:spAutoFit/>
+          </a:bodyPr>
+          <a:lstStyle/>
+          <a:p>
+            <a:r>
+              <a:rPr lang="en-US" sz="1700" b="1" i="1" dirty="0" smtClean="0">
+                <a:solidFill>
+                  <a:schemeClr val="accent5">
+                    <a:lumMod val="50000"/>
+                  </a:schemeClr>
+                </a:solidFill>
+                <a:latin typeface="Times New Roman" panose="02020603050405020304" pitchFamily="18" charset="0"/>
+                <a:cs typeface="Times New Roman" panose="02020603050405020304" pitchFamily="18" charset="0"/>
+              </a:rPr>
+              <a:t>RGB</a:t>
+            </a:r>
+            <a:r>
+              <a:rPr lang="en-US" sz="1700" b="1" i="1" dirty="0" smtClean="0"/>
+              <a:t> </a:t>
+            </a:r>
+            <a:r>
+              <a:rPr lang="en-US" sz="1700" b="1" i="1" dirty="0" smtClean="0">
+                <a:solidFill>
+                  <a:schemeClr val="accent5">
+                    <a:lumMod val="50000"/>
+                  </a:schemeClr>
+                </a:solidFill>
+                <a:latin typeface="Times New Roman" panose="02020603050405020304" pitchFamily="18" charset="0"/>
+                <a:cs typeface="Times New Roman" panose="02020603050405020304" pitchFamily="18" charset="0"/>
+              </a:rPr>
+              <a:t>based</a:t>
+            </a:r>
+            <a:r>
+              <a:rPr lang="en-US" sz="1700" b="1" i="1" dirty="0" smtClean="0"/>
+              <a:t> </a:t>
+            </a:r>
+            <a:r>
+              <a:rPr lang="en-US" sz="1700" b="1" i="1" dirty="0" smtClean="0">
+                <a:solidFill>
+                  <a:schemeClr val="accent5">
+                    <a:lumMod val="50000"/>
+                  </a:schemeClr>
+                </a:solidFill>
+                <a:latin typeface="Times New Roman" panose="02020603050405020304" pitchFamily="18" charset="0"/>
+                <a:cs typeface="Times New Roman" panose="02020603050405020304" pitchFamily="18" charset="0"/>
+              </a:rPr>
+              <a:t>formulae</a:t>
+            </a:r>
+            <a:endParaRPr lang="en-US" sz="1700" b="1" i="1" dirty="0">
+              <a:solidFill>
+                <a:schemeClr val="accent5">
+                  <a:lumMod val="50000"/>
+                </a:schemeClr>
+              </a:solidFill>
+              <a:latin typeface="Times New Roman" panose="02020603050405020304" pitchFamily="18" charset="0"/>
+              <a:cs typeface="Times New Roman" panose="02020603050405020304" pitchFamily="18" charset="0"/>
+            </a:endParaRPr>
+          </a:p>
+        </p:txBody>
+      </p:sp>
+      <p:sp>
+        <p:nvSpPr>
+          <p:cNvPr id="28" name="Rectangle 27"/>
+          <p:cNvSpPr/>
+          <p:nvPr/>
+        </p:nvSpPr>
+        <p:spPr>
+          <a:xfrm>
+            <a:off x="10842478" y="8029042"/>
+            <a:ext cx="2550874" cy="353943"/>
+          </a:xfrm>
+          <a:prstGeom prst="rect">
+            <a:avLst/>
+          </a:prstGeom>
+        </p:spPr>
+        <p:txBody>
+          <a:bodyPr wrap="square">
+            <a:spAutoFit/>
+          </a:bodyPr>
+          <a:lstStyle/>
+          <a:p>
+            <a:r>
+              <a:rPr lang="en-US" sz="1700" b="1" i="1" dirty="0" err="1" smtClean="0">
+                <a:solidFill>
+                  <a:schemeClr val="accent5">
+                    <a:lumMod val="50000"/>
+                  </a:schemeClr>
+                </a:solidFill>
+                <a:latin typeface="Times New Roman" panose="02020603050405020304" pitchFamily="18" charset="0"/>
+                <a:cs typeface="Times New Roman" panose="02020603050405020304" pitchFamily="18" charset="0"/>
+              </a:rPr>
+              <a:t>YCbCr</a:t>
+            </a:r>
+            <a:r>
+              <a:rPr lang="en-US" sz="1700" b="1" i="1" dirty="0" smtClean="0">
+                <a:solidFill>
+                  <a:schemeClr val="accent5">
+                    <a:lumMod val="50000"/>
+                  </a:schemeClr>
+                </a:solidFill>
+                <a:latin typeface="Times New Roman" panose="02020603050405020304" pitchFamily="18" charset="0"/>
+                <a:cs typeface="Times New Roman" panose="02020603050405020304" pitchFamily="18" charset="0"/>
+              </a:rPr>
+              <a:t> based</a:t>
+            </a:r>
+            <a:r>
+              <a:rPr lang="en-US" sz="1700" b="1" i="1" dirty="0" smtClean="0"/>
+              <a:t> </a:t>
+            </a:r>
+            <a:r>
+              <a:rPr lang="en-US" sz="1700" b="1" i="1" dirty="0" smtClean="0">
+                <a:solidFill>
+                  <a:schemeClr val="accent5">
+                    <a:lumMod val="50000"/>
+                  </a:schemeClr>
+                </a:solidFill>
+                <a:latin typeface="Times New Roman" panose="02020603050405020304" pitchFamily="18" charset="0"/>
+                <a:cs typeface="Times New Roman" panose="02020603050405020304" pitchFamily="18" charset="0"/>
+              </a:rPr>
+              <a:t>formulae</a:t>
+            </a:r>
+            <a:endParaRPr lang="en-US" sz="1700" b="1" i="1" dirty="0">
+              <a:solidFill>
+                <a:schemeClr val="accent5">
+                  <a:lumMod val="50000"/>
+                </a:schemeClr>
+              </a:solidFill>
+              <a:latin typeface="Times New Roman" panose="02020603050405020304" pitchFamily="18" charset="0"/>
+              <a:cs typeface="Times New Roman" panose="02020603050405020304" pitchFamily="18" charset="0"/>
+            </a:endParaRPr>
+          </a:p>
+        </p:txBody>
+      </p:sp>
+      <p:sp>
+        <p:nvSpPr>
+          <p:cNvPr id="29" name="Text Placeholder 6"/>
+          <p:cNvSpPr>
+            <a:spLocks noGrp="1"/>
+          </p:cNvSpPr>
+          <p:nvPr>
+            <p:ph type="body" sz="quarter" idx="21"/>
+          </p:nvPr>
+        </p:nvSpPr>
+        <p:spPr>
+          <a:xfrm>
+            <a:off x="10320986" y="8553165"/>
+            <a:ext cx="4933141" cy="2065134"/>
+          </a:xfrm>
+        </p:spPr>
+        <p:txBody>
+          <a:bodyPr/>
+          <a:lstStyle/>
+          <a:p>
+            <a:r>
+              <a:rPr lang="en-US" b="1" dirty="0" smtClean="0"/>
+              <a:t>2. Smoothen segmentation output:</a:t>
+            </a:r>
+          </a:p>
+          <a:p>
+            <a:pPr marL="285750" indent="-285750">
+              <a:buFont typeface="Arial"/>
+              <a:buChar char="•"/>
+            </a:pPr>
+            <a:r>
+              <a:rPr lang="en-US" sz="1800" dirty="0" smtClean="0"/>
+              <a:t>2</a:t>
+            </a:r>
+            <a:r>
+              <a:rPr lang="en-US" sz="1800" dirty="0"/>
+              <a:t>-D  median filtering </a:t>
+            </a:r>
+            <a:r>
+              <a:rPr lang="en-US" sz="1800" dirty="0" smtClean="0"/>
+              <a:t>technique to reduce segmentation </a:t>
+            </a:r>
+            <a:r>
+              <a:rPr lang="en-US" sz="1800" dirty="0"/>
+              <a:t>output </a:t>
+            </a:r>
+            <a:r>
+              <a:rPr lang="en-US" sz="1800" dirty="0" smtClean="0"/>
+              <a:t>where each </a:t>
+            </a:r>
+            <a:r>
+              <a:rPr lang="en-US" sz="1800" dirty="0"/>
+              <a:t>pixel is </a:t>
+            </a:r>
+            <a:r>
+              <a:rPr lang="en-US" sz="1800" dirty="0" smtClean="0"/>
+              <a:t>the </a:t>
+            </a:r>
+            <a:r>
+              <a:rPr lang="en-US" sz="1800" dirty="0"/>
+              <a:t>median of  </a:t>
+            </a:r>
+            <a:r>
+              <a:rPr lang="en-US" sz="1800" dirty="0" smtClean="0"/>
+              <a:t>n </a:t>
+            </a:r>
+            <a:r>
+              <a:rPr lang="en-US" sz="1800" dirty="0"/>
+              <a:t>X n  neighborhood</a:t>
+            </a:r>
+            <a:r>
+              <a:rPr lang="en-US" sz="1800" dirty="0" smtClean="0"/>
+              <a:t>. </a:t>
+            </a:r>
+            <a:r>
+              <a:rPr lang="en-US" sz="1800" dirty="0"/>
+              <a:t>(n = 4,7) </a:t>
+            </a:r>
+            <a:endParaRPr lang="en-US" sz="1800" dirty="0" smtClean="0"/>
+          </a:p>
+          <a:p>
+            <a:pPr marL="285750" indent="-285750">
+              <a:buFont typeface="Arial"/>
+              <a:buChar char="•"/>
+            </a:pPr>
+            <a:r>
+              <a:rPr lang="en-US" sz="1800" dirty="0"/>
+              <a:t>D</a:t>
+            </a:r>
+            <a:r>
+              <a:rPr lang="en-US" sz="1800" dirty="0" smtClean="0"/>
+              <a:t>ilation </a:t>
+            </a:r>
+            <a:r>
+              <a:rPr lang="en-US" sz="1800" dirty="0"/>
+              <a:t>and </a:t>
+            </a:r>
+            <a:r>
+              <a:rPr lang="en-US" sz="1800" dirty="0" smtClean="0"/>
+              <a:t>Erosion methods </a:t>
+            </a:r>
+            <a:r>
+              <a:rPr lang="en-US" sz="1800" dirty="0"/>
+              <a:t>used for morphological close </a:t>
+            </a:r>
+            <a:r>
+              <a:rPr lang="en-US" sz="1800" dirty="0" smtClean="0"/>
+              <a:t>operation.</a:t>
+            </a:r>
+            <a:endParaRPr lang="en-US" sz="1800" dirty="0"/>
+          </a:p>
+        </p:txBody>
+      </p:sp>
+      <p:pic>
+        <p:nvPicPr>
+          <p:cNvPr id="24" name="Picture 23" descr="smoothing.png"/>
+          <p:cNvPicPr>
+            <a:picLocks noChangeAspect="1"/>
+          </p:cNvPicPr>
+          <p:nvPr/>
+        </p:nvPicPr>
+        <p:blipFill>
+          <a:blip r:embed="rId15">
+            <a:extLst>
+              <a:ext uri="{28A0092B-C50C-407E-A947-70E740481C1C}">
+                <a14:useLocalDpi xmlns:a14="http://schemas.microsoft.com/office/drawing/2010/main" val="0"/>
+              </a:ext>
+            </a:extLst>
+          </a:blip>
+          <a:stretch>
+            <a:fillRect/>
+          </a:stretch>
+        </p:blipFill>
+        <p:spPr>
+          <a:xfrm>
+            <a:off x="5588439" y="8637136"/>
+            <a:ext cx="3776855" cy="2199512"/>
+          </a:xfrm>
+          <a:prstGeom prst="rect">
+            <a:avLst/>
+          </a:prstGeom>
+        </p:spPr>
+      </p:pic>
+      <p:sp>
+        <p:nvSpPr>
+          <p:cNvPr id="32" name="Text Placeholder 6"/>
+          <p:cNvSpPr>
+            <a:spLocks noGrp="1"/>
+          </p:cNvSpPr>
+          <p:nvPr>
+            <p:ph type="body" sz="quarter" idx="21"/>
+          </p:nvPr>
+        </p:nvSpPr>
+        <p:spPr>
+          <a:xfrm>
+            <a:off x="5323860" y="10971935"/>
+            <a:ext cx="4441156" cy="3006931"/>
+          </a:xfrm>
+        </p:spPr>
+        <p:txBody>
+          <a:bodyPr/>
+          <a:lstStyle/>
+          <a:p>
+            <a:r>
+              <a:rPr lang="en-US" b="1" dirty="0" smtClean="0"/>
+              <a:t>3. Wrist Cropping</a:t>
+            </a:r>
+          </a:p>
+          <a:p>
+            <a:pPr marL="285750" indent="-285750">
+              <a:buFont typeface="Arial"/>
+              <a:buChar char="•"/>
+            </a:pPr>
+            <a:r>
+              <a:rPr lang="en-US" sz="1800" dirty="0" smtClean="0"/>
+              <a:t>Computationally intensive with hand tilt.</a:t>
+            </a:r>
+          </a:p>
+          <a:p>
+            <a:pPr marL="285750" indent="-285750">
+              <a:buFont typeface="Arial"/>
+              <a:buChar char="•"/>
+            </a:pPr>
+            <a:r>
+              <a:rPr lang="en-US" sz="1800" dirty="0" smtClean="0"/>
+              <a:t>PCA application on entire hand was not sufficient. </a:t>
+            </a:r>
+          </a:p>
+          <a:p>
+            <a:pPr marL="285750" indent="-285750">
+              <a:buFont typeface="Arial"/>
+              <a:buChar char="•"/>
+            </a:pPr>
+            <a:r>
+              <a:rPr lang="en-US" sz="1800" dirty="0" smtClean="0"/>
+              <a:t>PCA on wrist band hand helped to find principle component orientation making hand rotation </a:t>
+            </a:r>
+            <a:r>
+              <a:rPr lang="en-US" sz="1800" dirty="0"/>
+              <a:t>invariant </a:t>
+            </a:r>
+            <a:r>
+              <a:rPr lang="en-US" sz="1800" dirty="0" smtClean="0"/>
+              <a:t>analysis.</a:t>
+            </a:r>
+          </a:p>
+          <a:p>
+            <a:pPr marL="285750" indent="-285750">
+              <a:buFont typeface="Arial"/>
+              <a:buChar char="•"/>
+            </a:pPr>
+            <a:r>
+              <a:rPr lang="en-US" sz="1800" dirty="0" smtClean="0"/>
+              <a:t>Simple width </a:t>
+            </a:r>
+            <a:r>
+              <a:rPr lang="en-US" sz="1800" dirty="0"/>
+              <a:t>based wrist cropping </a:t>
+            </a:r>
+            <a:r>
+              <a:rPr lang="en-US" sz="1800" dirty="0" smtClean="0"/>
+              <a:t> cropping algorithm now can be applied. </a:t>
+            </a:r>
+          </a:p>
+        </p:txBody>
+      </p:sp>
+      <p:sp>
+        <p:nvSpPr>
+          <p:cNvPr id="33" name="Text Placeholder 6"/>
+          <p:cNvSpPr>
+            <a:spLocks noGrp="1"/>
+          </p:cNvSpPr>
+          <p:nvPr>
+            <p:ph type="body" sz="quarter" idx="21"/>
+          </p:nvPr>
+        </p:nvSpPr>
+        <p:spPr>
+          <a:xfrm>
+            <a:off x="5588439" y="13978421"/>
+            <a:ext cx="9075601" cy="1046394"/>
+          </a:xfrm>
+        </p:spPr>
+        <p:txBody>
+          <a:bodyPr/>
+          <a:lstStyle/>
+          <a:p>
+            <a:r>
+              <a:rPr lang="en-US" sz="1600" i="1" dirty="0"/>
+              <a:t>From </a:t>
+            </a:r>
+            <a:r>
+              <a:rPr lang="en-US" sz="1600" i="1" dirty="0" smtClean="0"/>
+              <a:t>right top left to </a:t>
+            </a:r>
+            <a:r>
+              <a:rPr lang="en-US" sz="1600" i="1" dirty="0"/>
+              <a:t>bottom in clockwise (1) Original tilted hand (2) skin color based segmentation  (3) Wrist band Detection and PCA for orientation detection (4) image smoothing using median filter/morphological close (5) Rotation normalized </a:t>
+            </a:r>
+            <a:r>
+              <a:rPr lang="en-US" sz="1600" i="1" dirty="0" smtClean="0"/>
+              <a:t>image. </a:t>
+            </a:r>
+          </a:p>
+        </p:txBody>
+      </p:sp>
+      <p:pic>
+        <p:nvPicPr>
+          <p:cNvPr id="27" name="Picture 26" descr="pca2.png"/>
+          <p:cNvPicPr>
+            <a:picLocks noChangeAspect="1"/>
+          </p:cNvPicPr>
+          <p:nvPr/>
+        </p:nvPicPr>
+        <p:blipFill>
+          <a:blip r:embed="rId16">
+            <a:extLst>
+              <a:ext uri="{28A0092B-C50C-407E-A947-70E740481C1C}">
+                <a14:useLocalDpi xmlns:a14="http://schemas.microsoft.com/office/drawing/2010/main" val="0"/>
+              </a:ext>
+            </a:extLst>
+          </a:blip>
+          <a:stretch>
+            <a:fillRect/>
+          </a:stretch>
+        </p:blipFill>
+        <p:spPr>
+          <a:xfrm>
+            <a:off x="10320986" y="10996685"/>
+            <a:ext cx="4343054" cy="2761672"/>
+          </a:xfrm>
+          <a:prstGeom prst="rect">
+            <a:avLst/>
+          </a:prstGeom>
+        </p:spPr>
+      </p:pic>
+      <p:sp>
+        <p:nvSpPr>
+          <p:cNvPr id="35" name="Text Placeholder 6"/>
+          <p:cNvSpPr>
+            <a:spLocks noGrp="1"/>
+          </p:cNvSpPr>
+          <p:nvPr>
+            <p:ph type="body" sz="quarter" idx="21"/>
+          </p:nvPr>
+        </p:nvSpPr>
+        <p:spPr>
+          <a:xfrm>
+            <a:off x="5323860" y="15127271"/>
+            <a:ext cx="4285896" cy="3342407"/>
+          </a:xfrm>
+        </p:spPr>
+        <p:txBody>
+          <a:bodyPr/>
+          <a:lstStyle/>
+          <a:p>
+            <a:r>
+              <a:rPr lang="en-US" sz="1600" b="1" dirty="0"/>
+              <a:t>4</a:t>
+            </a:r>
+            <a:r>
+              <a:rPr lang="en-US" sz="1600" b="1" dirty="0" smtClean="0"/>
+              <a:t>. Edge Detection (</a:t>
+            </a:r>
+            <a:r>
+              <a:rPr lang="en-US" sz="1600" dirty="0"/>
+              <a:t>Canny Edge </a:t>
+            </a:r>
+            <a:r>
+              <a:rPr lang="en-US" sz="1600" dirty="0" smtClean="0"/>
+              <a:t>detection )</a:t>
+            </a:r>
+            <a:endParaRPr lang="en-US" sz="1600" b="1" dirty="0"/>
+          </a:p>
+          <a:p>
+            <a:pPr marL="285750" indent="-285750">
+              <a:buFont typeface="Arial"/>
+              <a:buChar char="•"/>
+            </a:pPr>
+            <a:r>
+              <a:rPr lang="en-US" sz="1800" dirty="0" smtClean="0"/>
+              <a:t>Gaussian filter to smoothen noise</a:t>
+            </a:r>
+          </a:p>
+          <a:p>
+            <a:pPr marL="285750" indent="-285750">
+              <a:buFont typeface="Arial"/>
+              <a:buChar char="•"/>
+            </a:pPr>
+            <a:r>
+              <a:rPr lang="en-US" sz="1800" dirty="0" smtClean="0"/>
+              <a:t>Find </a:t>
+            </a:r>
+            <a:r>
+              <a:rPr lang="en-US" sz="1800" dirty="0"/>
+              <a:t>intensity gradients of the image</a:t>
+            </a:r>
+          </a:p>
+          <a:p>
+            <a:pPr marL="285750" indent="-285750">
+              <a:buFont typeface="Arial"/>
+              <a:buChar char="•"/>
+            </a:pPr>
+            <a:r>
+              <a:rPr lang="en-US" sz="1800" dirty="0" smtClean="0"/>
+              <a:t>Apply </a:t>
+            </a:r>
+            <a:r>
+              <a:rPr lang="en-US" sz="1800" dirty="0"/>
+              <a:t>non-maximum suppression to get rid of spurious response </a:t>
+            </a:r>
+          </a:p>
+          <a:p>
+            <a:pPr marL="285750" indent="-285750">
+              <a:buFont typeface="Arial"/>
+              <a:buChar char="•"/>
+            </a:pPr>
+            <a:r>
+              <a:rPr lang="en-US" sz="1800" dirty="0" smtClean="0"/>
+              <a:t>Apply </a:t>
+            </a:r>
+            <a:r>
+              <a:rPr lang="en-US" sz="1800" dirty="0"/>
+              <a:t>double threshold to determine potential edges</a:t>
+            </a:r>
+          </a:p>
+          <a:p>
+            <a:pPr marL="285750" indent="-285750">
+              <a:buFont typeface="Arial"/>
+              <a:buChar char="•"/>
+            </a:pPr>
+            <a:r>
+              <a:rPr lang="en-US" sz="1800" dirty="0" smtClean="0"/>
+              <a:t>Use </a:t>
+            </a:r>
+            <a:r>
+              <a:rPr lang="en-US" sz="1800" dirty="0"/>
+              <a:t>a hysteresis based approach to track edges and suppress weak edges</a:t>
+            </a:r>
+          </a:p>
+          <a:p>
+            <a:endParaRPr lang="en-US" sz="1600" b="1" dirty="0" smtClean="0"/>
+          </a:p>
+        </p:txBody>
+      </p:sp>
+      <p:sp>
+        <p:nvSpPr>
+          <p:cNvPr id="37" name="Text Placeholder 6"/>
+          <p:cNvSpPr>
+            <a:spLocks noGrp="1"/>
+          </p:cNvSpPr>
+          <p:nvPr>
+            <p:ph type="body" sz="quarter" idx="21"/>
+          </p:nvPr>
+        </p:nvSpPr>
+        <p:spPr>
+          <a:xfrm>
+            <a:off x="5323860" y="18301737"/>
+            <a:ext cx="4441156" cy="3471673"/>
+          </a:xfrm>
+        </p:spPr>
+        <p:txBody>
+          <a:bodyPr/>
+          <a:lstStyle/>
+          <a:p>
+            <a:r>
+              <a:rPr lang="en-US" sz="1600" b="1" dirty="0" smtClean="0"/>
+              <a:t>5</a:t>
+            </a:r>
+            <a:r>
+              <a:rPr lang="en-US" sz="1600" b="1" dirty="0"/>
+              <a:t>. Largest Boundary </a:t>
+            </a:r>
+            <a:r>
+              <a:rPr lang="en-US" sz="1600" b="1" dirty="0" smtClean="0"/>
+              <a:t>Detection</a:t>
+            </a:r>
+            <a:endParaRPr lang="en-US" sz="1600" b="1" dirty="0"/>
+          </a:p>
+          <a:p>
+            <a:r>
+              <a:rPr lang="en-US" sz="1600" b="1" i="1" dirty="0" smtClean="0"/>
+              <a:t>( Moore</a:t>
+            </a:r>
+            <a:r>
+              <a:rPr lang="en-US" sz="1600" b="1" i="1" dirty="0"/>
+              <a:t>-</a:t>
+            </a:r>
+            <a:r>
+              <a:rPr lang="en-US" sz="1600" b="1" i="1" dirty="0" err="1"/>
+              <a:t>Neighbourhood</a:t>
+            </a:r>
+            <a:r>
+              <a:rPr lang="en-US" sz="1600" b="1" i="1" dirty="0"/>
+              <a:t> tracing </a:t>
+            </a:r>
+            <a:r>
+              <a:rPr lang="en-US" sz="1600" b="1" i="1" dirty="0" smtClean="0"/>
+              <a:t>algorithm) </a:t>
+            </a:r>
+          </a:p>
+          <a:p>
+            <a:pPr marL="285750" indent="-285750">
+              <a:buFont typeface="Arial"/>
+              <a:buChar char="•"/>
+            </a:pPr>
+            <a:r>
+              <a:rPr lang="en-US" sz="1800" dirty="0"/>
+              <a:t>To detect the boundaries and select the biggest boundary to separate objects that had similar skin tone color.</a:t>
+            </a:r>
+          </a:p>
+          <a:p>
+            <a:pPr marL="285750" indent="-285750">
+              <a:buFont typeface="Arial"/>
+              <a:buChar char="•"/>
+            </a:pPr>
+            <a:r>
+              <a:rPr lang="en-US" sz="1800" dirty="0"/>
+              <a:t>Assumption that the palm and fingers form the biggest boundary, which is true most of the time. Such a method helps us in eliminating and skin color background objects (like a distant face </a:t>
+            </a:r>
+            <a:r>
+              <a:rPr lang="en-US" sz="1800" dirty="0" err="1"/>
+              <a:t>etc</a:t>
+            </a:r>
+            <a:r>
+              <a:rPr lang="en-US" sz="1800" dirty="0"/>
+              <a:t>).</a:t>
+            </a:r>
+          </a:p>
+          <a:p>
+            <a:endParaRPr lang="en-US" sz="1600" b="1" i="1" dirty="0" smtClean="0"/>
+          </a:p>
+        </p:txBody>
+      </p:sp>
+      <p:pic>
+        <p:nvPicPr>
+          <p:cNvPr id="30" name="Picture 29" descr="lar1.png"/>
+          <p:cNvPicPr>
+            <a:picLocks noChangeAspect="1"/>
+          </p:cNvPicPr>
+          <p:nvPr/>
+        </p:nvPicPr>
+        <p:blipFill>
+          <a:blip r:embed="rId17">
+            <a:extLst>
+              <a:ext uri="{28A0092B-C50C-407E-A947-70E740481C1C}">
+                <a14:useLocalDpi xmlns:a14="http://schemas.microsoft.com/office/drawing/2010/main" val="0"/>
+              </a:ext>
+            </a:extLst>
+          </a:blip>
+          <a:stretch>
+            <a:fillRect/>
+          </a:stretch>
+        </p:blipFill>
+        <p:spPr>
+          <a:xfrm>
+            <a:off x="10313930" y="15127271"/>
+            <a:ext cx="4415164" cy="1382771"/>
+          </a:xfrm>
+          <a:prstGeom prst="rect">
+            <a:avLst/>
+          </a:prstGeom>
+        </p:spPr>
+      </p:pic>
+      <p:pic>
+        <p:nvPicPr>
+          <p:cNvPr id="34" name="Picture 33" descr="lar2.png"/>
+          <p:cNvPicPr>
+            <a:picLocks noChangeAspect="1"/>
+          </p:cNvPicPr>
+          <p:nvPr/>
+        </p:nvPicPr>
+        <p:blipFill>
+          <a:blip r:embed="rId18">
+            <a:extLst>
+              <a:ext uri="{28A0092B-C50C-407E-A947-70E740481C1C}">
+                <a14:useLocalDpi xmlns:a14="http://schemas.microsoft.com/office/drawing/2010/main" val="0"/>
+              </a:ext>
+            </a:extLst>
+          </a:blip>
+          <a:stretch>
+            <a:fillRect/>
+          </a:stretch>
+        </p:blipFill>
+        <p:spPr>
+          <a:xfrm>
+            <a:off x="10296741" y="16510042"/>
+            <a:ext cx="4432353" cy="1399466"/>
+          </a:xfrm>
+          <a:prstGeom prst="rect">
+            <a:avLst/>
+          </a:prstGeom>
+        </p:spPr>
+      </p:pic>
+      <p:pic>
+        <p:nvPicPr>
+          <p:cNvPr id="39" name="Picture 38" descr="lar3.png"/>
+          <p:cNvPicPr>
+            <a:picLocks noChangeAspect="1"/>
+          </p:cNvPicPr>
+          <p:nvPr/>
+        </p:nvPicPr>
+        <p:blipFill>
+          <a:blip r:embed="rId19">
+            <a:extLst>
+              <a:ext uri="{28A0092B-C50C-407E-A947-70E740481C1C}">
+                <a14:useLocalDpi xmlns:a14="http://schemas.microsoft.com/office/drawing/2010/main" val="0"/>
+              </a:ext>
+            </a:extLst>
+          </a:blip>
+          <a:stretch>
+            <a:fillRect/>
+          </a:stretch>
+        </p:blipFill>
+        <p:spPr>
+          <a:xfrm>
+            <a:off x="10296741" y="17909508"/>
+            <a:ext cx="4432353" cy="1474720"/>
+          </a:xfrm>
+          <a:prstGeom prst="rect">
+            <a:avLst/>
+          </a:prstGeom>
+        </p:spPr>
+      </p:pic>
+      <p:sp>
+        <p:nvSpPr>
+          <p:cNvPr id="40" name="Rectangle 39"/>
+          <p:cNvSpPr/>
+          <p:nvPr/>
+        </p:nvSpPr>
+        <p:spPr>
+          <a:xfrm>
+            <a:off x="9765016" y="19672283"/>
+            <a:ext cx="4964078" cy="1077218"/>
+          </a:xfrm>
+          <a:prstGeom prst="rect">
+            <a:avLst/>
+          </a:prstGeom>
+        </p:spPr>
+        <p:txBody>
+          <a:bodyPr wrap="square">
+            <a:spAutoFit/>
+          </a:bodyPr>
+          <a:lstStyle/>
+          <a:p>
+            <a:r>
+              <a:rPr lang="en-US" sz="1600" i="1" dirty="0">
+                <a:solidFill>
+                  <a:schemeClr val="accent5">
+                    <a:lumMod val="50000"/>
+                  </a:schemeClr>
+                </a:solidFill>
+                <a:latin typeface="Times New Roman" panose="02020603050405020304" pitchFamily="18" charset="0"/>
+                <a:cs typeface="Times New Roman" panose="02020603050405020304" pitchFamily="18" charset="0"/>
+              </a:rPr>
+              <a:t>From left to right (1) segmented hand based on skin color (2) edge detector output (3) Select the largest boundary using Moore-</a:t>
+            </a:r>
+            <a:r>
+              <a:rPr lang="en-US" sz="1600" i="1" dirty="0" err="1">
+                <a:solidFill>
+                  <a:schemeClr val="accent5">
+                    <a:lumMod val="50000"/>
+                  </a:schemeClr>
+                </a:solidFill>
+                <a:latin typeface="Times New Roman" panose="02020603050405020304" pitchFamily="18" charset="0"/>
+                <a:cs typeface="Times New Roman" panose="02020603050405020304" pitchFamily="18" charset="0"/>
+              </a:rPr>
+              <a:t>Neighbourhood</a:t>
+            </a:r>
+            <a:r>
+              <a:rPr lang="en-US" sz="1600" i="1" dirty="0">
+                <a:solidFill>
+                  <a:schemeClr val="accent5">
+                    <a:lumMod val="50000"/>
+                  </a:schemeClr>
+                </a:solidFill>
+                <a:latin typeface="Times New Roman" panose="02020603050405020304" pitchFamily="18" charset="0"/>
+                <a:cs typeface="Times New Roman" panose="02020603050405020304" pitchFamily="18" charset="0"/>
+              </a:rPr>
+              <a:t> Algorithm and arc-tan sampled points of the boundary</a:t>
+            </a:r>
+          </a:p>
+        </p:txBody>
+      </p:sp>
+      <p:sp>
+        <p:nvSpPr>
+          <p:cNvPr id="45" name="Text Placeholder 6"/>
+          <p:cNvSpPr>
+            <a:spLocks noGrp="1"/>
+          </p:cNvSpPr>
+          <p:nvPr>
+            <p:ph type="body" sz="quarter" idx="21"/>
+          </p:nvPr>
+        </p:nvSpPr>
+        <p:spPr>
+          <a:xfrm>
+            <a:off x="5406888" y="21323965"/>
+            <a:ext cx="9257152" cy="6223196"/>
+          </a:xfrm>
+        </p:spPr>
+        <p:txBody>
+          <a:bodyPr/>
+          <a:lstStyle/>
+          <a:p>
+            <a:r>
+              <a:rPr lang="en-US" sz="1800" b="1" dirty="0" smtClean="0"/>
+              <a:t>6. Feature </a:t>
+            </a:r>
+            <a:r>
+              <a:rPr lang="en-US" sz="1800" b="1" dirty="0" smtClean="0"/>
+              <a:t>Extraction</a:t>
+            </a:r>
+          </a:p>
+          <a:p>
+            <a:pPr marL="285750" indent="-285750">
+              <a:buFont typeface="Arial"/>
+              <a:buChar char="•"/>
+            </a:pPr>
+            <a:r>
+              <a:rPr lang="en-US" sz="1800" dirty="0" smtClean="0"/>
+              <a:t>Used Contour </a:t>
+            </a:r>
+            <a:r>
+              <a:rPr lang="en-US" sz="1800" dirty="0"/>
+              <a:t>based feature </a:t>
+            </a:r>
+            <a:r>
+              <a:rPr lang="en-US" sz="1800" dirty="0" smtClean="0"/>
+              <a:t>extraction </a:t>
+            </a:r>
+            <a:r>
+              <a:rPr lang="en-US" sz="1800" dirty="0"/>
+              <a:t>method </a:t>
+            </a:r>
+            <a:r>
+              <a:rPr lang="en-US" sz="1800" dirty="0" smtClean="0"/>
+              <a:t>through use of </a:t>
+            </a:r>
+            <a:r>
+              <a:rPr lang="en-US" sz="1800" dirty="0"/>
+              <a:t>Fourier </a:t>
+            </a:r>
+            <a:r>
+              <a:rPr lang="en-US" sz="1800" dirty="0" smtClean="0"/>
+              <a:t>descriptors.</a:t>
+            </a:r>
+          </a:p>
+          <a:p>
+            <a:pPr marL="285750" indent="-285750">
+              <a:buFont typeface="Arial"/>
+              <a:buChar char="•"/>
+            </a:pPr>
+            <a:r>
+              <a:rPr lang="en-US" sz="1800" dirty="0" smtClean="0"/>
+              <a:t>Computed shape </a:t>
+            </a:r>
+            <a:r>
+              <a:rPr lang="en-US" sz="1800" dirty="0"/>
+              <a:t>signature functions which can then be analyzed in the frequency domain</a:t>
+            </a:r>
+            <a:r>
+              <a:rPr lang="en-US" sz="1800" dirty="0" smtClean="0"/>
+              <a:t>.</a:t>
+            </a:r>
+          </a:p>
+          <a:p>
+            <a:pPr marL="285750" indent="-285750">
+              <a:buFont typeface="Arial"/>
+              <a:buChar char="•"/>
+            </a:pPr>
+            <a:r>
+              <a:rPr lang="en-US" sz="1800" b="1" dirty="0"/>
+              <a:t>Equal Points Sampling </a:t>
+            </a:r>
+            <a:r>
+              <a:rPr lang="en-US" sz="1800" dirty="0"/>
+              <a:t>and </a:t>
+            </a:r>
+            <a:r>
+              <a:rPr lang="en-US" sz="1800" b="1" dirty="0"/>
+              <a:t>Equal Arc Length </a:t>
+            </a:r>
+            <a:r>
+              <a:rPr lang="en-US" sz="1800" b="1" dirty="0" smtClean="0"/>
+              <a:t>Sampling</a:t>
+            </a:r>
+            <a:r>
+              <a:rPr lang="en-US" sz="1800" dirty="0"/>
+              <a:t> </a:t>
+            </a:r>
+            <a:r>
+              <a:rPr lang="en-US" sz="1800" dirty="0" smtClean="0"/>
+              <a:t>were tried and Arc </a:t>
+            </a:r>
+            <a:r>
+              <a:rPr lang="en-US" sz="1800" dirty="0"/>
+              <a:t>length </a:t>
+            </a:r>
+            <a:r>
+              <a:rPr lang="en-US" sz="1800" dirty="0" smtClean="0"/>
+              <a:t>sampling finalized due to better results. </a:t>
+            </a:r>
+          </a:p>
+          <a:p>
+            <a:pPr marL="285750" indent="-285750">
+              <a:buFont typeface="Arial"/>
+              <a:buChar char="•"/>
+            </a:pPr>
+            <a:r>
+              <a:rPr lang="en-US" sz="1800" dirty="0" smtClean="0"/>
+              <a:t>Two Shape signature functions were tried: </a:t>
+            </a:r>
+            <a:r>
+              <a:rPr lang="en-US" sz="1800" b="1" dirty="0" smtClean="0"/>
+              <a:t>Centroid </a:t>
+            </a:r>
+            <a:r>
+              <a:rPr lang="en-US" sz="1800" b="1" dirty="0"/>
+              <a:t>distance </a:t>
+            </a:r>
+            <a:r>
+              <a:rPr lang="en-US" sz="1800" dirty="0"/>
+              <a:t>and </a:t>
+            </a:r>
+            <a:r>
+              <a:rPr lang="en-US" sz="1800" b="1" dirty="0"/>
+              <a:t>Complex </a:t>
+            </a:r>
+            <a:r>
+              <a:rPr lang="en-US" sz="1800" b="1" dirty="0" smtClean="0"/>
+              <a:t>coordinates.</a:t>
+            </a:r>
+          </a:p>
+          <a:p>
+            <a:pPr indent="282575"/>
+            <a:r>
+              <a:rPr lang="en-US" sz="1800" b="1" u="sng" dirty="0" smtClean="0"/>
+              <a:t>Complex coordinates:</a:t>
+            </a:r>
+            <a:endParaRPr lang="en-US" sz="1800" b="1" u="sng" dirty="0"/>
+          </a:p>
+          <a:p>
+            <a:pPr marL="1276201" lvl="1" indent="-285750">
+              <a:buFont typeface="Arial"/>
+              <a:buChar char="•"/>
+            </a:pPr>
+            <a:r>
+              <a:rPr lang="en-US" dirty="0" smtClean="0">
+                <a:latin typeface="Times New Roman"/>
+                <a:cs typeface="Times New Roman"/>
+              </a:rPr>
+              <a:t>Complex </a:t>
+            </a:r>
+            <a:r>
+              <a:rPr lang="en-US" dirty="0">
+                <a:latin typeface="Times New Roman"/>
+                <a:cs typeface="Times New Roman"/>
+              </a:rPr>
+              <a:t>number generated from </a:t>
+            </a:r>
+            <a:r>
+              <a:rPr lang="en-US" dirty="0" smtClean="0">
+                <a:latin typeface="Times New Roman"/>
+                <a:cs typeface="Times New Roman"/>
+              </a:rPr>
+              <a:t>boundary coordinates</a:t>
+            </a:r>
+          </a:p>
+          <a:p>
+            <a:r>
+              <a:rPr lang="en-US" sz="1800" dirty="0" smtClean="0"/>
+              <a:t>                              </a:t>
+            </a:r>
+            <a:r>
+              <a:rPr lang="en-US" sz="1800" b="1" i="1" dirty="0" smtClean="0"/>
+              <a:t>z</a:t>
+            </a:r>
+            <a:r>
+              <a:rPr lang="en-US" sz="1800" b="1" i="1" dirty="0"/>
+              <a:t>(t) = x(t) + </a:t>
+            </a:r>
+            <a:r>
+              <a:rPr lang="en-US" sz="1800" b="1" i="1" dirty="0" err="1"/>
+              <a:t>iy</a:t>
+            </a:r>
+            <a:r>
+              <a:rPr lang="en-US" sz="1800" b="1" i="1" dirty="0"/>
+              <a:t>(t</a:t>
+            </a:r>
+            <a:r>
+              <a:rPr lang="en-US" sz="1800" b="1" i="1" dirty="0" smtClean="0"/>
+              <a:t>)</a:t>
+            </a:r>
+            <a:endParaRPr lang="en-US" sz="1800" dirty="0" smtClean="0"/>
+          </a:p>
+          <a:p>
+            <a:pPr marL="1276201" lvl="1" indent="-285750">
+              <a:buFont typeface="Arial"/>
+              <a:buChar char="•"/>
+            </a:pPr>
+            <a:r>
+              <a:rPr lang="en-US" dirty="0" smtClean="0">
+                <a:latin typeface="Times"/>
+                <a:cs typeface="Times"/>
+              </a:rPr>
+              <a:t>To </a:t>
+            </a:r>
+            <a:r>
+              <a:rPr lang="en-US" dirty="0">
+                <a:latin typeface="Times"/>
+                <a:cs typeface="Times"/>
+              </a:rPr>
+              <a:t>eliminate the effect of bias, the coordinates are shifted by subtracting the centroid </a:t>
+            </a:r>
+            <a:r>
+              <a:rPr lang="en-US" dirty="0" err="1" smtClean="0">
+                <a:latin typeface="Times"/>
+                <a:cs typeface="Times"/>
+              </a:rPr>
+              <a:t>i.e</a:t>
+            </a:r>
+            <a:endParaRPr lang="en-US" dirty="0" smtClean="0">
+              <a:latin typeface="Times"/>
+              <a:cs typeface="Times"/>
+            </a:endParaRPr>
+          </a:p>
+          <a:p>
+            <a:pPr lvl="2" indent="0">
+              <a:buNone/>
+            </a:pPr>
+            <a:r>
+              <a:rPr lang="en-US" b="1" dirty="0">
+                <a:solidFill>
+                  <a:schemeClr val="bg2">
+                    <a:lumMod val="25000"/>
+                  </a:schemeClr>
+                </a:solidFill>
+                <a:latin typeface="Times"/>
+                <a:cs typeface="Times"/>
+              </a:rPr>
+              <a:t> </a:t>
+            </a:r>
+            <a:r>
+              <a:rPr lang="en-US" b="1" dirty="0" smtClean="0">
+                <a:solidFill>
+                  <a:schemeClr val="bg2">
+                    <a:lumMod val="25000"/>
+                  </a:schemeClr>
+                </a:solidFill>
+                <a:latin typeface="Times"/>
+                <a:cs typeface="Times"/>
+              </a:rPr>
+              <a:t>   </a:t>
+            </a:r>
+            <a:r>
+              <a:rPr lang="en-US" b="1" i="1" dirty="0" smtClean="0">
+                <a:solidFill>
+                  <a:schemeClr val="bg2">
+                    <a:lumMod val="25000"/>
+                  </a:schemeClr>
+                </a:solidFill>
+                <a:latin typeface="Times"/>
+                <a:cs typeface="Times"/>
+              </a:rPr>
+              <a:t>z</a:t>
+            </a:r>
+            <a:r>
+              <a:rPr lang="en-US" b="1" i="1" dirty="0">
+                <a:solidFill>
+                  <a:schemeClr val="bg2">
+                    <a:lumMod val="25000"/>
+                  </a:schemeClr>
+                </a:solidFill>
+                <a:latin typeface="Times"/>
+                <a:cs typeface="Times"/>
+              </a:rPr>
+              <a:t>(t) = [x(t) - </a:t>
+            </a:r>
+            <a:r>
+              <a:rPr lang="en-US" b="1" i="1" dirty="0" err="1">
+                <a:solidFill>
+                  <a:schemeClr val="bg2">
+                    <a:lumMod val="25000"/>
+                  </a:schemeClr>
+                </a:solidFill>
+                <a:latin typeface="Times"/>
+                <a:cs typeface="Times"/>
+              </a:rPr>
+              <a:t>x_c</a:t>
+            </a:r>
+            <a:r>
+              <a:rPr lang="en-US" b="1" i="1" dirty="0">
+                <a:solidFill>
+                  <a:schemeClr val="bg2">
+                    <a:lumMod val="25000"/>
+                  </a:schemeClr>
+                </a:solidFill>
+                <a:latin typeface="Times"/>
+                <a:cs typeface="Times"/>
+              </a:rPr>
+              <a:t>] + </a:t>
+            </a:r>
+            <a:r>
+              <a:rPr lang="en-US" b="1" i="1" dirty="0" err="1">
+                <a:solidFill>
+                  <a:schemeClr val="bg2">
+                    <a:lumMod val="25000"/>
+                  </a:schemeClr>
+                </a:solidFill>
+                <a:latin typeface="Times"/>
+                <a:cs typeface="Times"/>
+              </a:rPr>
+              <a:t>i</a:t>
+            </a:r>
+            <a:r>
+              <a:rPr lang="en-US" b="1" i="1" dirty="0">
+                <a:solidFill>
+                  <a:schemeClr val="bg2">
+                    <a:lumMod val="25000"/>
+                  </a:schemeClr>
+                </a:solidFill>
+                <a:latin typeface="Times"/>
+                <a:cs typeface="Times"/>
+              </a:rPr>
+              <a:t>[y(t) - </a:t>
+            </a:r>
+            <a:r>
+              <a:rPr lang="en-US" b="1" i="1" dirty="0" err="1">
+                <a:solidFill>
+                  <a:schemeClr val="bg2">
+                    <a:lumMod val="25000"/>
+                  </a:schemeClr>
+                </a:solidFill>
+                <a:latin typeface="Times"/>
+                <a:cs typeface="Times"/>
+              </a:rPr>
+              <a:t>y_c</a:t>
+            </a:r>
+            <a:r>
+              <a:rPr lang="en-US" b="1" i="1" dirty="0" smtClean="0">
+                <a:solidFill>
+                  <a:schemeClr val="bg2">
+                    <a:lumMod val="25000"/>
+                  </a:schemeClr>
+                </a:solidFill>
+                <a:latin typeface="Times"/>
+                <a:cs typeface="Times"/>
+              </a:rPr>
+              <a:t>]</a:t>
+            </a:r>
+            <a:r>
+              <a:rPr lang="en-US" i="1" dirty="0" smtClean="0">
+                <a:latin typeface="Times"/>
+                <a:cs typeface="Times"/>
+              </a:rPr>
+              <a:t>, </a:t>
+            </a:r>
+            <a:r>
+              <a:rPr lang="en-US" dirty="0" smtClean="0">
+                <a:latin typeface="Times"/>
+                <a:cs typeface="Times"/>
+              </a:rPr>
+              <a:t>where </a:t>
+            </a:r>
+            <a:r>
+              <a:rPr lang="en-US" dirty="0">
+                <a:latin typeface="Times"/>
+                <a:cs typeface="Times"/>
+              </a:rPr>
+              <a:t>(</a:t>
+            </a:r>
+            <a:r>
+              <a:rPr lang="en-US" dirty="0" err="1">
+                <a:latin typeface="Times"/>
+                <a:cs typeface="Times"/>
+              </a:rPr>
+              <a:t>x_c,y_c</a:t>
+            </a:r>
+            <a:r>
+              <a:rPr lang="en-US" dirty="0">
+                <a:latin typeface="Times"/>
+                <a:cs typeface="Times"/>
+              </a:rPr>
+              <a:t>) is the centroid of the shape. </a:t>
+            </a:r>
+            <a:r>
+              <a:rPr lang="en-US" dirty="0" smtClean="0">
+                <a:latin typeface="Times"/>
+                <a:cs typeface="Times"/>
+              </a:rPr>
+              <a:t>This </a:t>
+            </a:r>
+            <a:r>
+              <a:rPr lang="en-US" dirty="0">
+                <a:latin typeface="Times"/>
+                <a:cs typeface="Times"/>
+              </a:rPr>
+              <a:t>shift makes the shape invariant to translation</a:t>
+            </a:r>
+            <a:r>
+              <a:rPr lang="en-US" dirty="0" smtClean="0">
+                <a:latin typeface="Times"/>
+                <a:cs typeface="Times"/>
+              </a:rPr>
+              <a:t>.</a:t>
+            </a:r>
+            <a:endParaRPr lang="en-US" sz="1800" dirty="0"/>
+          </a:p>
+          <a:p>
+            <a:pPr indent="282575"/>
+            <a:r>
+              <a:rPr lang="en-US" sz="1800" b="1" u="sng" dirty="0" smtClean="0"/>
+              <a:t>Centroid distance: </a:t>
+            </a:r>
+          </a:p>
+          <a:p>
+            <a:pPr marL="1276201" lvl="1" indent="-285750">
+              <a:buFont typeface="Arial"/>
+              <a:buChar char="•"/>
+            </a:pPr>
+            <a:r>
+              <a:rPr lang="en-US" dirty="0">
+                <a:solidFill>
+                  <a:schemeClr val="tx1"/>
+                </a:solidFill>
+                <a:latin typeface="Times New Roman"/>
+                <a:cs typeface="Times New Roman"/>
+              </a:rPr>
+              <a:t>It </a:t>
+            </a:r>
+            <a:r>
+              <a:rPr lang="en-US" dirty="0">
+                <a:solidFill>
+                  <a:schemeClr val="tx1"/>
+                </a:solidFill>
+                <a:latin typeface="Times New Roman"/>
+                <a:cs typeface="Times New Roman"/>
+              </a:rPr>
+              <a:t>is expressed as the distance of the boundary points, from the centroid (</a:t>
+            </a:r>
+            <a:r>
+              <a:rPr lang="en-US" dirty="0" err="1">
+                <a:solidFill>
+                  <a:schemeClr val="tx1"/>
+                </a:solidFill>
+                <a:latin typeface="Times New Roman"/>
+                <a:cs typeface="Times New Roman"/>
+              </a:rPr>
+              <a:t>x_c</a:t>
+            </a:r>
+            <a:r>
+              <a:rPr lang="en-US" dirty="0">
+                <a:solidFill>
+                  <a:schemeClr val="tx1"/>
+                </a:solidFill>
+                <a:latin typeface="Times New Roman"/>
+                <a:cs typeface="Times New Roman"/>
+              </a:rPr>
+              <a:t>, </a:t>
+            </a:r>
+            <a:r>
+              <a:rPr lang="en-US" dirty="0" err="1">
+                <a:solidFill>
+                  <a:schemeClr val="tx1"/>
+                </a:solidFill>
+                <a:latin typeface="Times New Roman"/>
+                <a:cs typeface="Times New Roman"/>
+              </a:rPr>
+              <a:t>y_c</a:t>
+            </a:r>
+            <a:r>
+              <a:rPr lang="en-US" dirty="0">
+                <a:solidFill>
+                  <a:schemeClr val="tx1"/>
+                </a:solidFill>
+                <a:latin typeface="Times New Roman"/>
+                <a:cs typeface="Times New Roman"/>
+              </a:rPr>
+              <a:t>) of the shape </a:t>
+            </a:r>
+          </a:p>
+          <a:p>
+            <a:pPr lvl="2" indent="0">
+              <a:buNone/>
+            </a:pPr>
+            <a:r>
+              <a:rPr lang="en-US" b="1" i="1" dirty="0">
+                <a:solidFill>
+                  <a:srgbClr val="003F75"/>
+                </a:solidFill>
+                <a:latin typeface="Times New Roman"/>
+                <a:cs typeface="Times New Roman"/>
+              </a:rPr>
+              <a:t>r(t) = ([x(t) - </a:t>
+            </a:r>
+            <a:r>
+              <a:rPr lang="en-US" b="1" i="1" dirty="0" err="1">
+                <a:solidFill>
+                  <a:srgbClr val="003F75"/>
+                </a:solidFill>
+                <a:latin typeface="Times New Roman"/>
+                <a:cs typeface="Times New Roman"/>
+              </a:rPr>
+              <a:t>x_c</a:t>
+            </a:r>
+            <a:r>
+              <a:rPr lang="en-US" b="1" i="1" dirty="0">
+                <a:solidFill>
+                  <a:srgbClr val="003F75"/>
+                </a:solidFill>
+                <a:latin typeface="Times New Roman"/>
+                <a:cs typeface="Times New Roman"/>
+              </a:rPr>
+              <a:t>]^{2} + [y(t) - </a:t>
+            </a:r>
+            <a:r>
+              <a:rPr lang="en-US" b="1" i="1" dirty="0" err="1">
+                <a:solidFill>
+                  <a:srgbClr val="003F75"/>
+                </a:solidFill>
+                <a:latin typeface="Times New Roman"/>
+                <a:cs typeface="Times New Roman"/>
+              </a:rPr>
+              <a:t>y_c</a:t>
+            </a:r>
+            <a:r>
+              <a:rPr lang="en-US" b="1" i="1" dirty="0">
+                <a:solidFill>
+                  <a:srgbClr val="003F75"/>
+                </a:solidFill>
+                <a:latin typeface="Times New Roman"/>
+                <a:cs typeface="Times New Roman"/>
+              </a:rPr>
+              <a:t>]^{2})^{1/2</a:t>
+            </a:r>
+            <a:r>
+              <a:rPr lang="en-US" b="1" i="1" dirty="0" smtClean="0">
+                <a:solidFill>
+                  <a:srgbClr val="003F75"/>
+                </a:solidFill>
+                <a:latin typeface="Times New Roman"/>
+                <a:cs typeface="Times New Roman"/>
+              </a:rPr>
+              <a:t>}</a:t>
+            </a:r>
+            <a:endParaRPr lang="en-US" sz="1800" dirty="0"/>
+          </a:p>
+          <a:p>
+            <a:pPr marL="285750" indent="-285750">
+              <a:buFont typeface="Arial"/>
+              <a:buChar char="•"/>
+            </a:pPr>
+            <a:r>
+              <a:rPr lang="en-US" sz="1800" b="1" dirty="0"/>
+              <a:t>Discrete Fourier </a:t>
+            </a:r>
+            <a:r>
+              <a:rPr lang="en-US" sz="1800" b="1" dirty="0" smtClean="0"/>
+              <a:t>Transform </a:t>
+            </a:r>
+            <a:r>
+              <a:rPr lang="en-US" sz="1800" dirty="0" smtClean="0"/>
+              <a:t>on the 64 point normalized shape signature to obtain </a:t>
+            </a:r>
+            <a:r>
+              <a:rPr lang="en-US" sz="1800" b="1" dirty="0" smtClean="0"/>
+              <a:t>Fourier Descriptors</a:t>
+            </a:r>
+            <a:r>
+              <a:rPr lang="en-US" sz="1800" dirty="0" smtClean="0"/>
+              <a:t>, is rotation invariant considering only magnitude and normalized in scale. </a:t>
+            </a:r>
+          </a:p>
+          <a:p>
+            <a:r>
+              <a:rPr lang="en-US" sz="1800" b="1" i="1" dirty="0" smtClean="0"/>
+              <a:t>	</a:t>
+            </a:r>
+          </a:p>
+        </p:txBody>
+      </p:sp>
+      <p:sp>
+        <p:nvSpPr>
+          <p:cNvPr id="46" name="Text Placeholder 8"/>
           <p:cNvSpPr>
             <a:spLocks noGrp="1"/>
           </p:cNvSpPr>
@@ -10619,7 +12601,7 @@
         </p:nvSpPr>
         <p:spPr>
           <a:xfrm>
-            <a:off x="5797158" y="23108476"/>
+            <a:off x="15254127" y="5584679"/>
             <a:ext cx="4719258" cy="2142772"/>
           </a:xfrm>
         </p:spPr>
@@ -10757,265 +12739,16 @@
           </a:p>
         </p:txBody>
       </p:sp>
-      <p:sp>
-        <p:nvSpPr>
-          <p:cNvPr id="11" name="Text Placeholder 10"/>
-          <p:cNvSpPr>
-            <a:spLocks noGrp="1"/>
-          </p:cNvSpPr>
-          <p:nvPr>
-            <p:ph type="body" sz="quarter" idx="25"/>
-          </p:nvPr>
-        </p:nvSpPr>
-        <p:spPr/>
-        <p:txBody>
-          <a:bodyPr/>
-          <a:lstStyle/>
-          <a:p>
-            <a:endParaRPr lang="en-US" dirty="0"/>
-          </a:p>
-        </p:txBody>
-      </p:sp>
-      <p:sp>
-        <p:nvSpPr>
-          <p:cNvPr id="12" name="Text Placeholder 11"/>
-          <p:cNvSpPr>
-            <a:spLocks noGrp="1"/>
-          </p:cNvSpPr>
-          <p:nvPr>
-            <p:ph type="body" sz="quarter" idx="26"/>
-          </p:nvPr>
-        </p:nvSpPr>
-        <p:spPr/>
-        <p:txBody>
-          <a:bodyPr/>
-          <a:lstStyle/>
-          <a:p>
-            <a:endParaRPr lang="en-US"/>
-          </a:p>
-        </p:txBody>
-      </p:sp>
-      <p:sp>
-        <p:nvSpPr>
-          <p:cNvPr id="13" name="Text Placeholder 12"/>
-          <p:cNvSpPr>
-            <a:spLocks noGrp="1"/>
-          </p:cNvSpPr>
-          <p:nvPr>
-            <p:ph type="body" sz="quarter" idx="27"/>
-          </p:nvPr>
-        </p:nvSpPr>
-        <p:spPr>
-          <a:xfrm>
-            <a:off x="239382" y="22492726"/>
-            <a:ext cx="4675584" cy="507813"/>
-          </a:xfrm>
-        </p:spPr>
-        <p:txBody>
-          <a:bodyPr/>
-          <a:lstStyle/>
-          <a:p>
-            <a:r>
-              <a:rPr lang="en-US" dirty="0" smtClean="0"/>
-              <a:t>Algorithm</a:t>
-            </a:r>
-            <a:endParaRPr lang="en-US" dirty="0"/>
-          </a:p>
-        </p:txBody>
-      </p:sp>
-      <p:sp>
-        <p:nvSpPr>
-          <p:cNvPr id="14" name="Text Placeholder 13"/>
-          <p:cNvSpPr>
-            <a:spLocks noGrp="1"/>
-          </p:cNvSpPr>
-          <p:nvPr>
-            <p:ph type="body" sz="quarter" idx="28"/>
-          </p:nvPr>
-        </p:nvSpPr>
-        <p:spPr/>
-        <p:txBody>
-          <a:bodyPr/>
-          <a:lstStyle/>
-          <a:p>
-            <a:endParaRPr lang="en-US"/>
-          </a:p>
-        </p:txBody>
-      </p:sp>
-      <p:sp>
-        <p:nvSpPr>
-          <p:cNvPr id="15" name="Text Placeholder 14"/>
-          <p:cNvSpPr>
-            <a:spLocks noGrp="1"/>
-          </p:cNvSpPr>
-          <p:nvPr>
-            <p:ph type="body" sz="quarter" idx="29"/>
-          </p:nvPr>
-        </p:nvSpPr>
-        <p:spPr>
-          <a:xfrm>
-            <a:off x="15209836" y="24354939"/>
-            <a:ext cx="4675584" cy="507813"/>
-          </a:xfrm>
-        </p:spPr>
-        <p:txBody>
-          <a:bodyPr/>
-          <a:lstStyle/>
-          <a:p>
-            <a:endParaRPr lang="en-US"/>
-          </a:p>
-        </p:txBody>
-      </p:sp>
-      <p:sp>
-        <p:nvSpPr>
-          <p:cNvPr id="16" name="Text Placeholder 15"/>
-          <p:cNvSpPr>
-            <a:spLocks noGrp="1"/>
-          </p:cNvSpPr>
-          <p:nvPr>
-            <p:ph type="body" sz="quarter" idx="30"/>
-          </p:nvPr>
-        </p:nvSpPr>
-        <p:spPr/>
-        <p:txBody>
-          <a:bodyPr/>
-          <a:lstStyle/>
-          <a:p>
-            <a:endParaRPr lang="en-US"/>
-          </a:p>
-        </p:txBody>
-      </p:sp>
-      <p:sp>
-        <p:nvSpPr>
-          <p:cNvPr id="17" name="Text Placeholder 16"/>
-          <p:cNvSpPr>
-            <a:spLocks noGrp="1"/>
-          </p:cNvSpPr>
-          <p:nvPr>
-            <p:ph type="body" sz="quarter" idx="96"/>
-          </p:nvPr>
-        </p:nvSpPr>
-        <p:spPr>
-          <a:xfrm>
-            <a:off x="245931" y="10935269"/>
-            <a:ext cx="4675584" cy="11528981"/>
-          </a:xfrm>
-        </p:spPr>
-        <p:txBody>
-          <a:bodyPr/>
-          <a:lstStyle/>
-          <a:p>
-            <a:pPr algn="just"/>
-            <a:r>
-              <a:rPr lang="en-US" sz="1800" dirty="0"/>
-              <a:t>There are two major approaches for Hand gesture recognition: Data glove and Vision based. The Data glove approach uses a glove with sensors attached to track finger blending, positioning and orientation. In this paper we have gone ahead with vision based approach, as it is more cost effective and feasible since the user does not have to wear a cumbersome device. In hand based gesture recognition systems, hand tracking and segmentation are the most important and challenging steps towards gesture recognition. Uncontrolled environment, lighting conditions, noisy background, skin color detection and rapid hand movements are some of the challenges that need to be considered while capturing and tracking the hand gestures.</a:t>
-            </a:r>
-          </a:p>
-          <a:p>
-            <a:pPr algn="just"/>
-            <a:r>
-              <a:rPr lang="en-US" sz="1800" dirty="0"/>
-              <a:t>The second major step after Hand segmentation is Shape Feature extraction from the segmented hand. The shape feature extraction can usually be divided into contour based and region based. In our work, we have used contour based method which extracts shape feature information from the boundary of the entity. We have used Fourier descriptor method as it can overcome the effect of noise and boundary variations by analyzing the shape in spectral domain. Furthermore, they are compact, computationally light and there matching is a relatively simple process</a:t>
-            </a:r>
-            <a:r>
-              <a:rPr lang="en-US" sz="1800" dirty="0" smtClean="0"/>
-              <a:t>.</a:t>
-            </a:r>
-          </a:p>
-          <a:p>
-            <a:pPr algn="just"/>
-            <a:r>
-              <a:rPr lang="en-US" sz="1800" dirty="0"/>
-              <a:t>The final step of the process involves training a classifier using the shape features extracted from the training data set collected, and using it to predict or classify a given gesture. In our work we have tried various methods like Neural Networks, K nearest neighbor and PCA for the purpose of classification, and have included the results obtained from each of the methods.</a:t>
-            </a:r>
-          </a:p>
-          <a:p>
-            <a:pPr algn="just"/>
-            <a:endParaRPr lang="en-US" sz="1800" dirty="0" smtClean="0"/>
-          </a:p>
-          <a:p>
-            <a:pPr algn="just"/>
-            <a:endParaRPr lang="en-US" sz="1800" dirty="0"/>
-          </a:p>
-        </p:txBody>
-      </p:sp>
-      <p:sp>
-        <p:nvSpPr>
-          <p:cNvPr id="19" name="Text Placeholder 18"/>
-          <p:cNvSpPr>
-            <a:spLocks noGrp="1"/>
-          </p:cNvSpPr>
-          <p:nvPr>
-            <p:ph type="body" sz="quarter" idx="150"/>
-          </p:nvPr>
-        </p:nvSpPr>
-        <p:spPr/>
-        <p:txBody>
-          <a:bodyPr/>
-          <a:lstStyle/>
-          <a:p>
-            <a:r>
-              <a:rPr lang="en-US" dirty="0" smtClean="0"/>
-              <a:t>&lt;names&gt;</a:t>
-            </a:r>
-            <a:endParaRPr lang="en-US" dirty="0"/>
-          </a:p>
-        </p:txBody>
-      </p:sp>
-      <p:sp>
-        <p:nvSpPr>
-          <p:cNvPr id="43" name="Text Placeholder 42"/>
-          <p:cNvSpPr>
-            <a:spLocks noGrp="1"/>
-          </p:cNvSpPr>
-          <p:nvPr>
-            <p:ph type="body" sz="quarter" idx="184"/>
-          </p:nvPr>
-        </p:nvSpPr>
-        <p:spPr/>
-        <p:txBody>
-          <a:bodyPr/>
-          <a:lstStyle/>
-          <a:p>
-            <a:endParaRPr lang="en-US" dirty="0"/>
-          </a:p>
-        </p:txBody>
-      </p:sp>
-      <p:sp>
-        <p:nvSpPr>
-          <p:cNvPr id="44" name="Text Placeholder 43"/>
-          <p:cNvSpPr>
-            <a:spLocks noGrp="1"/>
-          </p:cNvSpPr>
-          <p:nvPr>
-            <p:ph type="body" sz="quarter" idx="185"/>
-          </p:nvPr>
-        </p:nvSpPr>
-        <p:spPr/>
-        <p:txBody>
-          <a:bodyPr>
-            <a:normAutofit fontScale="77500" lnSpcReduction="20000"/>
-          </a:bodyPr>
-          <a:lstStyle/>
-          <a:p>
-            <a:r>
-              <a:rPr lang="en-US" dirty="0" smtClean="0"/>
-              <a:t>American Sign Language (ASL) Recognition</a:t>
-            </a:r>
-            <a:endParaRPr lang="en-US" dirty="0"/>
-          </a:p>
-        </p:txBody>
-      </p:sp>
       <p:pic>
         <p:nvPicPr>
-          <p:cNvPr id="20" name="Picture 19" descr="knn.png"/>
+          <p:cNvPr id="47" name="Picture 46" descr="knn.png"/>
           <p:cNvPicPr>
             <a:picLocks noChangeAspect="1"/>
           </p:cNvPicPr>
           <p:nvPr/>
         </p:nvPicPr>
         <p:blipFill>
-          <a:blip r:embed="rId3">
+          <a:blip r:embed="rId20">
             <a:extLst>
               <a:ext uri="{28A0092B-C50C-407E-A947-70E740481C1C}">
                 <a14:useLocalDpi xmlns:a14="http://schemas.microsoft.com/office/drawing/2010/main" val="0"/>
@@ -11028,7 +12761,7 @@
         </p:blipFill>
         <p:spPr>
           <a:xfrm>
-            <a:off x="10516416" y="23438931"/>
+            <a:off x="15371587" y="7479921"/>
             <a:ext cx="4147624" cy="1481862"/>
           </a:xfrm>
           <a:prstGeom prst="rect">
@@ -11038,7 +12771,7 @@
       </p:pic>
       <p:sp>
         <p:nvSpPr>
-          <p:cNvPr id="21" name="Text Placeholder 8"/>
+          <p:cNvPr id="49" name="Text Placeholder 8"/>
           <p:cNvSpPr txBox="1">
             <a:spLocks/>
           </p:cNvSpPr>
@@ -11046,7 +12779,7 @@
         </p:nvSpPr>
         <p:spPr>
           <a:xfrm>
-            <a:off x="10645483" y="25534262"/>
+            <a:off x="15483005" y="8981745"/>
             <a:ext cx="4147624" cy="4591980"/>
           </a:xfrm>
           <a:prstGeom prst="rect">
@@ -11315,16 +13048,146 @@
           </a:p>
         </p:txBody>
       </p:sp>
+      <p:sp>
+        <p:nvSpPr>
+          <p:cNvPr id="9" name="TextBox 8"/>
+          <p:cNvSpPr txBox="1"/>
+          <p:nvPr/>
+        </p:nvSpPr>
+        <p:spPr>
+          <a:xfrm>
+            <a:off x="14268346" y="22593514"/>
+            <a:ext cx="184666" cy="477054"/>
+          </a:xfrm>
+          <a:prstGeom prst="rect">
+            <a:avLst/>
+          </a:prstGeom>
+          <a:noFill/>
+        </p:spPr>
+        <p:txBody>
+          <a:bodyPr wrap="none" rtlCol="0">
+            <a:spAutoFit/>
+          </a:bodyPr>
+          <a:lstStyle/>
+          <a:p>
+            <a:endParaRPr lang="en-US" sz="2500" dirty="0">
+              <a:latin typeface="Times New Roman" panose="02020603050405020304" pitchFamily="18" charset="0"/>
+              <a:cs typeface="Times New Roman" panose="02020603050405020304" pitchFamily="18" charset="0"/>
+            </a:endParaRPr>
+          </a:p>
+        </p:txBody>
+      </p:sp>
+      <p:sp>
+        <p:nvSpPr>
+          <p:cNvPr id="12" name="Rectangle 11"/>
+          <p:cNvSpPr/>
+          <p:nvPr/>
+        </p:nvSpPr>
+        <p:spPr>
+          <a:xfrm>
+            <a:off x="5487216" y="29331897"/>
+            <a:ext cx="9176824" cy="877163"/>
+          </a:xfrm>
+          <a:prstGeom prst="rect">
+            <a:avLst/>
+          </a:prstGeom>
+        </p:spPr>
+        <p:txBody>
+          <a:bodyPr wrap="square">
+            <a:spAutoFit/>
+          </a:bodyPr>
+          <a:lstStyle/>
+          <a:p>
+            <a:pPr algn="ctr"/>
+            <a:r>
+              <a:rPr lang="en-US" sz="1700" i="1" dirty="0" smtClean="0">
+                <a:latin typeface="Times New Roman"/>
+                <a:cs typeface="Times New Roman"/>
+              </a:rPr>
+              <a:t>Fourier </a:t>
+            </a:r>
+            <a:r>
+              <a:rPr lang="en-US" sz="1700" i="1" dirty="0">
+                <a:latin typeface="Times New Roman"/>
+                <a:cs typeface="Times New Roman"/>
+              </a:rPr>
+              <a:t>Descriptor </a:t>
+            </a:r>
+            <a:r>
+              <a:rPr lang="en-US" sz="1700" i="1" dirty="0" smtClean="0">
+                <a:latin typeface="Times New Roman"/>
+                <a:cs typeface="Times New Roman"/>
+              </a:rPr>
+              <a:t>plots </a:t>
+            </a:r>
+            <a:r>
+              <a:rPr lang="en-US" sz="1700" i="1" dirty="0">
+                <a:latin typeface="Times New Roman"/>
+                <a:cs typeface="Times New Roman"/>
+              </a:rPr>
+              <a:t>for each of the </a:t>
+            </a:r>
+            <a:r>
+              <a:rPr lang="en-US" sz="1700" i="1" dirty="0" smtClean="0">
+                <a:latin typeface="Times New Roman"/>
+                <a:cs typeface="Times New Roman"/>
+              </a:rPr>
+              <a:t>few sample digits </a:t>
+            </a:r>
+            <a:r>
+              <a:rPr lang="en-US" sz="1700" i="1" dirty="0">
+                <a:latin typeface="Times New Roman"/>
+                <a:cs typeface="Times New Roman"/>
+              </a:rPr>
+              <a:t>for a sample training set using both Complex </a:t>
+            </a:r>
+            <a:r>
+              <a:rPr lang="en-US" sz="1700" i="1" dirty="0" smtClean="0">
+                <a:latin typeface="Times New Roman"/>
+                <a:cs typeface="Times New Roman"/>
+              </a:rPr>
+              <a:t>coordinates (left) </a:t>
+            </a:r>
+            <a:r>
+              <a:rPr lang="en-US" sz="1700" i="1" dirty="0">
+                <a:latin typeface="Times New Roman"/>
+                <a:cs typeface="Times New Roman"/>
+              </a:rPr>
+              <a:t>and Centroid </a:t>
+            </a:r>
+            <a:r>
+              <a:rPr lang="en-US" sz="1700" i="1" dirty="0" smtClean="0">
+                <a:latin typeface="Times New Roman"/>
+                <a:cs typeface="Times New Roman"/>
+              </a:rPr>
+              <a:t>distance (right) </a:t>
+            </a:r>
+            <a:r>
+              <a:rPr lang="en-US" sz="1700" i="1" dirty="0">
+                <a:latin typeface="Times New Roman"/>
+                <a:cs typeface="Times New Roman"/>
+              </a:rPr>
+              <a:t>as the shape signatures.</a:t>
+            </a:r>
+          </a:p>
+          <a:p>
+            <a:endParaRPr lang="en-US" sz="1700" i="1" dirty="0">
+              <a:latin typeface="Times New Roman"/>
+              <a:cs typeface="Times New Roman"/>
+            </a:endParaRPr>
+          </a:p>
+        </p:txBody>
+      </p:sp>
       <p:pic>
         <p:nvPicPr>
-          <p:cNvPr id="5" name="Picture 4" descr="nn.png"/>
+          <p:cNvPr id="14" name="Picture 13" descr="1a.png"/>
           <p:cNvPicPr>
             <a:picLocks noChangeAspect="1"/>
           </p:cNvPicPr>
           <p:nvPr/>
         </p:nvPicPr>
         <p:blipFill>
-          <a:blip r:embed="rId4">
+          <a:blip r:embed="rId21">
             <a:extLst>
               <a:ext uri="{28A0092B-C50C-407E-A947-70E740481C1C}">
                 <a14:useLocalDpi xmlns:a14="http://schemas.microsoft.com/office/drawing/2010/main" val="0"/>
@@ -11337,8 +13200,8 @@
         </p:blipFill>
         <p:spPr>
           <a:xfrm>
-            <a:off x="5797158" y="25526787"/>
-            <a:ext cx="4580986" cy="1862213"/>
+            <a:off x="5718507" y="27426200"/>
+            <a:ext cx="3646787" cy="851074"/>
           </a:xfrm>
           <a:prstGeom prst="rect">
             <a:avLst/>
@@ -11347,14 +13210,14 @@
       </p:pic>
       <p:pic>
         <p:nvPicPr>
-          <p:cNvPr id="22" name="Picture 21" descr="con.png"/>
+          <p:cNvPr id="15" name="Picture 14" descr="1b.png"/>
           <p:cNvPicPr>
             <a:picLocks noChangeAspect="1"/>
           </p:cNvPicPr>
           <p:nvPr/>
         </p:nvPicPr>
         <p:blipFill>
-          <a:blip r:embed="rId5">
+          <a:blip r:embed="rId22">
             <a:extLst>
               <a:ext uri="{28A0092B-C50C-407E-A947-70E740481C1C}">
                 <a14:useLocalDpi xmlns:a14="http://schemas.microsoft.com/office/drawing/2010/main" val="0"/>
@@ -11367,206 +13230,74 @@
         </p:blipFill>
         <p:spPr>
           <a:xfrm>
-            <a:off x="5797158" y="27816987"/>
-            <a:ext cx="4580985" cy="1869386"/>
+            <a:off x="10276435" y="27426200"/>
+            <a:ext cx="4176577" cy="851074"/>
           </a:xfrm>
           <a:prstGeom prst="rect">
             <a:avLst/>
           </a:prstGeom>
         </p:spPr>
       </p:pic>
-      <p:graphicFrame>
-        <p:nvGraphicFramePr>
-          <p:cNvPr id="25" name="Diagram 24"/>
-          <p:cNvGraphicFramePr/>
-          <p:nvPr>
-            <p:extLst>
-              <p:ext uri="{D42A27DB-BD31-4B8C-83A1-F6EECF244321}">
-                <p14:modId xmlns:p14="http://schemas.microsoft.com/office/powerpoint/2010/main" val="4098575976"/>
-              </p:ext>
-            </p:extLst>
-          </p:nvPr>
-        </p:nvGraphicFramePr>
-        <p:xfrm>
-          <a:off x="-3438084" y="23192582"/>
-          <a:ext cx="11967994" cy="6577897"/>
-        </p:xfrm>
-        <a:graphic>
-          <a:graphicData uri="http://schemas.openxmlformats.org/drawingml/2006/diagram">
-            <dgm:relIds xmlns:dgm="http://schemas.openxmlformats.org/drawingml/2006/diagram" xmlns:r="http://schemas.openxmlformats.org/officeDocument/2006/relationships" r:dm="rId6" r:lo="rId7" r:qs="rId8" r:cs="rId9"/>
-          </a:graphicData>
-        </a:graphic>
-      </p:graphicFrame>
-      <p:sp>
-        <p:nvSpPr>
-          <p:cNvPr id="31" name="Text Placeholder 9"/>
-          <p:cNvSpPr txBox="1">
-            <a:spLocks/>
-          </p:cNvSpPr>
+      <p:pic>
+        <p:nvPicPr>
+          <p:cNvPr id="16" name="Picture 15" descr="4a.png"/>
+          <p:cNvPicPr>
+            <a:picLocks noChangeAspect="1"/>
+          </p:cNvPicPr>
           <p:nvPr/>
-        </p:nvSpPr>
+        </p:nvPicPr>
+        <p:blipFill>
+          <a:blip r:embed="rId23">
+            <a:extLst>
+              <a:ext uri="{28A0092B-C50C-407E-A947-70E740481C1C}">
+                <a14:useLocalDpi xmlns:a14="http://schemas.microsoft.com/office/drawing/2010/main" val="0"/>
+              </a:ext>
+            </a:extLst>
+          </a:blip>
+          <a:stretch>
+            <a:fillRect/>
+          </a:stretch>
+        </p:blipFill>
         <p:spPr>
           <a:xfrm>
-            <a:off x="4845750" y="22664638"/>
-            <a:ext cx="9818290" cy="507813"/>
+            <a:off x="5718507" y="28277274"/>
+            <a:ext cx="3646787" cy="817820"/>
           </a:xfrm>
           <a:prstGeom prst="rect">
             <a:avLst/>
           </a:prstGeom>
-          <a:noFill/>
         </p:spPr>
-        <p:txBody>
-          <a:bodyPr wrap="square" lIns="60951" tIns="60951" rIns="60951" bIns="60951" anchor="ctr" anchorCtr="0">
-            <a:spAutoFit/>
-          </a:bodyPr>
-          <a:lstStyle>
-            <a:lvl1pPr marL="0" indent="0" algn="ctr" defTabSz="2925641" rtl="0" eaLnBrk="1" latinLnBrk="0" hangingPunct="1">
-              <a:spcBef>
-                <a:spcPct val="20000"/>
-              </a:spcBef>
-              <a:buFont typeface="Arial" pitchFamily="34" charset="0"/>
-              <a:buNone/>
-              <a:defRPr sz="2500" b="1" u="sng" kern="1200" baseline="0">
-                <a:solidFill>
-                  <a:schemeClr val="accent5">
-                    <a:lumMod val="50000"/>
-                  </a:schemeClr>
-                </a:solidFill>
-                <a:latin typeface="+mn-lt"/>
-                <a:ea typeface="+mn-ea"/>
-                <a:cs typeface="+mn-cs"/>
-              </a:defRPr>
-            </a:lvl1pPr>
-            <a:lvl2pPr marL="2377084" indent="-914263" algn="l" defTabSz="2925641" rtl="0" eaLnBrk="1" latinLnBrk="0" hangingPunct="1">
-              <a:spcBef>
-                <a:spcPct val="20000"/>
-              </a:spcBef>
-              <a:buFont typeface="Arial" pitchFamily="34" charset="0"/>
-              <a:buChar char="–"/>
-              <a:defRPr sz="9000" kern="1200">
-                <a:solidFill>
-                  <a:schemeClr val="tx1"/>
-                </a:solidFill>
-                <a:latin typeface="+mn-lt"/>
-                <a:ea typeface="+mn-ea"/>
-                <a:cs typeface="+mn-cs"/>
-              </a:defRPr>
-            </a:lvl2pPr>
-            <a:lvl3pPr marL="3657052" indent="-731411" algn="l" defTabSz="2925641" rtl="0" eaLnBrk="1" latinLnBrk="0" hangingPunct="1">
-              <a:spcBef>
-                <a:spcPct val="20000"/>
-              </a:spcBef>
-              <a:buFont typeface="Arial" pitchFamily="34" charset="0"/>
-              <a:buChar char="•"/>
-              <a:defRPr sz="7700" kern="1200">
-                <a:solidFill>
-                  <a:schemeClr val="tx1"/>
-                </a:solidFill>
-                <a:latin typeface="+mn-lt"/>
-                <a:ea typeface="+mn-ea"/>
-                <a:cs typeface="+mn-cs"/>
-              </a:defRPr>
-            </a:lvl3pPr>
-            <a:lvl4pPr marL="5119873" indent="-731411" algn="l" defTabSz="2925641" rtl="0" eaLnBrk="1" latinLnBrk="0" hangingPunct="1">
-              <a:spcBef>
-                <a:spcPct val="20000"/>
-              </a:spcBef>
-              <a:buFont typeface="Arial" pitchFamily="34" charset="0"/>
-              <a:buChar char="–"/>
-              <a:defRPr sz="6400" kern="1200">
-                <a:solidFill>
-                  <a:schemeClr val="tx1"/>
-                </a:solidFill>
-                <a:latin typeface="+mn-lt"/>
-                <a:ea typeface="+mn-ea"/>
-                <a:cs typeface="+mn-cs"/>
-              </a:defRPr>
-            </a:lvl4pPr>
-            <a:lvl5pPr marL="6582692" indent="-731411" algn="l" defTabSz="2925641" rtl="0" eaLnBrk="1" latinLnBrk="0" hangingPunct="1">
-              <a:spcBef>
-                <a:spcPct val="20000"/>
-              </a:spcBef>
-              <a:buFont typeface="Arial" pitchFamily="34" charset="0"/>
-              <a:buChar char="»"/>
-              <a:defRPr sz="6400" kern="1200">
-                <a:solidFill>
-                  <a:schemeClr val="tx1"/>
-                </a:solidFill>
-                <a:latin typeface="+mn-lt"/>
-                <a:ea typeface="+mn-ea"/>
-                <a:cs typeface="+mn-cs"/>
-              </a:defRPr>
-            </a:lvl5pPr>
-            <a:lvl6pPr marL="8045513" indent="-731411" algn="l" defTabSz="2925641" rtl="0" eaLnBrk="1" latinLnBrk="0" hangingPunct="1">
-              <a:spcBef>
-                <a:spcPct val="20000"/>
-              </a:spcBef>
-              <a:buFont typeface="Arial" pitchFamily="34" charset="0"/>
-              <a:buChar char="•"/>
-              <a:defRPr sz="6400" kern="1200">
-                <a:solidFill>
-                  <a:schemeClr val="tx1"/>
-                </a:solidFill>
-                <a:latin typeface="+mn-lt"/>
-                <a:ea typeface="+mn-ea"/>
-                <a:cs typeface="+mn-cs"/>
-              </a:defRPr>
-            </a:lvl6pPr>
-            <a:lvl7pPr marL="9508333" indent="-731411" algn="l" defTabSz="2925641" rtl="0" eaLnBrk="1" latinLnBrk="0" hangingPunct="1">
-              <a:spcBef>
-                <a:spcPct val="20000"/>
-              </a:spcBef>
-              <a:buFont typeface="Arial" pitchFamily="34" charset="0"/>
-              <a:buChar char="•"/>
-              <a:defRPr sz="6400" kern="1200">
-                <a:solidFill>
-                  <a:schemeClr val="tx1"/>
-                </a:solidFill>
-                <a:latin typeface="+mn-lt"/>
-                <a:ea typeface="+mn-ea"/>
-                <a:cs typeface="+mn-cs"/>
-              </a:defRPr>
-            </a:lvl7pPr>
-            <a:lvl8pPr marL="10971154" indent="-731411" algn="l" defTabSz="2925641" rtl="0" eaLnBrk="1" latinLnBrk="0" hangingPunct="1">
-              <a:spcBef>
-                <a:spcPct val="20000"/>
-              </a:spcBef>
-              <a:buFont typeface="Arial" pitchFamily="34" charset="0"/>
-              <a:buChar char="•"/>
-              <a:defRPr sz="6400" kern="1200">
-                <a:solidFill>
-                  <a:schemeClr val="tx1"/>
-                </a:solidFill>
-                <a:latin typeface="+mn-lt"/>
-                <a:ea typeface="+mn-ea"/>
-                <a:cs typeface="+mn-cs"/>
-              </a:defRPr>
-            </a:lvl8pPr>
-            <a:lvl9pPr marL="12433974" indent="-731411" algn="l" defTabSz="2925641" rtl="0" eaLnBrk="1" latinLnBrk="0" hangingPunct="1">
-              <a:spcBef>
-                <a:spcPct val="20000"/>
-              </a:spcBef>
-              <a:buFont typeface="Arial" pitchFamily="34" charset="0"/>
-              <a:buChar char="•"/>
-              <a:defRPr sz="6400" kern="1200">
-                <a:solidFill>
-                  <a:schemeClr val="tx1"/>
-                </a:solidFill>
-                <a:latin typeface="+mn-lt"/>
-                <a:ea typeface="+mn-ea"/>
-                <a:cs typeface="+mn-cs"/>
-              </a:defRPr>
-            </a:lvl9pPr>
-          </a:lstStyle>
-          <a:p>
-            <a:r>
-              <a:rPr lang="en-US" smtClean="0"/>
-              <a:t>Results</a:t>
-            </a:r>
-            <a:endParaRPr lang="en-US" dirty="0"/>
-          </a:p>
-        </p:txBody>
-      </p:sp>
+      </p:pic>
+      <p:pic>
+        <p:nvPicPr>
+          <p:cNvPr id="20" name="Picture 19" descr="4b.png"/>
+          <p:cNvPicPr>
+            <a:picLocks noChangeAspect="1"/>
+          </p:cNvPicPr>
+          <p:nvPr/>
+        </p:nvPicPr>
+        <p:blipFill>
+          <a:blip r:embed="rId24">
+            <a:extLst>
+              <a:ext uri="{28A0092B-C50C-407E-A947-70E740481C1C}">
+                <a14:useLocalDpi xmlns:a14="http://schemas.microsoft.com/office/drawing/2010/main" val="0"/>
+              </a:ext>
+            </a:extLst>
+          </a:blip>
+          <a:stretch>
+            <a:fillRect/>
+          </a:stretch>
+        </p:blipFill>
+        <p:spPr>
+          <a:xfrm>
+            <a:off x="10276435" y="28277274"/>
+            <a:ext cx="4176577" cy="817820"/>
+          </a:xfrm>
+          <a:prstGeom prst="rect">
+            <a:avLst/>
+          </a:prstGeom>
+        </p:spPr>
+      </p:pic>
     </p:spTree>
     <p:extLst>
       <p:ext uri="{BB962C8B-B14F-4D97-AF65-F5344CB8AC3E}">
@@ -11577,6 +13308,14 @@
   <p:clrMapOvr>
     <a:masterClrMapping/>
   </p:clrMapOvr>
+  <mc:AlternateContent xmlns:mc="http://schemas.openxmlformats.org/markup-compatibility/2006">
+    <mc:Choice xmlns:p14="http://schemas.microsoft.com/office/powerpoint/2010/main" Requires="p14">
+      <p:transition spd="slow" p14:dur="2000"/>
+    </mc:Choice>
+    <mc:Fallback>
+      <p:transition xmlns:p14="http://schemas.microsoft.com/office/powerpoint/2010/main" spd="slow"/>
+    </mc:Fallback>
+  </mc:AlternateContent>
   <p:timing>
     <p:tnLst>
       <p:par>

--- a/project/demoCode/posterPaper/poster.pptx
+++ b/project/demoCode/posterPaper/poster.pptx
@@ -109,7 +109,7 @@
   </p:defaultTextStyle>
   <p:extLst>
     <p:ext uri="{EFAFB233-063F-42B5-8137-9DF3F51BA10A}">
-      <p15:sldGuideLst xmlns:p15="http://schemas.microsoft.com/office/powerpoint/2012/main" xmlns="">
+      <p15:sldGuideLst xmlns="" xmlns:p15="http://schemas.microsoft.com/office/powerpoint/2012/main">
         <p15:guide id="1" orient="horz" pos="3318">
           <p15:clr>
             <a:srgbClr val="A4A3A4"/>
@@ -163,7 +163,7 @@
       </p15:sldGuideLst>
     </p:ext>
     <p:ext uri="{2D200454-40CA-4A62-9FC3-DE9A4176ACB9}">
-      <p15:notesGuideLst xmlns:p15="http://schemas.microsoft.com/office/powerpoint/2012/main" xmlns="">
+      <p15:notesGuideLst xmlns="" xmlns:p15="http://schemas.microsoft.com/office/powerpoint/2012/main">
         <p15:guide id="1" orient="horz" pos="13681">
           <p15:clr>
             <a:srgbClr val="A4A3A4"/>
@@ -5586,7 +5586,7 @@
             <a:fld id="{E6CC2317-6751-4CD4-9995-8782DD78E936}" type="datetimeFigureOut">
               <a:rPr lang="en-US" smtClean="0"/>
               <a:pPr/>
-              <a:t>12/1/15</a:t>
+              <a:t>12/2/15</a:t>
             </a:fld>
             <a:endParaRPr lang="en-US" dirty="0"/>
           </a:p>
@@ -8552,7 +8552,7 @@
               <a:graphicData uri="http://schemas.openxmlformats.org/presentationml/2006/ole">
                 <mc:AlternateContent xmlns:mc="http://schemas.openxmlformats.org/markup-compatibility/2006">
                   <mc:Choice xmlns:v="urn:schemas-microsoft-com:vml" Requires="v">
-                    <p:oleObj spid="_x0000_s1173" name="Image" r:id="rId8" imgW="1828440" imgH="1117440" progId="Photoshop.Image.13">
+                    <p:oleObj spid="_x0000_s1178" name="Image" r:id="rId8" imgW="1828440" imgH="1117440" progId="Photoshop.Image.13">
                       <p:embed/>
                     </p:oleObj>
                   </mc:Choice>
@@ -8609,7 +8609,7 @@
               <a:graphicData uri="http://schemas.openxmlformats.org/presentationml/2006/ole">
                 <mc:AlternateContent xmlns:mc="http://schemas.openxmlformats.org/markup-compatibility/2006">
                   <mc:Choice xmlns:v="urn:schemas-microsoft-com:vml" Requires="v">
-                    <p:oleObj spid="_x0000_s1174" name="Image" r:id="rId10" imgW="1828440" imgH="1117440" progId="Photoshop.Image.13">
+                    <p:oleObj spid="_x0000_s1179" name="Image" r:id="rId10" imgW="1828440" imgH="1117440" progId="Photoshop.Image.13">
                       <p:embed/>
                     </p:oleObj>
                   </mc:Choice>
@@ -9737,7 +9737,7 @@
             <a:graphicData uri="http://schemas.openxmlformats.org/presentationml/2006/ole">
               <mc:AlternateContent xmlns:mc="http://schemas.openxmlformats.org/markup-compatibility/2006">
                 <mc:Choice xmlns:v="urn:schemas-microsoft-com:vml" Requires="v">
-                  <p:oleObj spid="_x0000_s1175" name="Image" r:id="rId12" imgW="4571280" imgH="1688760" progId="Photoshop.Image.13">
+                  <p:oleObj spid="_x0000_s1180" name="Image" r:id="rId12" imgW="4571280" imgH="1688760" progId="Photoshop.Image.13">
                     <p:embed/>
                   </p:oleObj>
                 </mc:Choice>
@@ -9821,7 +9821,7 @@
             <a:graphicData uri="http://schemas.openxmlformats.org/presentationml/2006/ole">
               <mc:AlternateContent xmlns:mc="http://schemas.openxmlformats.org/markup-compatibility/2006">
                 <mc:Choice xmlns:v="urn:schemas-microsoft-com:vml" Requires="v">
-                  <p:oleObj spid="_x0000_s1176" name="Image" r:id="rId15" imgW="1574280" imgH="1053720" progId="Photoshop.Image.13">
+                  <p:oleObj spid="_x0000_s1181" name="Image" r:id="rId15" imgW="1574280" imgH="1053720" progId="Photoshop.Image.13">
                     <p:embed/>
                   </p:oleObj>
                 </mc:Choice>
@@ -10774,7 +10774,6 @@
               <a:rPr lang="en-US" dirty="0" smtClean="0"/>
               <a:t>)</a:t>
             </a:r>
-            <a:endParaRPr lang="en-US" dirty="0" smtClean="0"/>
           </a:p>
           <a:p>
             <a:r>
@@ -12014,11 +12013,7 @@
           <a:p>
             <a:r>
               <a:rPr lang="en-US" sz="1800" b="1" dirty="0" smtClean="0"/>
-              <a:t>6. Feature </a:t>
-            </a:r>
-            <a:r>
-              <a:rPr lang="en-US" sz="1800" b="1" dirty="0" smtClean="0"/>
-              <a:t>Extraction</a:t>
+              <a:t>6. Feature Extraction</a:t>
             </a:r>
           </a:p>
           <a:p>
@@ -12436,17 +12431,7 @@
                 <a:latin typeface="Times New Roman"/>
                 <a:cs typeface="Times New Roman"/>
               </a:rPr>
-              <a:t>It </a:t>
-            </a:r>
-            <a:r>
-              <a:rPr lang="en-US" dirty="0">
-                <a:solidFill>
-                  <a:schemeClr val="tx1"/>
-                </a:solidFill>
-                <a:latin typeface="Times New Roman"/>
-                <a:cs typeface="Times New Roman"/>
-              </a:rPr>
-              <a:t>is expressed as the distance of the boundary points, from the centroid (</a:t>
+              <a:t>It is expressed as the distance of the boundary points, from the centroid (</a:t>
             </a:r>
             <a:r>
               <a:rPr lang="en-US" dirty="0" err="1">
@@ -13298,6 +13283,45 @@
           </a:prstGeom>
         </p:spPr>
       </p:pic>
+      <p:sp>
+        <p:nvSpPr>
+          <p:cNvPr id="41" name="Text Placeholder 6"/>
+          <p:cNvSpPr>
+            <a:spLocks noGrp="1"/>
+          </p:cNvSpPr>
+          <p:nvPr>
+            <p:ph type="body" sz="quarter" idx="21"/>
+          </p:nvPr>
+        </p:nvSpPr>
+        <p:spPr>
+          <a:xfrm>
+            <a:off x="15254127" y="19349876"/>
+            <a:ext cx="4441156" cy="849417"/>
+          </a:xfrm>
+        </p:spPr>
+        <p:txBody>
+          <a:bodyPr/>
+          <a:lstStyle/>
+          <a:p>
+            <a:r>
+              <a:rPr lang="en-US" sz="1600" b="1" dirty="0" smtClean="0"/>
+              <a:t>Add QR code to video </a:t>
+            </a:r>
+            <a:r>
+              <a:rPr lang="en-US" sz="1600" b="1" smtClean="0"/>
+              <a:t>demo </a:t>
+            </a:r>
+            <a:endParaRPr lang="en-US" sz="1600" b="1" i="1" dirty="0"/>
+          </a:p>
+          <a:p>
+            <a:r>
+              <a:rPr lang="en-US" sz="1600" b="1" i="1" dirty="0" smtClean="0"/>
+              <a:t>And references </a:t>
+            </a:r>
+            <a:endParaRPr lang="en-US" sz="1600" b="1" i="1" dirty="0" smtClean="0"/>
+          </a:p>
+        </p:txBody>
+      </p:sp>
     </p:spTree>
     <p:extLst>
       <p:ext uri="{BB962C8B-B14F-4D97-AF65-F5344CB8AC3E}">

--- a/project/demoCode/posterPaper/poster.pptx
+++ b/project/demoCode/posterPaper/poster.pptx
@@ -109,7 +109,7 @@
   </p:defaultTextStyle>
   <p:extLst>
     <p:ext uri="{EFAFB233-063F-42B5-8137-9DF3F51BA10A}">
-      <p15:sldGuideLst xmlns="" xmlns:p15="http://schemas.microsoft.com/office/powerpoint/2012/main">
+      <p15:sldGuideLst xmlns:p15="http://schemas.microsoft.com/office/powerpoint/2012/main" xmlns="">
         <p15:guide id="1" orient="horz" pos="3318">
           <p15:clr>
             <a:srgbClr val="A4A3A4"/>
@@ -163,7 +163,7 @@
       </p15:sldGuideLst>
     </p:ext>
     <p:ext uri="{2D200454-40CA-4A62-9FC3-DE9A4176ACB9}">
-      <p15:notesGuideLst xmlns="" xmlns:p15="http://schemas.microsoft.com/office/powerpoint/2012/main">
+      <p15:notesGuideLst xmlns:p15="http://schemas.microsoft.com/office/powerpoint/2012/main" xmlns="">
         <p15:guide id="1" orient="horz" pos="13681">
           <p15:clr>
             <a:srgbClr val="A4A3A4"/>
@@ -5586,7 +5586,7 @@
             <a:fld id="{E6CC2317-6751-4CD4-9995-8782DD78E936}" type="datetimeFigureOut">
               <a:rPr lang="en-US" smtClean="0"/>
               <a:pPr/>
-              <a:t>12/2/15</a:t>
+              <a:t>12/1/15</a:t>
             </a:fld>
             <a:endParaRPr lang="en-US" dirty="0"/>
           </a:p>
@@ -8552,7 +8552,7 @@
               <a:graphicData uri="http://schemas.openxmlformats.org/presentationml/2006/ole">
                 <mc:AlternateContent xmlns:mc="http://schemas.openxmlformats.org/markup-compatibility/2006">
                   <mc:Choice xmlns:v="urn:schemas-microsoft-com:vml" Requires="v">
-                    <p:oleObj spid="_x0000_s1178" name="Image" r:id="rId8" imgW="1828440" imgH="1117440" progId="Photoshop.Image.13">
+                    <p:oleObj spid="_x0000_s1197" name="Image" r:id="rId8" imgW="1828440" imgH="1117440" progId="Photoshop.Image.13">
                       <p:embed/>
                     </p:oleObj>
                   </mc:Choice>
@@ -8609,7 +8609,7 @@
               <a:graphicData uri="http://schemas.openxmlformats.org/presentationml/2006/ole">
                 <mc:AlternateContent xmlns:mc="http://schemas.openxmlformats.org/markup-compatibility/2006">
                   <mc:Choice xmlns:v="urn:schemas-microsoft-com:vml" Requires="v">
-                    <p:oleObj spid="_x0000_s1179" name="Image" r:id="rId10" imgW="1828440" imgH="1117440" progId="Photoshop.Image.13">
+                    <p:oleObj spid="_x0000_s1198" name="Image" r:id="rId10" imgW="1828440" imgH="1117440" progId="Photoshop.Image.13">
                       <p:embed/>
                     </p:oleObj>
                   </mc:Choice>
@@ -9737,7 +9737,7 @@
             <a:graphicData uri="http://schemas.openxmlformats.org/presentationml/2006/ole">
               <mc:AlternateContent xmlns:mc="http://schemas.openxmlformats.org/markup-compatibility/2006">
                 <mc:Choice xmlns:v="urn:schemas-microsoft-com:vml" Requires="v">
-                  <p:oleObj spid="_x0000_s1180" name="Image" r:id="rId12" imgW="4571280" imgH="1688760" progId="Photoshop.Image.13">
+                  <p:oleObj spid="_x0000_s1199" name="Image" r:id="rId12" imgW="4571280" imgH="1688760" progId="Photoshop.Image.13">
                     <p:embed/>
                   </p:oleObj>
                 </mc:Choice>
@@ -9821,7 +9821,7 @@
             <a:graphicData uri="http://schemas.openxmlformats.org/presentationml/2006/ole">
               <mc:AlternateContent xmlns:mc="http://schemas.openxmlformats.org/markup-compatibility/2006">
                 <mc:Choice xmlns:v="urn:schemas-microsoft-com:vml" Requires="v">
-                  <p:oleObj spid="_x0000_s1181" name="Image" r:id="rId15" imgW="1574280" imgH="1053720" progId="Photoshop.Image.13">
+                  <p:oleObj spid="_x0000_s1200" name="Image" r:id="rId15" imgW="1574280" imgH="1053720" progId="Photoshop.Image.13">
                     <p:embed/>
                   </p:oleObj>
                 </mc:Choice>
@@ -10774,6 +10774,7 @@
               <a:rPr lang="en-US" dirty="0" smtClean="0"/>
               <a:t>)</a:t>
             </a:r>
+            <a:endParaRPr lang="en-US" dirty="0" smtClean="0"/>
           </a:p>
           <a:p>
             <a:r>
@@ -10908,8 +10909,8 @@
         </p:blipFill>
         <p:spPr>
           <a:xfrm>
-            <a:off x="15254127" y="13265058"/>
-            <a:ext cx="4580986" cy="1862213"/>
+            <a:off x="15325460" y="14240491"/>
+            <a:ext cx="4305169" cy="1862213"/>
           </a:xfrm>
           <a:prstGeom prst="rect">
             <a:avLst/>
@@ -10938,8 +10939,8 @@
         </p:blipFill>
         <p:spPr>
           <a:xfrm>
-            <a:off x="15254127" y="15555258"/>
-            <a:ext cx="4580985" cy="1869386"/>
+            <a:off x="15325462" y="16102704"/>
+            <a:ext cx="4305167" cy="1869386"/>
           </a:xfrm>
           <a:prstGeom prst="rect">
             <a:avLst/>
@@ -12013,7 +12014,11 @@
           <a:p>
             <a:r>
               <a:rPr lang="en-US" sz="1800" b="1" dirty="0" smtClean="0"/>
-              <a:t>6. Feature Extraction</a:t>
+              <a:t>6. Feature </a:t>
+            </a:r>
+            <a:r>
+              <a:rPr lang="en-US" sz="1800" b="1" dirty="0" smtClean="0"/>
+              <a:t>Extraction</a:t>
             </a:r>
           </a:p>
           <a:p>
@@ -12431,7 +12436,17 @@
                 <a:latin typeface="Times New Roman"/>
                 <a:cs typeface="Times New Roman"/>
               </a:rPr>
-              <a:t>It is expressed as the distance of the boundary points, from the centroid (</a:t>
+              <a:t>It </a:t>
+            </a:r>
+            <a:r>
+              <a:rPr lang="en-US" dirty="0">
+                <a:solidFill>
+                  <a:schemeClr val="tx1"/>
+                </a:solidFill>
+                <a:latin typeface="Times New Roman"/>
+                <a:cs typeface="Times New Roman"/>
+              </a:rPr>
+              <a:t>is expressed as the distance of the boundary points, from the centroid (</a:t>
             </a:r>
             <a:r>
               <a:rPr lang="en-US" dirty="0" err="1">
@@ -12587,7 +12602,7 @@
         <p:spPr>
           <a:xfrm>
             <a:off x="15254127" y="5584679"/>
-            <a:ext cx="4719258" cy="2142772"/>
+            <a:ext cx="4719258" cy="4967467"/>
           </a:xfrm>
         </p:spPr>
         <p:txBody>
@@ -12595,19 +12610,19 @@
           <a:lstStyle/>
           <a:p>
             <a:r>
-              <a:rPr lang="en-US" b="1" dirty="0"/>
+              <a:rPr lang="en-US" sz="1800" b="1" dirty="0"/>
               <a:t>K Nearest </a:t>
             </a:r>
             <a:r>
-              <a:rPr lang="en-US" b="1" dirty="0" smtClean="0"/>
+              <a:rPr lang="en-US" sz="1800" b="1" dirty="0" smtClean="0"/>
               <a:t>Neighbor </a:t>
             </a:r>
             <a:r>
-              <a:rPr lang="en-US" b="1" dirty="0"/>
+              <a:rPr lang="en-US" sz="1800" b="1" dirty="0"/>
               <a:t>based </a:t>
             </a:r>
             <a:r>
-              <a:rPr lang="en-US" b="1" dirty="0" smtClean="0"/>
+              <a:rPr lang="en-US" sz="1800" b="1" dirty="0" smtClean="0"/>
               <a:t>Classification:</a:t>
             </a:r>
           </a:p>
@@ -12620,7 +12635,7 @@
               <a:buChar char="•"/>
             </a:pPr>
             <a:r>
-              <a:rPr lang="en-US" sz="1600" dirty="0"/>
+              <a:rPr lang="en-US" sz="1800" dirty="0"/>
               <a:t>2200 samples of ASL digits, </a:t>
             </a:r>
           </a:p>
@@ -12633,7 +12648,7 @@
               <a:buChar char="•"/>
             </a:pPr>
             <a:r>
-              <a:rPr lang="en-US" sz="1600" dirty="0"/>
+              <a:rPr lang="en-US" sz="1800" dirty="0"/>
               <a:t>training : testing data = 70% : 30% </a:t>
             </a:r>
           </a:p>
@@ -12646,7 +12661,7 @@
               <a:buChar char="•"/>
             </a:pPr>
             <a:r>
-              <a:rPr lang="en-US" sz="1600" dirty="0"/>
+              <a:rPr lang="en-US" sz="1800" dirty="0"/>
               <a:t>~ 95% accuracy when k = 1; </a:t>
             </a:r>
           </a:p>
@@ -12659,7 +12674,7 @@
               <a:buChar char="•"/>
             </a:pPr>
             <a:r>
-              <a:rPr lang="en-US" sz="1600" dirty="0"/>
+              <a:rPr lang="en-US" sz="1800" dirty="0"/>
               <a:t>Accuracy decreases with increasing k.</a:t>
             </a:r>
           </a:p>
@@ -12672,11 +12687,11 @@
               <a:buChar char="•"/>
             </a:pPr>
             <a:r>
-              <a:rPr lang="en-US" sz="1600" dirty="0"/>
+              <a:rPr lang="en-US" sz="1800" dirty="0"/>
               <a:t>Average result obtained around 50-55% ; highest being </a:t>
             </a:r>
             <a:r>
-              <a:rPr lang="en-US" sz="1600" dirty="0" smtClean="0"/>
+              <a:rPr lang="en-US" sz="1800" dirty="0" smtClean="0"/>
               <a:t>65%</a:t>
             </a:r>
           </a:p>
@@ -12746,7 +12761,7 @@
         </p:blipFill>
         <p:spPr>
           <a:xfrm>
-            <a:off x="15371587" y="7479921"/>
+            <a:off x="15371587" y="7703478"/>
             <a:ext cx="4147624" cy="1481862"/>
           </a:xfrm>
           <a:prstGeom prst="rect">
@@ -12764,8 +12779,8 @@
         </p:nvSpPr>
         <p:spPr>
           <a:xfrm>
-            <a:off x="15483005" y="8981745"/>
-            <a:ext cx="4147624" cy="4591980"/>
+            <a:off x="15506556" y="9185340"/>
+            <a:ext cx="4147624" cy="5496843"/>
           </a:xfrm>
           <a:prstGeom prst="rect">
             <a:avLst/>
@@ -12916,14 +12931,14 @@
           </a:lstStyle>
           <a:p>
             <a:r>
-              <a:rPr lang="en-US" b="1" dirty="0"/>
+              <a:rPr lang="en-US" sz="1800" b="1" dirty="0"/>
               <a:t>Neural Network based Supervised Learning</a:t>
             </a:r>
             <a:r>
-              <a:rPr lang="en-US" b="1" dirty="0" smtClean="0"/>
+              <a:rPr lang="en-US" sz="1800" b="1" dirty="0" smtClean="0"/>
               <a:t>:</a:t>
             </a:r>
-            <a:endParaRPr lang="en-US" b="1" dirty="0"/>
+            <a:endParaRPr lang="en-US" sz="1800" b="1" dirty="0"/>
           </a:p>
           <a:p>
             <a:pPr marL="285750" indent="-285750">
@@ -12934,14 +12949,14 @@
               <a:buChar char="•"/>
             </a:pPr>
             <a:r>
-              <a:rPr lang="en-US" sz="1600" dirty="0"/>
+              <a:rPr lang="en-US" sz="1800" dirty="0"/>
               <a:t>Feed forward neural network with sigmoid transfer </a:t>
             </a:r>
             <a:r>
-              <a:rPr lang="en-US" sz="1600" dirty="0" smtClean="0"/>
+              <a:rPr lang="en-US" sz="1800" dirty="0" smtClean="0"/>
               <a:t>function</a:t>
             </a:r>
-            <a:endParaRPr lang="en-US" sz="1600" dirty="0"/>
+            <a:endParaRPr lang="en-US" sz="1800" dirty="0"/>
           </a:p>
           <a:p>
             <a:pPr marL="285750" indent="-285750">
@@ -12952,14 +12967,14 @@
               <a:buChar char="•"/>
             </a:pPr>
             <a:r>
-              <a:rPr lang="en-US" sz="1600" dirty="0"/>
+              <a:rPr lang="en-US" sz="1800" dirty="0"/>
               <a:t>Back propagation algorithm for learning weights and biases for neurons</a:t>
             </a:r>
             <a:r>
-              <a:rPr lang="en-US" sz="1600" dirty="0" smtClean="0"/>
+              <a:rPr lang="en-US" sz="1800" dirty="0" smtClean="0"/>
               <a:t>.</a:t>
             </a:r>
-            <a:endParaRPr lang="en-US" sz="1600" dirty="0"/>
+            <a:endParaRPr lang="en-US" sz="1800" dirty="0"/>
           </a:p>
           <a:p>
             <a:pPr marL="285750" indent="-285750">
@@ -12970,14 +12985,14 @@
               <a:buChar char="•"/>
             </a:pPr>
             <a:r>
-              <a:rPr lang="en-US" sz="1600" dirty="0"/>
+              <a:rPr lang="en-US" sz="1800" dirty="0"/>
               <a:t>Utilized 64 point Fourier Descriptors features per digit with N’ hidden neurons and 11 output neurons (digits 0 to 10) : N=48 with experimentation for reliable </a:t>
             </a:r>
             <a:r>
-              <a:rPr lang="en-US" sz="1600" dirty="0" smtClean="0"/>
+              <a:rPr lang="en-US" sz="1800" dirty="0" smtClean="0"/>
               <a:t>accuracy</a:t>
             </a:r>
-            <a:endParaRPr lang="en-US" sz="1600" dirty="0"/>
+            <a:endParaRPr lang="en-US" sz="1800" dirty="0"/>
           </a:p>
           <a:p>
             <a:pPr marL="285750" indent="-285750">
@@ -12988,14 +13003,14 @@
               <a:buChar char="•"/>
             </a:pPr>
             <a:r>
-              <a:rPr lang="en-US" sz="1600" dirty="0"/>
+              <a:rPr lang="en-US" sz="1800" dirty="0"/>
               <a:t>1600 samples with 65-70% for training, 15% for validation and rest for test</a:t>
             </a:r>
             <a:r>
-              <a:rPr lang="en-US" sz="1600" dirty="0" smtClean="0"/>
+              <a:rPr lang="en-US" sz="1800" dirty="0" smtClean="0"/>
               <a:t>.</a:t>
             </a:r>
-            <a:endParaRPr lang="en-US" sz="1600" dirty="0"/>
+            <a:endParaRPr lang="en-US" sz="1800" dirty="0"/>
           </a:p>
           <a:p>
             <a:pPr marL="285750" indent="-285750">
@@ -13006,14 +13021,14 @@
               <a:buChar char="•"/>
             </a:pPr>
             <a:r>
-              <a:rPr lang="en-US" sz="1600" dirty="0"/>
+              <a:rPr lang="en-US" sz="1800" dirty="0"/>
               <a:t>Average result : 84% on the testing set, 95% on the training set and 86% on the validation</a:t>
             </a:r>
             <a:r>
-              <a:rPr lang="en-US" sz="1600" dirty="0" smtClean="0"/>
+              <a:rPr lang="en-US" sz="1800" dirty="0" smtClean="0"/>
               <a:t>.</a:t>
             </a:r>
-            <a:endParaRPr lang="en-US" sz="1600" dirty="0"/>
+            <a:endParaRPr lang="en-US" sz="1800" dirty="0"/>
           </a:p>
           <a:p>
             <a:pPr marL="285750" indent="-285750">
@@ -13024,7 +13039,7 @@
               <a:buChar char="•"/>
             </a:pPr>
             <a:r>
-              <a:rPr lang="en-US" sz="1600" dirty="0"/>
+              <a:rPr lang="en-US" sz="1800" dirty="0"/>
               <a:t>70-80% accuracy on random set on average.</a:t>
             </a:r>
           </a:p>
@@ -13285,7 +13300,7 @@
       </p:pic>
       <p:sp>
         <p:nvSpPr>
-          <p:cNvPr id="41" name="Text Placeholder 6"/>
+          <p:cNvPr id="50" name="Text Placeholder 6"/>
           <p:cNvSpPr>
             <a:spLocks noGrp="1"/>
           </p:cNvSpPr>
@@ -13295,8 +13310,8 @@
         </p:nvSpPr>
         <p:spPr>
           <a:xfrm>
-            <a:off x="15254127" y="19349876"/>
-            <a:ext cx="4441156" cy="849417"/>
+            <a:off x="15325460" y="18827725"/>
+            <a:ext cx="4441156" cy="1391104"/>
           </a:xfrm>
         </p:spPr>
         <p:txBody>
@@ -13305,20 +13320,303 @@
           <a:p>
             <a:r>
               <a:rPr lang="en-US" sz="1600" b="1" dirty="0" smtClean="0"/>
-              <a:t>Add QR code to video </a:t>
-            </a:r>
-            <a:r>
-              <a:rPr lang="en-US" sz="1600" b="1" smtClean="0"/>
-              <a:t>demo </a:t>
-            </a:r>
-            <a:endParaRPr lang="en-US" sz="1600" b="1" i="1" dirty="0"/>
+              <a:t>7</a:t>
+            </a:r>
+            <a:r>
+              <a:rPr lang="en-US" sz="1600" b="1" dirty="0" smtClean="0"/>
+              <a:t>. Video frame gesture detection</a:t>
+            </a:r>
           </a:p>
           <a:p>
-            <a:r>
-              <a:rPr lang="en-US" sz="1600" b="1" i="1" dirty="0" smtClean="0"/>
-              <a:t>And references </a:t>
-            </a:r>
-            <a:endParaRPr lang="en-US" sz="1600" b="1" i="1" dirty="0" smtClean="0"/>
+            <a:pPr marL="285750" indent="-285750">
+              <a:buFont typeface="Arial"/>
+              <a:buChar char="•"/>
+            </a:pPr>
+            <a:r>
+              <a:rPr lang="en-US" sz="1600" dirty="0" smtClean="0"/>
+              <a:t>XOR and frame difference technique tried. </a:t>
+            </a:r>
+          </a:p>
+          <a:p>
+            <a:pPr marL="285750" indent="-285750">
+              <a:buFont typeface="Arial"/>
+              <a:buChar char="•"/>
+            </a:pPr>
+            <a:r>
+              <a:rPr lang="en-US" sz="1600" dirty="0" smtClean="0"/>
+              <a:t>Peak finding algorithm gives us the frames that constitute the actual gestures. </a:t>
+            </a:r>
+            <a:endParaRPr lang="en-US" sz="1600" dirty="0" smtClean="0"/>
+          </a:p>
+        </p:txBody>
+      </p:sp>
+      <p:pic>
+        <p:nvPicPr>
+          <p:cNvPr id="38" name="Picture 37" descr="peaks1.jpg"/>
+          <p:cNvPicPr>
+            <a:picLocks noChangeAspect="1"/>
+          </p:cNvPicPr>
+          <p:nvPr/>
+        </p:nvPicPr>
+        <p:blipFill>
+          <a:blip r:embed="rId25">
+            <a:extLst>
+              <a:ext uri="{28A0092B-C50C-407E-A947-70E740481C1C}">
+                <a14:useLocalDpi xmlns:a14="http://schemas.microsoft.com/office/drawing/2010/main" val="0"/>
+              </a:ext>
+            </a:extLst>
+          </a:blip>
+          <a:stretch>
+            <a:fillRect/>
+          </a:stretch>
+        </p:blipFill>
+        <p:spPr>
+          <a:xfrm>
+            <a:off x="15442919" y="20218830"/>
+            <a:ext cx="2109189" cy="1581892"/>
+          </a:xfrm>
+          <a:prstGeom prst="rect">
+            <a:avLst/>
+          </a:prstGeom>
+        </p:spPr>
+      </p:pic>
+      <p:pic>
+        <p:nvPicPr>
+          <p:cNvPr id="41" name="Picture 40" descr="peaks2.jpg"/>
+          <p:cNvPicPr>
+            <a:picLocks noChangeAspect="1"/>
+          </p:cNvPicPr>
+          <p:nvPr/>
+        </p:nvPicPr>
+        <p:blipFill>
+          <a:blip r:embed="rId26">
+            <a:extLst>
+              <a:ext uri="{28A0092B-C50C-407E-A947-70E740481C1C}">
+                <a14:useLocalDpi xmlns:a14="http://schemas.microsoft.com/office/drawing/2010/main" val="0"/>
+              </a:ext>
+            </a:extLst>
+          </a:blip>
+          <a:stretch>
+            <a:fillRect/>
+          </a:stretch>
+        </p:blipFill>
+        <p:spPr>
+          <a:xfrm>
+            <a:off x="17684747" y="20218829"/>
+            <a:ext cx="2125790" cy="1594343"/>
+          </a:xfrm>
+          <a:prstGeom prst="rect">
+            <a:avLst/>
+          </a:prstGeom>
+        </p:spPr>
+      </p:pic>
+      <p:pic>
+        <p:nvPicPr>
+          <p:cNvPr id="51" name="Picture 50" descr="static_qr_code_without_logo.jpg"/>
+          <p:cNvPicPr>
+            <a:picLocks noChangeAspect="1"/>
+          </p:cNvPicPr>
+          <p:nvPr/>
+        </p:nvPicPr>
+        <p:blipFill>
+          <a:blip r:embed="rId27">
+            <a:extLst>
+              <a:ext uri="{28A0092B-C50C-407E-A947-70E740481C1C}">
+                <a14:useLocalDpi xmlns:a14="http://schemas.microsoft.com/office/drawing/2010/main" val="0"/>
+              </a:ext>
+            </a:extLst>
+          </a:blip>
+          <a:stretch>
+            <a:fillRect/>
+          </a:stretch>
+        </p:blipFill>
+        <p:spPr>
+          <a:xfrm>
+            <a:off x="17165357" y="1166578"/>
+            <a:ext cx="1728986" cy="1728986"/>
+          </a:xfrm>
+          <a:prstGeom prst="rect">
+            <a:avLst/>
+          </a:prstGeom>
+        </p:spPr>
+      </p:pic>
+      <p:sp>
+        <p:nvSpPr>
+          <p:cNvPr id="52" name="Text Placeholder 43"/>
+          <p:cNvSpPr>
+            <a:spLocks noGrp="1"/>
+          </p:cNvSpPr>
+          <p:nvPr>
+            <p:ph type="body" sz="quarter" idx="185"/>
+          </p:nvPr>
+        </p:nvSpPr>
+        <p:spPr>
+          <a:xfrm>
+            <a:off x="16221641" y="482481"/>
+            <a:ext cx="3408988" cy="881597"/>
+          </a:xfrm>
+        </p:spPr>
+        <p:txBody>
+          <a:bodyPr>
+            <a:normAutofit/>
+          </a:bodyPr>
+          <a:lstStyle/>
+          <a:p>
+            <a:r>
+              <a:rPr lang="en-US" sz="3200" dirty="0" smtClean="0"/>
+              <a:t>Demo available @</a:t>
+            </a:r>
+            <a:endParaRPr lang="en-US" sz="3200" dirty="0"/>
+          </a:p>
+        </p:txBody>
+      </p:sp>
+      <p:sp>
+        <p:nvSpPr>
+          <p:cNvPr id="53" name="Rectangle 52"/>
+          <p:cNvSpPr/>
+          <p:nvPr/>
+        </p:nvSpPr>
+        <p:spPr>
+          <a:xfrm>
+            <a:off x="15442920" y="22069402"/>
+            <a:ext cx="4265084" cy="830997"/>
+          </a:xfrm>
+          <a:prstGeom prst="rect">
+            <a:avLst/>
+          </a:prstGeom>
+        </p:spPr>
+        <p:txBody>
+          <a:bodyPr wrap="square">
+            <a:spAutoFit/>
+          </a:bodyPr>
+          <a:lstStyle/>
+          <a:p>
+            <a:r>
+              <a:rPr lang="en-US" sz="1600" i="1" dirty="0">
+                <a:solidFill>
+                  <a:schemeClr val="accent5">
+                    <a:lumMod val="50000"/>
+                  </a:schemeClr>
+                </a:solidFill>
+                <a:latin typeface="Times New Roman" panose="02020603050405020304" pitchFamily="18" charset="0"/>
+                <a:cs typeface="Times New Roman" panose="02020603050405020304" pitchFamily="18" charset="0"/>
+              </a:rPr>
+              <a:t>From left to right (1) </a:t>
+            </a:r>
+            <a:r>
+              <a:rPr lang="en-US" sz="1600" i="1" dirty="0">
+                <a:solidFill>
+                  <a:schemeClr val="accent5">
+                    <a:lumMod val="50000"/>
+                  </a:schemeClr>
+                </a:solidFill>
+                <a:latin typeface="Times New Roman" panose="02020603050405020304" pitchFamily="18" charset="0"/>
+                <a:cs typeface="Times New Roman" panose="02020603050405020304" pitchFamily="18" charset="0"/>
+              </a:rPr>
+              <a:t>p</a:t>
+            </a:r>
+            <a:r>
+              <a:rPr lang="en-US" sz="1600" i="1" dirty="0" smtClean="0">
+                <a:solidFill>
+                  <a:schemeClr val="accent5">
+                    <a:lumMod val="50000"/>
+                  </a:schemeClr>
+                </a:solidFill>
+                <a:latin typeface="Times New Roman" panose="02020603050405020304" pitchFamily="18" charset="0"/>
+                <a:cs typeface="Times New Roman" panose="02020603050405020304" pitchFamily="18" charset="0"/>
+              </a:rPr>
+              <a:t>lot generated using adjacent frame difference. (</a:t>
+            </a:r>
+            <a:r>
+              <a:rPr lang="en-US" sz="1600" i="1" dirty="0">
+                <a:solidFill>
+                  <a:schemeClr val="accent5">
+                    <a:lumMod val="50000"/>
+                  </a:schemeClr>
+                </a:solidFill>
+                <a:latin typeface="Times New Roman" panose="02020603050405020304" pitchFamily="18" charset="0"/>
+                <a:cs typeface="Times New Roman" panose="02020603050405020304" pitchFamily="18" charset="0"/>
+              </a:rPr>
+              <a:t>2) </a:t>
+            </a:r>
+            <a:r>
+              <a:rPr lang="en-US" sz="1600" i="1" dirty="0" smtClean="0">
+                <a:solidFill>
+                  <a:schemeClr val="accent5">
+                    <a:lumMod val="50000"/>
+                  </a:schemeClr>
+                </a:solidFill>
+                <a:latin typeface="Times New Roman" panose="02020603050405020304" pitchFamily="18" charset="0"/>
+                <a:cs typeface="Times New Roman" panose="02020603050405020304" pitchFamily="18" charset="0"/>
+              </a:rPr>
+              <a:t>peak detector output.</a:t>
+            </a:r>
+            <a:endParaRPr lang="en-US" sz="1600" i="1" dirty="0">
+              <a:solidFill>
+                <a:schemeClr val="accent5">
+                  <a:lumMod val="50000"/>
+                </a:schemeClr>
+              </a:solidFill>
+              <a:latin typeface="Times New Roman" panose="02020603050405020304" pitchFamily="18" charset="0"/>
+              <a:cs typeface="Times New Roman" panose="02020603050405020304" pitchFamily="18" charset="0"/>
+            </a:endParaRPr>
+          </a:p>
+        </p:txBody>
+      </p:sp>
+      <p:sp>
+        <p:nvSpPr>
+          <p:cNvPr id="54" name="Rectangle 53"/>
+          <p:cNvSpPr/>
+          <p:nvPr/>
+        </p:nvSpPr>
+        <p:spPr>
+          <a:xfrm>
+            <a:off x="15304224" y="17978451"/>
+            <a:ext cx="4349956" cy="338554"/>
+          </a:xfrm>
+          <a:prstGeom prst="rect">
+            <a:avLst/>
+          </a:prstGeom>
+        </p:spPr>
+        <p:txBody>
+          <a:bodyPr wrap="square">
+            <a:spAutoFit/>
+          </a:bodyPr>
+          <a:lstStyle/>
+          <a:p>
+            <a:r>
+              <a:rPr lang="en-US" sz="1600" b="1" i="1" dirty="0" smtClean="0">
+                <a:solidFill>
+                  <a:schemeClr val="accent5">
+                    <a:lumMod val="50000"/>
+                  </a:schemeClr>
+                </a:solidFill>
+                <a:latin typeface="Times New Roman" panose="02020603050405020304" pitchFamily="18" charset="0"/>
+                <a:cs typeface="Times New Roman" panose="02020603050405020304" pitchFamily="18" charset="0"/>
+              </a:rPr>
+              <a:t>From top to bottom (1) EXPLAIN the plots</a:t>
+            </a:r>
+            <a:r>
+              <a:rPr lang="en-US" sz="1600" i="1" dirty="0" smtClean="0">
+                <a:solidFill>
+                  <a:schemeClr val="accent5">
+                    <a:lumMod val="50000"/>
+                  </a:schemeClr>
+                </a:solidFill>
+                <a:latin typeface="Times New Roman" panose="02020603050405020304" pitchFamily="18" charset="0"/>
+                <a:cs typeface="Times New Roman" panose="02020603050405020304" pitchFamily="18" charset="0"/>
+              </a:rPr>
+              <a:t> </a:t>
+            </a:r>
+            <a:endParaRPr lang="en-US" sz="1600" i="1" dirty="0">
+              <a:solidFill>
+                <a:schemeClr val="accent5">
+                  <a:lumMod val="50000"/>
+                </a:schemeClr>
+              </a:solidFill>
+              <a:latin typeface="Times New Roman" panose="02020603050405020304" pitchFamily="18" charset="0"/>
+              <a:cs typeface="Times New Roman" panose="02020603050405020304" pitchFamily="18" charset="0"/>
+            </a:endParaRPr>
           </a:p>
         </p:txBody>
       </p:sp>

--- a/project/demoCode/posterPaper/poster.pptx
+++ b/project/demoCode/posterPaper/poster.pptx
@@ -8552,7 +8552,7 @@
               <a:graphicData uri="http://schemas.openxmlformats.org/presentationml/2006/ole">
                 <mc:AlternateContent xmlns:mc="http://schemas.openxmlformats.org/markup-compatibility/2006">
                   <mc:Choice xmlns:v="urn:schemas-microsoft-com:vml" Requires="v">
-                    <p:oleObj spid="_x0000_s1197" name="Image" r:id="rId8" imgW="1828440" imgH="1117440" progId="Photoshop.Image.13">
+                    <p:oleObj spid="_x0000_s1217" name="Image" r:id="rId8" imgW="1828440" imgH="1117440" progId="Photoshop.Image.13">
                       <p:embed/>
                     </p:oleObj>
                   </mc:Choice>
@@ -8609,7 +8609,7 @@
               <a:graphicData uri="http://schemas.openxmlformats.org/presentationml/2006/ole">
                 <mc:AlternateContent xmlns:mc="http://schemas.openxmlformats.org/markup-compatibility/2006">
                   <mc:Choice xmlns:v="urn:schemas-microsoft-com:vml" Requires="v">
-                    <p:oleObj spid="_x0000_s1198" name="Image" r:id="rId10" imgW="1828440" imgH="1117440" progId="Photoshop.Image.13">
+                    <p:oleObj spid="_x0000_s1218" name="Image" r:id="rId10" imgW="1828440" imgH="1117440" progId="Photoshop.Image.13">
                       <p:embed/>
                     </p:oleObj>
                   </mc:Choice>
@@ -9737,7 +9737,7 @@
             <a:graphicData uri="http://schemas.openxmlformats.org/presentationml/2006/ole">
               <mc:AlternateContent xmlns:mc="http://schemas.openxmlformats.org/markup-compatibility/2006">
                 <mc:Choice xmlns:v="urn:schemas-microsoft-com:vml" Requires="v">
-                  <p:oleObj spid="_x0000_s1199" name="Image" r:id="rId12" imgW="4571280" imgH="1688760" progId="Photoshop.Image.13">
+                  <p:oleObj spid="_x0000_s1219" name="Image" r:id="rId12" imgW="4571280" imgH="1688760" progId="Photoshop.Image.13">
                     <p:embed/>
                   </p:oleObj>
                 </mc:Choice>
@@ -9821,7 +9821,7 @@
             <a:graphicData uri="http://schemas.openxmlformats.org/presentationml/2006/ole">
               <mc:AlternateContent xmlns:mc="http://schemas.openxmlformats.org/markup-compatibility/2006">
                 <mc:Choice xmlns:v="urn:schemas-microsoft-com:vml" Requires="v">
-                  <p:oleObj spid="_x0000_s1200" name="Image" r:id="rId15" imgW="1574280" imgH="1053720" progId="Photoshop.Image.13">
+                  <p:oleObj spid="_x0000_s1220" name="Image" r:id="rId15" imgW="1574280" imgH="1053720" progId="Photoshop.Image.13">
                     <p:embed/>
                   </p:oleObj>
                 </mc:Choice>
@@ -10570,7 +10570,7 @@
         <p:spPr>
           <a:xfrm>
             <a:off x="5323859" y="5686850"/>
-            <a:ext cx="9651689" cy="1511136"/>
+            <a:ext cx="9651689" cy="1526525"/>
           </a:xfrm>
         </p:spPr>
         <p:txBody>
@@ -10578,7 +10578,7 @@
           <a:lstStyle/>
           <a:p>
             <a:r>
-              <a:rPr lang="en-US" b="1" dirty="0" smtClean="0"/>
+              <a:rPr lang="en-US" sz="1800" b="1" dirty="0" smtClean="0"/>
               <a:t>1. Hand Detection: </a:t>
             </a:r>
           </a:p>
@@ -10979,8 +10979,8 @@
         </p:nvSpPr>
         <p:spPr>
           <a:xfrm>
-            <a:off x="15254127" y="4997695"/>
-            <a:ext cx="4652320" cy="507813"/>
+            <a:off x="15371587" y="5193797"/>
+            <a:ext cx="4652320" cy="400091"/>
           </a:xfrm>
           <a:prstGeom prst="rect">
             <a:avLst/>
@@ -11131,11 +11131,16 @@
             </a:lvl9pPr>
           </a:lstStyle>
           <a:p>
-            <a:r>
-              <a:rPr lang="en-US" dirty="0" smtClean="0"/>
-              <a:t>Classification Results</a:t>
-            </a:r>
-            <a:endParaRPr lang="en-US" dirty="0"/>
+            <a:pPr algn="l"/>
+            <a:r>
+              <a:rPr lang="en-US" sz="1800" u="none" dirty="0"/>
+              <a:t>7</a:t>
+            </a:r>
+            <a:r>
+              <a:rPr lang="en-US" sz="1800" u="none" dirty="0" smtClean="0"/>
+              <a:t>. Classification</a:t>
+            </a:r>
+            <a:endParaRPr lang="en-US" sz="1800" u="none" dirty="0"/>
           </a:p>
         </p:txBody>
       </p:sp>
@@ -11370,7 +11375,7 @@
           <a:lstStyle/>
           <a:p>
             <a:r>
-              <a:rPr lang="en-US" b="1" dirty="0" smtClean="0"/>
+              <a:rPr lang="en-US" sz="1800" b="1" dirty="0" smtClean="0"/>
               <a:t>2. Smoothen segmentation output:</a:t>
             </a:r>
           </a:p>
@@ -11513,7 +11518,7 @@
           <a:lstStyle/>
           <a:p>
             <a:r>
-              <a:rPr lang="en-US" b="1" dirty="0" smtClean="0"/>
+              <a:rPr lang="en-US" sz="1800" b="1" dirty="0" smtClean="0"/>
               <a:t>3. Wrist Cropping</a:t>
             </a:r>
           </a:p>
@@ -11657,7 +11662,7 @@
         <p:spPr>
           <a:xfrm>
             <a:off x="5323860" y="15127271"/>
-            <a:ext cx="4285896" cy="3342407"/>
+            <a:ext cx="4285896" cy="3711739"/>
           </a:xfrm>
         </p:spPr>
         <p:txBody>
@@ -11665,22 +11670,22 @@
           <a:lstStyle/>
           <a:p>
             <a:r>
-              <a:rPr lang="en-US" sz="1600" b="1" dirty="0"/>
+              <a:rPr lang="en-US" sz="1800" b="1" dirty="0"/>
               <a:t>4</a:t>
             </a:r>
             <a:r>
-              <a:rPr lang="en-US" sz="1600" b="1" dirty="0" smtClean="0"/>
+              <a:rPr lang="en-US" sz="1800" b="1" dirty="0" smtClean="0"/>
               <a:t>. Edge Detection (</a:t>
             </a:r>
             <a:r>
-              <a:rPr lang="en-US" sz="1600" dirty="0"/>
+              <a:rPr lang="en-US" sz="1800" dirty="0"/>
               <a:t>Canny Edge </a:t>
             </a:r>
             <a:r>
-              <a:rPr lang="en-US" sz="1600" dirty="0" smtClean="0"/>
+              <a:rPr lang="en-US" sz="1800" dirty="0" smtClean="0"/>
               <a:t>detection )</a:t>
             </a:r>
-            <a:endParaRPr lang="en-US" sz="1600" b="1" dirty="0"/>
+            <a:endParaRPr lang="en-US" sz="1800" b="1" dirty="0"/>
           </a:p>
           <a:p>
             <a:pPr marL="285750" indent="-285750">
@@ -11766,7 +11771,7 @@
         <p:spPr>
           <a:xfrm>
             <a:off x="5323860" y="18301737"/>
-            <a:ext cx="4441156" cy="3471673"/>
+            <a:ext cx="4441156" cy="3539384"/>
           </a:xfrm>
         </p:spPr>
         <p:txBody>
@@ -11774,38 +11779,38 @@
           <a:lstStyle/>
           <a:p>
             <a:r>
-              <a:rPr lang="en-US" sz="1600" b="1" dirty="0" smtClean="0"/>
+              <a:rPr lang="en-US" sz="1800" b="1" dirty="0" smtClean="0"/>
               <a:t>5</a:t>
             </a:r>
             <a:r>
-              <a:rPr lang="en-US" sz="1600" b="1" dirty="0"/>
+              <a:rPr lang="en-US" sz="1800" b="1" dirty="0"/>
               <a:t>. Largest Boundary </a:t>
             </a:r>
             <a:r>
-              <a:rPr lang="en-US" sz="1600" b="1" dirty="0" smtClean="0"/>
+              <a:rPr lang="en-US" sz="1800" b="1" dirty="0" smtClean="0"/>
               <a:t>Detection</a:t>
             </a:r>
-            <a:endParaRPr lang="en-US" sz="1600" b="1" dirty="0"/>
+            <a:endParaRPr lang="en-US" sz="1800" b="1" dirty="0"/>
           </a:p>
           <a:p>
             <a:r>
-              <a:rPr lang="en-US" sz="1600" b="1" i="1" dirty="0" smtClean="0"/>
+              <a:rPr lang="en-US" sz="1800" b="1" i="1" dirty="0" smtClean="0"/>
               <a:t>( Moore</a:t>
             </a:r>
             <a:r>
-              <a:rPr lang="en-US" sz="1600" b="1" i="1" dirty="0"/>
+              <a:rPr lang="en-US" sz="1800" b="1" i="1" dirty="0"/>
               <a:t>-</a:t>
             </a:r>
             <a:r>
-              <a:rPr lang="en-US" sz="1600" b="1" i="1" dirty="0" err="1"/>
+              <a:rPr lang="en-US" sz="1800" b="1" i="1" dirty="0" err="1"/>
               <a:t>Neighbourhood</a:t>
             </a:r>
             <a:r>
-              <a:rPr lang="en-US" sz="1600" b="1" i="1" dirty="0"/>
+              <a:rPr lang="en-US" sz="1800" b="1" i="1" dirty="0"/>
               <a:t> tracing </a:t>
             </a:r>
             <a:r>
-              <a:rPr lang="en-US" sz="1600" b="1" i="1" dirty="0" smtClean="0"/>
+              <a:rPr lang="en-US" sz="1800" b="1" i="1" dirty="0" smtClean="0"/>
               <a:t>algorithm) </a:t>
             </a:r>
           </a:p>
@@ -12761,7 +12766,7 @@
         </p:blipFill>
         <p:spPr>
           <a:xfrm>
-            <a:off x="15371587" y="7703478"/>
+            <a:off x="15385536" y="7703478"/>
             <a:ext cx="4147624" cy="1481862"/>
           </a:xfrm>
           <a:prstGeom prst="rect">
@@ -12779,8 +12784,8 @@
         </p:nvSpPr>
         <p:spPr>
           <a:xfrm>
-            <a:off x="15506556" y="9185340"/>
-            <a:ext cx="4147624" cy="5496843"/>
+            <a:off x="15254127" y="9185340"/>
+            <a:ext cx="4400053" cy="5053645"/>
           </a:xfrm>
           <a:prstGeom prst="rect">
             <a:avLst/>
@@ -13310,8 +13315,8 @@
         </p:nvSpPr>
         <p:spPr>
           <a:xfrm>
-            <a:off x="15325460" y="18827725"/>
-            <a:ext cx="4441156" cy="1391104"/>
+            <a:off x="15304224" y="18482466"/>
+            <a:ext cx="4441156" cy="1803524"/>
           </a:xfrm>
         </p:spPr>
         <p:txBody>
@@ -13319,11 +13324,11 @@
           <a:lstStyle/>
           <a:p>
             <a:r>
-              <a:rPr lang="en-US" sz="1600" b="1" dirty="0" smtClean="0"/>
-              <a:t>7</a:t>
-            </a:r>
-            <a:r>
-              <a:rPr lang="en-US" sz="1600" b="1" dirty="0" smtClean="0"/>
+              <a:rPr lang="en-US" sz="1800" b="1" dirty="0"/>
+              <a:t>8</a:t>
+            </a:r>
+            <a:r>
+              <a:rPr lang="en-US" sz="1800" b="1" dirty="0" smtClean="0"/>
               <a:t>. Video frame gesture detection</a:t>
             </a:r>
           </a:p>
@@ -13333,7 +13338,7 @@
               <a:buChar char="•"/>
             </a:pPr>
             <a:r>
-              <a:rPr lang="en-US" sz="1600" dirty="0" smtClean="0"/>
+              <a:rPr lang="en-US" sz="1800" dirty="0" smtClean="0"/>
               <a:t>XOR and frame difference technique tried. </a:t>
             </a:r>
           </a:p>
@@ -13343,8 +13348,12 @@
               <a:buChar char="•"/>
             </a:pPr>
             <a:r>
+              <a:rPr lang="en-US" sz="1800" dirty="0" smtClean="0"/>
+              <a:t>Peak finding algorithm gives us the frames that constitute the actual gestures</a:t>
+            </a:r>
+            <a:r>
               <a:rPr lang="en-US" sz="1600" dirty="0" smtClean="0"/>
-              <a:t>Peak finding algorithm gives us the frames that constitute the actual gestures. </a:t>
+              <a:t>. </a:t>
             </a:r>
             <a:endParaRPr lang="en-US" sz="1600" dirty="0" smtClean="0"/>
           </a:p>

--- a/project/demoCode/posterPaper/poster.pptx
+++ b/project/demoCode/posterPaper/poster.pptx
@@ -109,7 +109,7 @@
   </p:defaultTextStyle>
   <p:extLst>
     <p:ext uri="{EFAFB233-063F-42B5-8137-9DF3F51BA10A}">
-      <p15:sldGuideLst xmlns:p15="http://schemas.microsoft.com/office/powerpoint/2012/main" xmlns="">
+      <p15:sldGuideLst xmlns="" xmlns:p15="http://schemas.microsoft.com/office/powerpoint/2012/main">
         <p15:guide id="1" orient="horz" pos="3318">
           <p15:clr>
             <a:srgbClr val="A4A3A4"/>
@@ -163,7 +163,7 @@
       </p15:sldGuideLst>
     </p:ext>
     <p:ext uri="{2D200454-40CA-4A62-9FC3-DE9A4176ACB9}">
-      <p15:notesGuideLst xmlns:p15="http://schemas.microsoft.com/office/powerpoint/2012/main" xmlns="">
+      <p15:notesGuideLst xmlns="" xmlns:p15="http://schemas.microsoft.com/office/powerpoint/2012/main">
         <p15:guide id="1" orient="horz" pos="13681">
           <p15:clr>
             <a:srgbClr val="A4A3A4"/>
@@ -5586,7 +5586,7 @@
             <a:fld id="{E6CC2317-6751-4CD4-9995-8782DD78E936}" type="datetimeFigureOut">
               <a:rPr lang="en-US" smtClean="0"/>
               <a:pPr/>
-              <a:t>12/1/15</a:t>
+              <a:t>03/12/15</a:t>
             </a:fld>
             <a:endParaRPr lang="en-US" dirty="0"/>
           </a:p>
@@ -8552,7 +8552,7 @@
               <a:graphicData uri="http://schemas.openxmlformats.org/presentationml/2006/ole">
                 <mc:AlternateContent xmlns:mc="http://schemas.openxmlformats.org/markup-compatibility/2006">
                   <mc:Choice xmlns:v="urn:schemas-microsoft-com:vml" Requires="v">
-                    <p:oleObj spid="_x0000_s1217" name="Image" r:id="rId8" imgW="1828440" imgH="1117440" progId="Photoshop.Image.13">
+                    <p:oleObj spid="_x0000_s1238" name="Image" r:id="rId8" imgW="1828440" imgH="1117440" progId="Photoshop.Image.13">
                       <p:embed/>
                     </p:oleObj>
                   </mc:Choice>
@@ -8609,7 +8609,7 @@
               <a:graphicData uri="http://schemas.openxmlformats.org/presentationml/2006/ole">
                 <mc:AlternateContent xmlns:mc="http://schemas.openxmlformats.org/markup-compatibility/2006">
                   <mc:Choice xmlns:v="urn:schemas-microsoft-com:vml" Requires="v">
-                    <p:oleObj spid="_x0000_s1218" name="Image" r:id="rId10" imgW="1828440" imgH="1117440" progId="Photoshop.Image.13">
+                    <p:oleObj spid="_x0000_s1239" name="Image" r:id="rId10" imgW="1828440" imgH="1117440" progId="Photoshop.Image.13">
                       <p:embed/>
                     </p:oleObj>
                   </mc:Choice>
@@ -9737,7 +9737,7 @@
             <a:graphicData uri="http://schemas.openxmlformats.org/presentationml/2006/ole">
               <mc:AlternateContent xmlns:mc="http://schemas.openxmlformats.org/markup-compatibility/2006">
                 <mc:Choice xmlns:v="urn:schemas-microsoft-com:vml" Requires="v">
-                  <p:oleObj spid="_x0000_s1219" name="Image" r:id="rId12" imgW="4571280" imgH="1688760" progId="Photoshop.Image.13">
+                  <p:oleObj spid="_x0000_s1240" name="Image" r:id="rId12" imgW="4571280" imgH="1688760" progId="Photoshop.Image.13">
                     <p:embed/>
                   </p:oleObj>
                 </mc:Choice>
@@ -9821,7 +9821,7 @@
             <a:graphicData uri="http://schemas.openxmlformats.org/presentationml/2006/ole">
               <mc:AlternateContent xmlns:mc="http://schemas.openxmlformats.org/markup-compatibility/2006">
                 <mc:Choice xmlns:v="urn:schemas-microsoft-com:vml" Requires="v">
-                  <p:oleObj spid="_x0000_s1220" name="Image" r:id="rId15" imgW="1574280" imgH="1053720" progId="Photoshop.Image.13">
+                  <p:oleObj spid="_x0000_s1241" name="Image" r:id="rId15" imgW="1574280" imgH="1053720" progId="Photoshop.Image.13">
                     <p:embed/>
                   </p:oleObj>
                 </mc:Choice>
@@ -10570,7 +10570,7 @@
         <p:spPr>
           <a:xfrm>
             <a:off x="5323859" y="5686850"/>
-            <a:ext cx="9651689" cy="1526525"/>
+            <a:ext cx="9651689" cy="3188519"/>
           </a:xfrm>
         </p:spPr>
         <p:txBody>
@@ -10601,20 +10601,74 @@
             </a:r>
             <a:r>
               <a:rPr lang="en-US" sz="1800" dirty="0"/>
-              <a:t>it satisfies an OR condition of the following formulas in RGB space and </a:t>
-            </a:r>
-            <a:r>
-              <a:rPr lang="en-US" sz="1800" dirty="0" err="1"/>
-              <a:t>YCbCr</a:t>
-            </a:r>
+              <a:t>it satisfies an OR condition of the following formulas in RGB space and YCbCr </a:t>
+            </a:r>
+            <a:r>
+              <a:rPr lang="en-US" sz="1800" dirty="0" smtClean="0"/>
+              <a:t>space</a:t>
+            </a:r>
+            <a:r>
+              <a:rPr lang="en-US" sz="1800" dirty="0" smtClean="0"/>
+              <a:t>.</a:t>
+            </a:r>
+          </a:p>
+          <a:p>
+            <a:pPr marL="285750" indent="-285750">
+              <a:buFont typeface="Arial"/>
+              <a:buChar char="•"/>
+            </a:pPr>
+            <a:endParaRPr lang="en-US" sz="1800" dirty="0" smtClean="0"/>
+          </a:p>
+          <a:p>
+            <a:r>
+              <a:rPr lang="en-US" sz="1800" dirty="0" smtClean="0"/>
+              <a:t>     R &gt; 95 &amp; G &gt; 40 &amp; B &gt; 20 &amp;                                                   Y = 0.299R + 0.587G + 0.114B</a:t>
+            </a:r>
+            <a:endParaRPr lang="en-US" sz="1800" dirty="0"/>
+          </a:p>
+          <a:p>
+            <a:r>
+              <a:rPr lang="en-US" sz="1800" dirty="0" smtClean="0"/>
+              <a:t>     Max{R,G,B} – Min{R,G,B} &gt; 15 &amp;           </a:t>
+            </a:r>
+            <a:r>
+              <a:rPr lang="en-US" sz="1800" i="1" dirty="0" smtClean="0"/>
+              <a:t>OR                    </a:t>
+            </a:r>
+            <a:r>
+              <a:rPr lang="en-US" sz="1800" dirty="0" smtClean="0"/>
+              <a:t>Cr = 128 + 0.5R – 0.418G – 0.081B</a:t>
+            </a:r>
+            <a:endParaRPr lang="en-US" sz="1800" i="1" dirty="0" smtClean="0"/>
+          </a:p>
+          <a:p>
             <a:r>
               <a:rPr lang="en-US" sz="1800" dirty="0"/>
               <a:t> </a:t>
             </a:r>
             <a:r>
               <a:rPr lang="en-US" sz="1800" dirty="0" smtClean="0"/>
-              <a:t>space. </a:t>
-            </a:r>
+              <a:t>    |R – G| &gt; 15 &amp; R &gt; G &amp; R &gt; B                                              Cb = 128 – 0.168R – 0.331G + 0.5B</a:t>
+            </a:r>
+          </a:p>
+          <a:p>
+            <a:r>
+              <a:rPr lang="en-US" sz="1800" dirty="0"/>
+              <a:t>	</a:t>
+            </a:r>
+            <a:r>
+              <a:rPr lang="en-US" sz="1800" dirty="0"/>
+              <a:t> </a:t>
+            </a:r>
+            <a:r>
+              <a:rPr lang="en-US" sz="1800" dirty="0" smtClean="0"/>
+              <a:t>                                          </a:t>
+            </a:r>
+            <a:r>
+              <a:rPr lang="en-US" sz="1800" dirty="0" smtClean="0"/>
+              <a:t>85 &lt; Cb &lt; 135 &amp; 135 &lt; Cr &lt; 180 &amp; Y &gt; 80</a:t>
+            </a:r>
+            <a:endParaRPr lang="en-US" sz="1800" dirty="0" smtClean="0"/>
           </a:p>
           <a:p>
             <a:endParaRPr lang="en-US" sz="1800" dirty="0"/>
@@ -10774,7 +10828,6 @@
               <a:rPr lang="en-US" dirty="0" smtClean="0"/>
               <a:t>)</a:t>
             </a:r>
-            <a:endParaRPr lang="en-US" dirty="0" smtClean="0"/>
           </a:p>
           <a:p>
             <a:r>
@@ -10909,7 +10962,7 @@
         </p:blipFill>
         <p:spPr>
           <a:xfrm>
-            <a:off x="15325460" y="14240491"/>
+            <a:off x="15325460" y="14178324"/>
             <a:ext cx="4305169" cy="1862213"/>
           </a:xfrm>
           <a:prstGeom prst="rect">
@@ -11144,66 +11197,6 @@
           </a:p>
         </p:txBody>
       </p:sp>
-      <p:pic>
-        <p:nvPicPr>
-          <p:cNvPr id="4" name="Picture 3" descr="for.png"/>
-          <p:cNvPicPr>
-            <a:picLocks noChangeAspect="1"/>
-          </p:cNvPicPr>
-          <p:nvPr/>
-        </p:nvPicPr>
-        <p:blipFill>
-          <a:blip r:embed="rId13">
-            <a:extLst>
-              <a:ext uri="{28A0092B-C50C-407E-A947-70E740481C1C}">
-                <a14:useLocalDpi xmlns:a14="http://schemas.microsoft.com/office/drawing/2010/main" val="0"/>
-              </a:ext>
-            </a:extLst>
-          </a:blip>
-          <a:stretch>
-            <a:fillRect/>
-          </a:stretch>
-        </p:blipFill>
-        <p:spPr>
-          <a:xfrm>
-            <a:off x="5979036" y="6844122"/>
-            <a:ext cx="3386258" cy="1130441"/>
-          </a:xfrm>
-          <a:prstGeom prst="rect">
-            <a:avLst/>
-          </a:prstGeom>
-        </p:spPr>
-      </p:pic>
-      <p:pic>
-        <p:nvPicPr>
-          <p:cNvPr id="18" name="Picture 17" descr="for2.png"/>
-          <p:cNvPicPr>
-            <a:picLocks noChangeAspect="1"/>
-          </p:cNvPicPr>
-          <p:nvPr/>
-        </p:nvPicPr>
-        <p:blipFill>
-          <a:blip r:embed="rId14">
-            <a:extLst>
-              <a:ext uri="{28A0092B-C50C-407E-A947-70E740481C1C}">
-                <a14:useLocalDpi xmlns:a14="http://schemas.microsoft.com/office/drawing/2010/main" val="0"/>
-              </a:ext>
-            </a:extLst>
-          </a:blip>
-          <a:stretch>
-            <a:fillRect/>
-          </a:stretch>
-        </p:blipFill>
-        <p:spPr>
-          <a:xfrm>
-            <a:off x="10516416" y="6898601"/>
-            <a:ext cx="2876936" cy="1130441"/>
-          </a:xfrm>
-          <a:prstGeom prst="rect">
-            <a:avLst/>
-          </a:prstGeom>
-        </p:spPr>
-      </p:pic>
       <p:sp>
         <p:nvSpPr>
           <p:cNvPr id="23" name="Rectangle 22"/>
@@ -11212,7 +11205,7 @@
         </p:nvSpPr>
         <p:spPr>
           <a:xfrm>
-            <a:off x="6437640" y="8011397"/>
+            <a:off x="6124049" y="8059802"/>
             <a:ext cx="2550874" cy="353943"/>
           </a:xfrm>
           <a:prstGeom prst="rect">
@@ -11289,7 +11282,7 @@
         </p:nvSpPr>
         <p:spPr>
           <a:xfrm>
-            <a:off x="10842478" y="8029042"/>
+            <a:off x="11719097" y="8349488"/>
             <a:ext cx="2550874" cy="353943"/>
           </a:xfrm>
           <a:prstGeom prst="rect">
@@ -11303,18 +11296,6 @@
           <a:lstStyle/>
           <a:p>
             <a:r>
-              <a:rPr lang="en-US" sz="1700" b="1" i="1" dirty="0" err="1" smtClean="0">
-                <a:solidFill>
-                  <a:schemeClr val="accent5">
-                    <a:lumMod val="50000"/>
-                  </a:schemeClr>
-                </a:solidFill>
-                <a:latin typeface="Times New Roman" panose="02020603050405020304" pitchFamily="18" charset="0"/>
-                <a:cs typeface="Times New Roman" panose="02020603050405020304" pitchFamily="18" charset="0"/>
-              </a:rPr>
-              <a:t>YCbCr</a:t>
-            </a:r>
-            <a:r>
               <a:rPr lang="en-US" sz="1700" b="1" i="1" dirty="0" smtClean="0">
                 <a:solidFill>
                   <a:schemeClr val="accent5">
@@ -11324,7 +11305,7 @@
                 <a:latin typeface="Times New Roman" panose="02020603050405020304" pitchFamily="18" charset="0"/>
                 <a:cs typeface="Times New Roman" panose="02020603050405020304" pitchFamily="18" charset="0"/>
               </a:rPr>
-              <a:t> based</a:t>
+              <a:t>YCbCr based</a:t>
             </a:r>
             <a:r>
               <a:rPr lang="en-US" sz="1700" b="1" i="1" dirty="0" smtClean="0"/>
@@ -11476,7 +11457,7 @@
           <p:nvPr/>
         </p:nvPicPr>
         <p:blipFill>
-          <a:blip r:embed="rId15">
+          <a:blip r:embed="rId13">
             <a:extLst>
               <a:ext uri="{28A0092B-C50C-407E-A947-70E740481C1C}">
                 <a14:useLocalDpi xmlns:a14="http://schemas.microsoft.com/office/drawing/2010/main" val="0"/>
@@ -11628,7 +11609,7 @@
           <p:nvPr/>
         </p:nvPicPr>
         <p:blipFill>
-          <a:blip r:embed="rId16">
+          <a:blip r:embed="rId14">
             <a:extLst>
               <a:ext uri="{28A0092B-C50C-407E-A947-70E740481C1C}">
                 <a14:useLocalDpi xmlns:a14="http://schemas.microsoft.com/office/drawing/2010/main" val="0"/>
@@ -11856,7 +11837,7 @@
           <p:nvPr/>
         </p:nvPicPr>
         <p:blipFill>
-          <a:blip r:embed="rId17">
+          <a:blip r:embed="rId15">
             <a:extLst>
               <a:ext uri="{28A0092B-C50C-407E-A947-70E740481C1C}">
                 <a14:useLocalDpi xmlns:a14="http://schemas.microsoft.com/office/drawing/2010/main" val="0"/>
@@ -11886,7 +11867,7 @@
           <p:nvPr/>
         </p:nvPicPr>
         <p:blipFill>
-          <a:blip r:embed="rId18">
+          <a:blip r:embed="rId16">
             <a:extLst>
               <a:ext uri="{28A0092B-C50C-407E-A947-70E740481C1C}">
                 <a14:useLocalDpi xmlns:a14="http://schemas.microsoft.com/office/drawing/2010/main" val="0"/>
@@ -11916,7 +11897,7 @@
           <p:nvPr/>
         </p:nvPicPr>
         <p:blipFill>
-          <a:blip r:embed="rId19">
+          <a:blip r:embed="rId17">
             <a:extLst>
               <a:ext uri="{28A0092B-C50C-407E-A947-70E740481C1C}">
                 <a14:useLocalDpi xmlns:a14="http://schemas.microsoft.com/office/drawing/2010/main" val="0"/>
@@ -12010,7 +11991,7 @@
         <p:spPr>
           <a:xfrm>
             <a:off x="5406888" y="21323965"/>
-            <a:ext cx="9257152" cy="6223196"/>
+            <a:ext cx="9257152" cy="6537127"/>
           </a:xfrm>
         </p:spPr>
         <p:txBody>
@@ -12019,11 +12000,7 @@
           <a:p>
             <a:r>
               <a:rPr lang="en-US" sz="1800" b="1" dirty="0" smtClean="0"/>
-              <a:t>6. Feature </a:t>
-            </a:r>
-            <a:r>
-              <a:rPr lang="en-US" sz="1800" b="1" dirty="0" smtClean="0"/>
-              <a:t>Extraction</a:t>
+              <a:t>6. Feature Extraction</a:t>
             </a:r>
           </a:p>
           <a:p>
@@ -12187,6 +12164,10 @@
               <a:t>                              </a:t>
             </a:r>
             <a:r>
+              <a:rPr lang="en-US" sz="1800" dirty="0" smtClean="0"/>
+              <a:t>	</a:t>
+            </a:r>
+            <a:r>
               <a:rPr lang="en-US" sz="1800" b="1" i="1" dirty="0" smtClean="0"/>
               <a:t>z</a:t>
             </a:r>
@@ -12228,16 +12209,12 @@
               <a:t>eliminate the effect of bias, the coordinates are shifted by subtracting the centroid </a:t>
             </a:r>
             <a:r>
-              <a:rPr lang="en-US" dirty="0" err="1" smtClean="0">
+              <a:rPr lang="en-US" dirty="0" smtClean="0">
                 <a:latin typeface="Times"/>
                 <a:cs typeface="Times"/>
               </a:rPr>
               <a:t>i.e</a:t>
             </a:r>
-            <a:endParaRPr lang="en-US" dirty="0" smtClean="0">
-              <a:latin typeface="Times"/>
-              <a:cs typeface="Times"/>
-            </a:endParaRPr>
           </a:p>
           <a:p>
             <a:pPr lvl="2" indent="0">
@@ -12268,6 +12245,30 @@
               <a:t>   </a:t>
             </a:r>
             <a:r>
+              <a:rPr lang="en-US" b="1" dirty="0">
+                <a:solidFill>
+                  <a:schemeClr val="bg2">
+                    <a:lumMod val="25000"/>
+                  </a:schemeClr>
+                </a:solidFill>
+                <a:latin typeface="Times"/>
+                <a:cs typeface="Times"/>
+              </a:rPr>
+              <a:t> </a:t>
+            </a:r>
+            <a:r>
+              <a:rPr lang="en-US" b="1" dirty="0" smtClean="0">
+                <a:solidFill>
+                  <a:schemeClr val="bg2">
+                    <a:lumMod val="25000"/>
+                  </a:schemeClr>
+                </a:solidFill>
+                <a:latin typeface="Times"/>
+                <a:cs typeface="Times"/>
+              </a:rPr>
+              <a:t>              	</a:t>
+            </a:r>
+            <a:r>
               <a:rPr lang="en-US" b="1" i="1" dirty="0" smtClean="0">
                 <a:solidFill>
                   <a:schemeClr val="bg2">
@@ -12289,67 +12290,7 @@
                 <a:latin typeface="Times"/>
                 <a:cs typeface="Times"/>
               </a:rPr>
-              <a:t>(t) = [x(t) - </a:t>
-            </a:r>
-            <a:r>
-              <a:rPr lang="en-US" b="1" i="1" dirty="0" err="1">
-                <a:solidFill>
-                  <a:schemeClr val="bg2">
-                    <a:lumMod val="25000"/>
-                  </a:schemeClr>
-                </a:solidFill>
-                <a:latin typeface="Times"/>
-                <a:cs typeface="Times"/>
-              </a:rPr>
-              <a:t>x_c</a:t>
-            </a:r>
-            <a:r>
-              <a:rPr lang="en-US" b="1" i="1" dirty="0">
-                <a:solidFill>
-                  <a:schemeClr val="bg2">
-                    <a:lumMod val="25000"/>
-                  </a:schemeClr>
-                </a:solidFill>
-                <a:latin typeface="Times"/>
-                <a:cs typeface="Times"/>
-              </a:rPr>
-              <a:t>] + </a:t>
-            </a:r>
-            <a:r>
-              <a:rPr lang="en-US" b="1" i="1" dirty="0" err="1">
-                <a:solidFill>
-                  <a:schemeClr val="bg2">
-                    <a:lumMod val="25000"/>
-                  </a:schemeClr>
-                </a:solidFill>
-                <a:latin typeface="Times"/>
-                <a:cs typeface="Times"/>
-              </a:rPr>
-              <a:t>i</a:t>
-            </a:r>
-            <a:r>
-              <a:rPr lang="en-US" b="1" i="1" dirty="0">
-                <a:solidFill>
-                  <a:schemeClr val="bg2">
-                    <a:lumMod val="25000"/>
-                  </a:schemeClr>
-                </a:solidFill>
-                <a:latin typeface="Times"/>
-                <a:cs typeface="Times"/>
-              </a:rPr>
-              <a:t>[y(t) - </a:t>
-            </a:r>
-            <a:r>
-              <a:rPr lang="en-US" b="1" i="1" dirty="0" err="1">
-                <a:solidFill>
-                  <a:schemeClr val="bg2">
-                    <a:lumMod val="25000"/>
-                  </a:schemeClr>
-                </a:solidFill>
-                <a:latin typeface="Times"/>
-                <a:cs typeface="Times"/>
-              </a:rPr>
-              <a:t>y_c</a:t>
+              <a:t>(t) = [x(t) - x_c] + i[y(t) - y_c</a:t>
             </a:r>
             <a:r>
               <a:rPr lang="en-US" b="1" i="1" dirty="0" smtClean="0">
@@ -12363,13 +12304,15 @@
               </a:rPr>
               <a:t>]</a:t>
             </a:r>
-            <a:r>
-              <a:rPr lang="en-US" i="1" dirty="0" smtClean="0">
-                <a:latin typeface="Times"/>
-                <a:cs typeface="Times"/>
-              </a:rPr>
-              <a:t>, </a:t>
-            </a:r>
+            <a:endParaRPr lang="en-US" i="1" dirty="0" smtClean="0">
+              <a:latin typeface="Times"/>
+              <a:cs typeface="Times"/>
+            </a:endParaRPr>
+          </a:p>
+          <a:p>
+            <a:pPr lvl="2" indent="0">
+              <a:buNone/>
+            </a:pPr>
             <a:r>
               <a:rPr lang="en-US" dirty="0" smtClean="0">
                 <a:latin typeface="Times"/>
@@ -12382,21 +12325,7 @@
                 <a:latin typeface="Times"/>
                 <a:cs typeface="Times"/>
               </a:rPr>
-              <a:t>(</a:t>
-            </a:r>
-            <a:r>
-              <a:rPr lang="en-US" dirty="0" err="1">
-                <a:latin typeface="Times"/>
-                <a:cs typeface="Times"/>
-              </a:rPr>
-              <a:t>x_c,y_c</a:t>
-            </a:r>
-            <a:r>
-              <a:rPr lang="en-US" dirty="0">
-                <a:latin typeface="Times"/>
-                <a:cs typeface="Times"/>
-              </a:rPr>
-              <a:t>) is the centroid of the shape. </a:t>
+              <a:t>(x_c,y_c) is the centroid of the shape. </a:t>
             </a:r>
             <a:r>
               <a:rPr lang="en-US" dirty="0" smtClean="0">
@@ -12441,63 +12370,23 @@
                 <a:latin typeface="Times New Roman"/>
                 <a:cs typeface="Times New Roman"/>
               </a:rPr>
-              <a:t>It </a:t>
-            </a:r>
-            <a:r>
-              <a:rPr lang="en-US" dirty="0">
-                <a:solidFill>
-                  <a:schemeClr val="tx1"/>
-                </a:solidFill>
-                <a:latin typeface="Times New Roman"/>
-                <a:cs typeface="Times New Roman"/>
-              </a:rPr>
-              <a:t>is expressed as the distance of the boundary points, from the centroid (</a:t>
-            </a:r>
-            <a:r>
-              <a:rPr lang="en-US" dirty="0" err="1">
-                <a:solidFill>
-                  <a:schemeClr val="tx1"/>
-                </a:solidFill>
-                <a:latin typeface="Times New Roman"/>
-                <a:cs typeface="Times New Roman"/>
-              </a:rPr>
-              <a:t>x_c</a:t>
-            </a:r>
-            <a:r>
-              <a:rPr lang="en-US" dirty="0">
-                <a:solidFill>
-                  <a:schemeClr val="tx1"/>
-                </a:solidFill>
-                <a:latin typeface="Times New Roman"/>
-                <a:cs typeface="Times New Roman"/>
-              </a:rPr>
-              <a:t>, </a:t>
-            </a:r>
-            <a:r>
-              <a:rPr lang="en-US" dirty="0" err="1">
-                <a:solidFill>
-                  <a:schemeClr val="tx1"/>
-                </a:solidFill>
-                <a:latin typeface="Times New Roman"/>
-                <a:cs typeface="Times New Roman"/>
-              </a:rPr>
-              <a:t>y_c</a:t>
-            </a:r>
-            <a:r>
-              <a:rPr lang="en-US" dirty="0">
-                <a:solidFill>
-                  <a:schemeClr val="tx1"/>
-                </a:solidFill>
-                <a:latin typeface="Times New Roman"/>
-                <a:cs typeface="Times New Roman"/>
-              </a:rPr>
-              <a:t>) of the shape </a:t>
+              <a:t>It is expressed as the distance of the boundary points, from the centroid (x_c, y_c) of the shape </a:t>
             </a:r>
           </a:p>
           <a:p>
             <a:pPr lvl="2" indent="0">
               <a:buNone/>
             </a:pPr>
+            <a:r>
+              <a:rPr lang="en-US" b="1" i="1" dirty="0" smtClean="0">
+                <a:solidFill>
+                  <a:srgbClr val="003F75"/>
+                </a:solidFill>
+                <a:latin typeface="Times New Roman"/>
+                <a:cs typeface="Times New Roman"/>
+              </a:rPr>
+              <a:t>	                	 r</a:t>
+            </a:r>
             <a:r>
               <a:rPr lang="en-US" b="1" i="1" dirty="0">
                 <a:solidFill>
@@ -12506,47 +12395,7 @@
                 <a:latin typeface="Times New Roman"/>
                 <a:cs typeface="Times New Roman"/>
               </a:rPr>
-              <a:t>r(t) = ([x(t) - </a:t>
-            </a:r>
-            <a:r>
-              <a:rPr lang="en-US" b="1" i="1" dirty="0" err="1">
-                <a:solidFill>
-                  <a:srgbClr val="003F75"/>
-                </a:solidFill>
-                <a:latin typeface="Times New Roman"/>
-                <a:cs typeface="Times New Roman"/>
-              </a:rPr>
-              <a:t>x_c</a:t>
-            </a:r>
-            <a:r>
-              <a:rPr lang="en-US" b="1" i="1" dirty="0">
-                <a:solidFill>
-                  <a:srgbClr val="003F75"/>
-                </a:solidFill>
-                <a:latin typeface="Times New Roman"/>
-                <a:cs typeface="Times New Roman"/>
-              </a:rPr>
-              <a:t>]^{2} + [y(t) - </a:t>
-            </a:r>
-            <a:r>
-              <a:rPr lang="en-US" b="1" i="1" dirty="0" err="1">
-                <a:solidFill>
-                  <a:srgbClr val="003F75"/>
-                </a:solidFill>
-                <a:latin typeface="Times New Roman"/>
-                <a:cs typeface="Times New Roman"/>
-              </a:rPr>
-              <a:t>y_c</a:t>
-            </a:r>
-            <a:r>
-              <a:rPr lang="en-US" b="1" i="1" dirty="0">
-                <a:solidFill>
-                  <a:srgbClr val="003F75"/>
-                </a:solidFill>
-                <a:latin typeface="Times New Roman"/>
-                <a:cs typeface="Times New Roman"/>
-              </a:rPr>
-              <a:t>]^{2})^{1/2</a:t>
+              <a:t>(t) = ([x(t) - x_c]^{2} + [y(t) - y_c]^{2})^{1/2</a:t>
             </a:r>
             <a:r>
               <a:rPr lang="en-US" b="1" i="1" dirty="0" smtClean="0">
@@ -12640,8 +12489,16 @@
               <a:buChar char="•"/>
             </a:pPr>
             <a:r>
+              <a:rPr lang="en-US" sz="1800" dirty="0" smtClean="0"/>
+              <a:t>38</a:t>
+            </a:r>
+            <a:r>
+              <a:rPr lang="en-US" sz="1800" dirty="0" smtClean="0"/>
+              <a:t>00 </a:t>
+            </a:r>
+            <a:r>
               <a:rPr lang="en-US" sz="1800" dirty="0"/>
-              <a:t>2200 samples of ASL digits, </a:t>
+              <a:t>samples of ASL digits, </a:t>
             </a:r>
           </a:p>
           <a:p>
@@ -12744,36 +12601,6 @@
           </a:p>
         </p:txBody>
       </p:sp>
-      <p:pic>
-        <p:nvPicPr>
-          <p:cNvPr id="47" name="Picture 46" descr="knn.png"/>
-          <p:cNvPicPr>
-            <a:picLocks noChangeAspect="1"/>
-          </p:cNvPicPr>
-          <p:nvPr/>
-        </p:nvPicPr>
-        <p:blipFill>
-          <a:blip r:embed="rId20">
-            <a:extLst>
-              <a:ext uri="{28A0092B-C50C-407E-A947-70E740481C1C}">
-                <a14:useLocalDpi xmlns:a14="http://schemas.microsoft.com/office/drawing/2010/main" val="0"/>
-              </a:ext>
-            </a:extLst>
-          </a:blip>
-          <a:stretch>
-            <a:fillRect/>
-          </a:stretch>
-        </p:blipFill>
-        <p:spPr>
-          <a:xfrm>
-            <a:off x="15385536" y="7703478"/>
-            <a:ext cx="4147624" cy="1481862"/>
-          </a:xfrm>
-          <a:prstGeom prst="rect">
-            <a:avLst/>
-          </a:prstGeom>
-        </p:spPr>
-      </p:pic>
       <p:sp>
         <p:nvSpPr>
           <p:cNvPr id="49" name="Text Placeholder 8"/>
@@ -12785,7 +12612,7 @@
         <p:spPr>
           <a:xfrm>
             <a:off x="15254127" y="9185340"/>
-            <a:ext cx="4400053" cy="5053645"/>
+            <a:ext cx="4400053" cy="5386043"/>
           </a:xfrm>
           <a:prstGeom prst="rect">
             <a:avLst/>
@@ -12935,9 +12762,16 @@
             </a:lvl9pPr>
           </a:lstStyle>
           <a:p>
+            <a:endParaRPr lang="en-US" sz="1800" b="1" dirty="0" smtClean="0"/>
+          </a:p>
+          <a:p>
+            <a:r>
+              <a:rPr lang="en-US" sz="1800" b="1" dirty="0" smtClean="0"/>
+              <a:t>Neural </a:t>
+            </a:r>
             <a:r>
               <a:rPr lang="en-US" sz="1800" b="1" dirty="0"/>
-              <a:t>Neural Network based Supervised Learning</a:t>
+              <a:t>Network based Supervised Learning</a:t>
             </a:r>
             <a:r>
               <a:rPr lang="en-US" sz="1800" b="1" dirty="0" smtClean="0"/>
@@ -13192,7 +13026,7 @@
           <p:nvPr/>
         </p:nvPicPr>
         <p:blipFill>
-          <a:blip r:embed="rId21">
+          <a:blip r:embed="rId18">
             <a:extLst>
               <a:ext uri="{28A0092B-C50C-407E-A947-70E740481C1C}">
                 <a14:useLocalDpi xmlns:a14="http://schemas.microsoft.com/office/drawing/2010/main" val="0"/>
@@ -13222,7 +13056,7 @@
           <p:nvPr/>
         </p:nvPicPr>
         <p:blipFill>
-          <a:blip r:embed="rId22">
+          <a:blip r:embed="rId19">
             <a:extLst>
               <a:ext uri="{28A0092B-C50C-407E-A947-70E740481C1C}">
                 <a14:useLocalDpi xmlns:a14="http://schemas.microsoft.com/office/drawing/2010/main" val="0"/>
@@ -13252,7 +13086,7 @@
           <p:nvPr/>
         </p:nvPicPr>
         <p:blipFill>
-          <a:blip r:embed="rId23">
+          <a:blip r:embed="rId20">
             <a:extLst>
               <a:ext uri="{28A0092B-C50C-407E-A947-70E740481C1C}">
                 <a14:useLocalDpi xmlns:a14="http://schemas.microsoft.com/office/drawing/2010/main" val="0"/>
@@ -13282,7 +13116,7 @@
           <p:nvPr/>
         </p:nvPicPr>
         <p:blipFill>
-          <a:blip r:embed="rId24">
+          <a:blip r:embed="rId21">
             <a:extLst>
               <a:ext uri="{28A0092B-C50C-407E-A947-70E740481C1C}">
                 <a14:useLocalDpi xmlns:a14="http://schemas.microsoft.com/office/drawing/2010/main" val="0"/>
@@ -13355,7 +13189,6 @@
               <a:rPr lang="en-US" sz="1600" dirty="0" smtClean="0"/>
               <a:t>. </a:t>
             </a:r>
-            <a:endParaRPr lang="en-US" sz="1600" dirty="0" smtClean="0"/>
           </a:p>
         </p:txBody>
       </p:sp>
@@ -13368,7 +13201,7 @@
           <p:nvPr/>
         </p:nvPicPr>
         <p:blipFill>
-          <a:blip r:embed="rId25">
+          <a:blip r:embed="rId22">
             <a:extLst>
               <a:ext uri="{28A0092B-C50C-407E-A947-70E740481C1C}">
                 <a14:useLocalDpi xmlns:a14="http://schemas.microsoft.com/office/drawing/2010/main" val="0"/>
@@ -13398,7 +13231,7 @@
           <p:nvPr/>
         </p:nvPicPr>
         <p:blipFill>
-          <a:blip r:embed="rId26">
+          <a:blip r:embed="rId23">
             <a:extLst>
               <a:ext uri="{28A0092B-C50C-407E-A947-70E740481C1C}">
                 <a14:useLocalDpi xmlns:a14="http://schemas.microsoft.com/office/drawing/2010/main" val="0"/>
@@ -13428,7 +13261,7 @@
           <p:nvPr/>
         </p:nvPicPr>
         <p:blipFill>
-          <a:blip r:embed="rId27">
+          <a:blip r:embed="rId24">
             <a:extLst>
               <a:ext uri="{28A0092B-C50C-407E-A947-70E740481C1C}">
                 <a14:useLocalDpi xmlns:a14="http://schemas.microsoft.com/office/drawing/2010/main" val="0"/>
@@ -13510,19 +13343,7 @@
                 <a:latin typeface="Times New Roman" panose="02020603050405020304" pitchFamily="18" charset="0"/>
                 <a:cs typeface="Times New Roman" panose="02020603050405020304" pitchFamily="18" charset="0"/>
               </a:rPr>
-              <a:t>From left to right (1) </a:t>
-            </a:r>
-            <a:r>
-              <a:rPr lang="en-US" sz="1600" i="1" dirty="0">
-                <a:solidFill>
-                  <a:schemeClr val="accent5">
-                    <a:lumMod val="50000"/>
-                  </a:schemeClr>
-                </a:solidFill>
-                <a:latin typeface="Times New Roman" panose="02020603050405020304" pitchFamily="18" charset="0"/>
-                <a:cs typeface="Times New Roman" panose="02020603050405020304" pitchFamily="18" charset="0"/>
-              </a:rPr>
-              <a:t>p</a:t>
+              <a:t>From left to right (1) p</a:t>
             </a:r>
             <a:r>
               <a:rPr lang="en-US" sz="1600" i="1" dirty="0" smtClean="0">
@@ -13629,6 +13450,34 @@
           </a:p>
         </p:txBody>
       </p:sp>
+      <p:pic>
+        <p:nvPicPr>
+          <p:cNvPr id="57" name="Picture 56"/>
+          <p:cNvPicPr/>
+          <p:nvPr/>
+        </p:nvPicPr>
+        <p:blipFill>
+          <a:blip r:embed="rId25">
+            <a:extLst>
+              <a:ext uri="{28A0092B-C50C-407E-A947-70E740481C1C}">
+                <a14:useLocalDpi xmlns:a14="http://schemas.microsoft.com/office/drawing/2010/main" val="0"/>
+              </a:ext>
+            </a:extLst>
+          </a:blip>
+          <a:stretch>
+            <a:fillRect/>
+          </a:stretch>
+        </p:blipFill>
+        <p:spPr>
+          <a:xfrm>
+            <a:off x="15475464" y="7697527"/>
+            <a:ext cx="4028954" cy="1876362"/>
+          </a:xfrm>
+          <a:prstGeom prst="rect">
+            <a:avLst/>
+          </a:prstGeom>
+        </p:spPr>
+      </p:pic>
     </p:spTree>
     <p:extLst>
       <p:ext uri="{BB962C8B-B14F-4D97-AF65-F5344CB8AC3E}">
@@ -13639,11 +13488,11 @@
   <p:clrMapOvr>
     <a:masterClrMapping/>
   </p:clrMapOvr>
-  <mc:AlternateContent xmlns:mc="http://schemas.openxmlformats.org/markup-compatibility/2006">
-    <mc:Choice xmlns:p14="http://schemas.microsoft.com/office/powerpoint/2010/main" Requires="p14">
+  <mc:AlternateContent xmlns:mc="http://schemas.openxmlformats.org/markup-compatibility/2006" xmlns:p14="http://schemas.microsoft.com/office/powerpoint/2010/main">
+    <mc:Choice Requires="p14">
       <p:transition spd="slow" p14:dur="2000"/>
     </mc:Choice>
-    <mc:Fallback>
+    <mc:Fallback xmlns="">
       <p:transition xmlns:p14="http://schemas.microsoft.com/office/powerpoint/2010/main" spd="slow"/>
     </mc:Fallback>
   </mc:AlternateContent>

--- a/project/demoCode/posterPaper/poster.pptx
+++ b/project/demoCode/posterPaper/poster.pptx
@@ -109,7 +109,7 @@
   </p:defaultTextStyle>
   <p:extLst>
     <p:ext uri="{EFAFB233-063F-42B5-8137-9DF3F51BA10A}">
-      <p15:sldGuideLst xmlns="" xmlns:p15="http://schemas.microsoft.com/office/powerpoint/2012/main">
+      <p15:sldGuideLst xmlns:p15="http://schemas.microsoft.com/office/powerpoint/2012/main" xmlns="">
         <p15:guide id="1" orient="horz" pos="3318">
           <p15:clr>
             <a:srgbClr val="A4A3A4"/>
@@ -163,7 +163,7 @@
       </p15:sldGuideLst>
     </p:ext>
     <p:ext uri="{2D200454-40CA-4A62-9FC3-DE9A4176ACB9}">
-      <p15:notesGuideLst xmlns="" xmlns:p15="http://schemas.microsoft.com/office/powerpoint/2012/main">
+      <p15:notesGuideLst xmlns:p15="http://schemas.microsoft.com/office/powerpoint/2012/main" xmlns="">
         <p15:guide id="1" orient="horz" pos="13681">
           <p15:clr>
             <a:srgbClr val="A4A3A4"/>
@@ -5586,7 +5586,7 @@
             <a:fld id="{E6CC2317-6751-4CD4-9995-8782DD78E936}" type="datetimeFigureOut">
               <a:rPr lang="en-US" smtClean="0"/>
               <a:pPr/>
-              <a:t>03/12/15</a:t>
+              <a:t>12/3/15</a:t>
             </a:fld>
             <a:endParaRPr lang="en-US" dirty="0"/>
           </a:p>
@@ -8552,7 +8552,7 @@
               <a:graphicData uri="http://schemas.openxmlformats.org/presentationml/2006/ole">
                 <mc:AlternateContent xmlns:mc="http://schemas.openxmlformats.org/markup-compatibility/2006">
                   <mc:Choice xmlns:v="urn:schemas-microsoft-com:vml" Requires="v">
-                    <p:oleObj spid="_x0000_s1238" name="Image" r:id="rId8" imgW="1828440" imgH="1117440" progId="Photoshop.Image.13">
+                    <p:oleObj spid="_x0000_s1259" name="Image" r:id="rId8" imgW="1828440" imgH="1117440" progId="Photoshop.Image.13">
                       <p:embed/>
                     </p:oleObj>
                   </mc:Choice>
@@ -8609,7 +8609,7 @@
               <a:graphicData uri="http://schemas.openxmlformats.org/presentationml/2006/ole">
                 <mc:AlternateContent xmlns:mc="http://schemas.openxmlformats.org/markup-compatibility/2006">
                   <mc:Choice xmlns:v="urn:schemas-microsoft-com:vml" Requires="v">
-                    <p:oleObj spid="_x0000_s1239" name="Image" r:id="rId10" imgW="1828440" imgH="1117440" progId="Photoshop.Image.13">
+                    <p:oleObj spid="_x0000_s1260" name="Image" r:id="rId10" imgW="1828440" imgH="1117440" progId="Photoshop.Image.13">
                       <p:embed/>
                     </p:oleObj>
                   </mc:Choice>
@@ -9737,7 +9737,7 @@
             <a:graphicData uri="http://schemas.openxmlformats.org/presentationml/2006/ole">
               <mc:AlternateContent xmlns:mc="http://schemas.openxmlformats.org/markup-compatibility/2006">
                 <mc:Choice xmlns:v="urn:schemas-microsoft-com:vml" Requires="v">
-                  <p:oleObj spid="_x0000_s1240" name="Image" r:id="rId12" imgW="4571280" imgH="1688760" progId="Photoshop.Image.13">
+                  <p:oleObj spid="_x0000_s1261" name="Image" r:id="rId12" imgW="4571280" imgH="1688760" progId="Photoshop.Image.13">
                     <p:embed/>
                   </p:oleObj>
                 </mc:Choice>
@@ -9821,7 +9821,7 @@
             <a:graphicData uri="http://schemas.openxmlformats.org/presentationml/2006/ole">
               <mc:AlternateContent xmlns:mc="http://schemas.openxmlformats.org/markup-compatibility/2006">
                 <mc:Choice xmlns:v="urn:schemas-microsoft-com:vml" Requires="v">
-                  <p:oleObj spid="_x0000_s1241" name="Image" r:id="rId15" imgW="1574280" imgH="1053720" progId="Photoshop.Image.13">
+                  <p:oleObj spid="_x0000_s1262" name="Image" r:id="rId15" imgW="1574280" imgH="1053720" progId="Photoshop.Image.13">
                     <p:embed/>
                   </p:oleObj>
                 </mc:Choice>
@@ -10569,8 +10569,8 @@
         </p:nvSpPr>
         <p:spPr>
           <a:xfrm>
-            <a:off x="5323859" y="5686850"/>
-            <a:ext cx="9651689" cy="3188519"/>
+            <a:off x="5323859" y="5686851"/>
+            <a:ext cx="9651689" cy="1720425"/>
           </a:xfrm>
         </p:spPr>
         <p:txBody>
@@ -10611,63 +10611,14 @@
               <a:rPr lang="en-US" sz="1800" dirty="0" smtClean="0"/>
               <a:t>.</a:t>
             </a:r>
-          </a:p>
-          <a:p>
-            <a:pPr marL="285750" indent="-285750">
-              <a:buFont typeface="Arial"/>
-              <a:buChar char="•"/>
-            </a:pPr>
             <a:endParaRPr lang="en-US" sz="1800" dirty="0" smtClean="0"/>
           </a:p>
           <a:p>
-            <a:r>
-              <a:rPr lang="en-US" sz="1800" dirty="0" smtClean="0"/>
-              <a:t>     R &gt; 95 &amp; G &gt; 40 &amp; B &gt; 20 &amp;                                                   Y = 0.299R + 0.587G + 0.114B</a:t>
-            </a:r>
-            <a:endParaRPr lang="en-US" sz="1800" dirty="0"/>
-          </a:p>
-          <a:p>
-            <a:r>
-              <a:rPr lang="en-US" sz="1800" dirty="0" smtClean="0"/>
-              <a:t>     Max{R,G,B} – Min{R,G,B} &gt; 15 &amp;           </a:t>
-            </a:r>
-            <a:r>
-              <a:rPr lang="en-US" sz="1800" i="1" dirty="0" smtClean="0"/>
-              <a:t>OR                    </a:t>
-            </a:r>
-            <a:r>
-              <a:rPr lang="en-US" sz="1800" dirty="0" smtClean="0"/>
-              <a:t>Cr = 128 + 0.5R – 0.418G – 0.081B</a:t>
-            </a:r>
-            <a:endParaRPr lang="en-US" sz="1800" i="1" dirty="0" smtClean="0"/>
-          </a:p>
-          <a:p>
-            <a:r>
-              <a:rPr lang="en-US" sz="1800" dirty="0"/>
-              <a:t> </a:t>
-            </a:r>
-            <a:r>
-              <a:rPr lang="en-US" sz="1800" dirty="0" smtClean="0"/>
-              <a:t>    |R – G| &gt; 15 &amp; R &gt; G &amp; R &gt; B                                              Cb = 128 – 0.168R – 0.331G + 0.5B</a:t>
-            </a:r>
-          </a:p>
-          <a:p>
-            <a:r>
-              <a:rPr lang="en-US" sz="1800" dirty="0"/>
-              <a:t>	</a:t>
-            </a:r>
-            <a:r>
-              <a:rPr lang="en-US" sz="1800" dirty="0"/>
-              <a:t> </a:t>
-            </a:r>
-            <a:r>
-              <a:rPr lang="en-US" sz="1800" dirty="0" smtClean="0"/>
-              <a:t>                                          </a:t>
-            </a:r>
-            <a:r>
-              <a:rPr lang="en-US" sz="1800" dirty="0" smtClean="0"/>
-              <a:t>85 &lt; Cb &lt; 135 &amp; 135 &lt; Cr &lt; 180 &amp; Y &gt; 80</a:t>
-            </a:r>
+            <a:pPr>
+              <a:lnSpc>
+                <a:spcPct val="50000"/>
+              </a:lnSpc>
+            </a:pPr>
             <a:endParaRPr lang="en-US" sz="1800" dirty="0" smtClean="0"/>
           </a:p>
           <a:p>
@@ -11205,7 +11156,7 @@
         </p:nvSpPr>
         <p:spPr>
           <a:xfrm>
-            <a:off x="6124049" y="8059802"/>
+            <a:off x="5979036" y="7706628"/>
             <a:ext cx="2550874" cy="353943"/>
           </a:xfrm>
           <a:prstGeom prst="rect">
@@ -11282,7 +11233,7 @@
         </p:nvSpPr>
         <p:spPr>
           <a:xfrm>
-            <a:off x="11719097" y="8349488"/>
+            <a:off x="10950801" y="7706628"/>
             <a:ext cx="2550874" cy="353943"/>
           </a:xfrm>
           <a:prstGeom prst="rect">
@@ -11347,7 +11298,7 @@
         </p:nvSpPr>
         <p:spPr>
           <a:xfrm>
-            <a:off x="10320986" y="8553165"/>
+            <a:off x="9899043" y="8139549"/>
             <a:ext cx="4933141" cy="2065134"/>
           </a:xfrm>
         </p:spPr>
@@ -11448,36 +11399,6 @@
           </a:p>
         </p:txBody>
       </p:sp>
-      <p:pic>
-        <p:nvPicPr>
-          <p:cNvPr id="24" name="Picture 23" descr="smoothing.png"/>
-          <p:cNvPicPr>
-            <a:picLocks noChangeAspect="1"/>
-          </p:cNvPicPr>
-          <p:nvPr/>
-        </p:nvPicPr>
-        <p:blipFill>
-          <a:blip r:embed="rId13">
-            <a:extLst>
-              <a:ext uri="{28A0092B-C50C-407E-A947-70E740481C1C}">
-                <a14:useLocalDpi xmlns:a14="http://schemas.microsoft.com/office/drawing/2010/main" val="0"/>
-              </a:ext>
-            </a:extLst>
-          </a:blip>
-          <a:stretch>
-            <a:fillRect/>
-          </a:stretch>
-        </p:blipFill>
-        <p:spPr>
-          <a:xfrm>
-            <a:off x="5588439" y="8637136"/>
-            <a:ext cx="3776855" cy="2199512"/>
-          </a:xfrm>
-          <a:prstGeom prst="rect">
-            <a:avLst/>
-          </a:prstGeom>
-        </p:spPr>
-      </p:pic>
       <p:sp>
         <p:nvSpPr>
           <p:cNvPr id="32" name="Text Placeholder 6"/>
@@ -11581,6 +11502,7 @@
           <a:bodyPr/>
           <a:lstStyle/>
           <a:p>
+            <a:pPr algn="ctr"/>
             <a:r>
               <a:rPr lang="en-US" sz="1600" i="1" dirty="0"/>
               <a:t>From </a:t>
@@ -11591,7 +11513,27 @@
             </a:r>
             <a:r>
               <a:rPr lang="en-US" sz="1600" i="1" dirty="0"/>
-              <a:t>bottom in clockwise (1) Original tilted hand (2) skin color based segmentation  (3) Wrist band Detection and PCA for orientation detection (4) image smoothing using median filter/morphological close (5) Rotation normalized </a:t>
+              <a:t>bottom in clockwise (1) Original tilted hand (2) skin color based segmentation  (3</a:t>
+            </a:r>
+            <a:r>
+              <a:rPr lang="en-US" sz="1600" i="1" dirty="0"/>
+              <a:t>) image smoothing using median filter/morphological </a:t>
+            </a:r>
+            <a:r>
+              <a:rPr lang="en-US" sz="1600" i="1" dirty="0" smtClean="0"/>
+              <a:t>close (4) </a:t>
+            </a:r>
+            <a:r>
+              <a:rPr lang="en-US" sz="1600" i="1" dirty="0"/>
+              <a:t>Wrist band Detection and PCA for orientation </a:t>
+            </a:r>
+            <a:r>
+              <a:rPr lang="en-US" sz="1600" i="1" dirty="0" smtClean="0"/>
+              <a:t>detection (</a:t>
+            </a:r>
+            <a:r>
+              <a:rPr lang="en-US" sz="1600" i="1" dirty="0"/>
+              <a:t>5) Rotation normalized </a:t>
             </a:r>
             <a:r>
               <a:rPr lang="en-US" sz="1600" i="1" dirty="0" smtClean="0"/>
@@ -11600,36 +11542,6 @@
           </a:p>
         </p:txBody>
       </p:sp>
-      <p:pic>
-        <p:nvPicPr>
-          <p:cNvPr id="27" name="Picture 26" descr="pca2.png"/>
-          <p:cNvPicPr>
-            <a:picLocks noChangeAspect="1"/>
-          </p:cNvPicPr>
-          <p:nvPr/>
-        </p:nvPicPr>
-        <p:blipFill>
-          <a:blip r:embed="rId14">
-            <a:extLst>
-              <a:ext uri="{28A0092B-C50C-407E-A947-70E740481C1C}">
-                <a14:useLocalDpi xmlns:a14="http://schemas.microsoft.com/office/drawing/2010/main" val="0"/>
-              </a:ext>
-            </a:extLst>
-          </a:blip>
-          <a:stretch>
-            <a:fillRect/>
-          </a:stretch>
-        </p:blipFill>
-        <p:spPr>
-          <a:xfrm>
-            <a:off x="10320986" y="10996685"/>
-            <a:ext cx="4343054" cy="2761672"/>
-          </a:xfrm>
-          <a:prstGeom prst="rect">
-            <a:avLst/>
-          </a:prstGeom>
-        </p:spPr>
-      </p:pic>
       <p:sp>
         <p:nvSpPr>
           <p:cNvPr id="35" name="Text Placeholder 6"/>
@@ -11642,7 +11554,7 @@
         </p:nvSpPr>
         <p:spPr>
           <a:xfrm>
-            <a:off x="5323860" y="15127271"/>
+            <a:off x="5323860" y="15024815"/>
             <a:ext cx="4285896" cy="3711739"/>
           </a:xfrm>
         </p:spPr>
@@ -11828,96 +11740,6 @@
           </a:p>
         </p:txBody>
       </p:sp>
-      <p:pic>
-        <p:nvPicPr>
-          <p:cNvPr id="30" name="Picture 29" descr="lar1.png"/>
-          <p:cNvPicPr>
-            <a:picLocks noChangeAspect="1"/>
-          </p:cNvPicPr>
-          <p:nvPr/>
-        </p:nvPicPr>
-        <p:blipFill>
-          <a:blip r:embed="rId15">
-            <a:extLst>
-              <a:ext uri="{28A0092B-C50C-407E-A947-70E740481C1C}">
-                <a14:useLocalDpi xmlns:a14="http://schemas.microsoft.com/office/drawing/2010/main" val="0"/>
-              </a:ext>
-            </a:extLst>
-          </a:blip>
-          <a:stretch>
-            <a:fillRect/>
-          </a:stretch>
-        </p:blipFill>
-        <p:spPr>
-          <a:xfrm>
-            <a:off x="10313930" y="15127271"/>
-            <a:ext cx="4415164" cy="1382771"/>
-          </a:xfrm>
-          <a:prstGeom prst="rect">
-            <a:avLst/>
-          </a:prstGeom>
-        </p:spPr>
-      </p:pic>
-      <p:pic>
-        <p:nvPicPr>
-          <p:cNvPr id="34" name="Picture 33" descr="lar2.png"/>
-          <p:cNvPicPr>
-            <a:picLocks noChangeAspect="1"/>
-          </p:cNvPicPr>
-          <p:nvPr/>
-        </p:nvPicPr>
-        <p:blipFill>
-          <a:blip r:embed="rId16">
-            <a:extLst>
-              <a:ext uri="{28A0092B-C50C-407E-A947-70E740481C1C}">
-                <a14:useLocalDpi xmlns:a14="http://schemas.microsoft.com/office/drawing/2010/main" val="0"/>
-              </a:ext>
-            </a:extLst>
-          </a:blip>
-          <a:stretch>
-            <a:fillRect/>
-          </a:stretch>
-        </p:blipFill>
-        <p:spPr>
-          <a:xfrm>
-            <a:off x="10296741" y="16510042"/>
-            <a:ext cx="4432353" cy="1399466"/>
-          </a:xfrm>
-          <a:prstGeom prst="rect">
-            <a:avLst/>
-          </a:prstGeom>
-        </p:spPr>
-      </p:pic>
-      <p:pic>
-        <p:nvPicPr>
-          <p:cNvPr id="39" name="Picture 38" descr="lar3.png"/>
-          <p:cNvPicPr>
-            <a:picLocks noChangeAspect="1"/>
-          </p:cNvPicPr>
-          <p:nvPr/>
-        </p:nvPicPr>
-        <p:blipFill>
-          <a:blip r:embed="rId17">
-            <a:extLst>
-              <a:ext uri="{28A0092B-C50C-407E-A947-70E740481C1C}">
-                <a14:useLocalDpi xmlns:a14="http://schemas.microsoft.com/office/drawing/2010/main" val="0"/>
-              </a:ext>
-            </a:extLst>
-          </a:blip>
-          <a:stretch>
-            <a:fillRect/>
-          </a:stretch>
-        </p:blipFill>
-        <p:spPr>
-          <a:xfrm>
-            <a:off x="10296741" y="17909508"/>
-            <a:ext cx="4432353" cy="1474720"/>
-          </a:xfrm>
-          <a:prstGeom prst="rect">
-            <a:avLst/>
-          </a:prstGeom>
-        </p:spPr>
-      </p:pic>
       <p:sp>
         <p:nvSpPr>
           <p:cNvPr id="40" name="Rectangle 39"/>
@@ -11926,7 +11748,7 @@
         </p:nvSpPr>
         <p:spPr>
           <a:xfrm>
-            <a:off x="9765016" y="19672283"/>
+            <a:off x="9819021" y="20347304"/>
             <a:ext cx="4964078" cy="1077218"/>
           </a:xfrm>
           <a:prstGeom prst="rect">
@@ -11939,6 +11761,7 @@
           </a:bodyPr>
           <a:lstStyle/>
           <a:p>
+            <a:pPr algn="ctr"/>
             <a:r>
               <a:rPr lang="en-US" sz="1600" i="1" dirty="0">
                 <a:solidFill>
@@ -11949,7 +11772,31 @@
                 <a:latin typeface="Times New Roman" panose="02020603050405020304" pitchFamily="18" charset="0"/>
                 <a:cs typeface="Times New Roman" panose="02020603050405020304" pitchFamily="18" charset="0"/>
               </a:rPr>
-              <a:t>From left to right (1) segmented hand based on skin color (2) edge detector output (3) Select the largest boundary using Moore-</a:t>
+              <a:t>From </a:t>
+            </a:r>
+            <a:r>
+              <a:rPr lang="en-US" sz="1600" i="1" dirty="0" smtClean="0">
+                <a:solidFill>
+                  <a:schemeClr val="accent5">
+                    <a:lumMod val="50000"/>
+                  </a:schemeClr>
+                </a:solidFill>
+                <a:latin typeface="Times New Roman" panose="02020603050405020304" pitchFamily="18" charset="0"/>
+                <a:cs typeface="Times New Roman" panose="02020603050405020304" pitchFamily="18" charset="0"/>
+              </a:rPr>
+              <a:t>top to bottom </a:t>
+            </a:r>
+            <a:r>
+              <a:rPr lang="en-US" sz="1600" i="1" dirty="0">
+                <a:solidFill>
+                  <a:schemeClr val="accent5">
+                    <a:lumMod val="50000"/>
+                  </a:schemeClr>
+                </a:solidFill>
+                <a:latin typeface="Times New Roman" panose="02020603050405020304" pitchFamily="18" charset="0"/>
+                <a:cs typeface="Times New Roman" panose="02020603050405020304" pitchFamily="18" charset="0"/>
+              </a:rPr>
+              <a:t>(1) segmented hand based on skin color (2) edge detector output (3) Select the largest boundary using Moore-</a:t>
             </a:r>
             <a:r>
               <a:rPr lang="en-US" sz="1600" i="1" dirty="0" err="1">
@@ -12161,11 +12008,7 @@
           <a:p>
             <a:r>
               <a:rPr lang="en-US" sz="1800" dirty="0" smtClean="0"/>
-              <a:t>                              </a:t>
-            </a:r>
-            <a:r>
-              <a:rPr lang="en-US" sz="1800" dirty="0" smtClean="0"/>
-              <a:t>	</a:t>
+              <a:t>                              	</a:t>
             </a:r>
             <a:r>
               <a:rPr lang="en-US" sz="1800" b="1" i="1" dirty="0" smtClean="0"/>
@@ -12490,11 +12333,7 @@
             </a:pPr>
             <a:r>
               <a:rPr lang="en-US" sz="1800" dirty="0" smtClean="0"/>
-              <a:t>38</a:t>
-            </a:r>
-            <a:r>
-              <a:rPr lang="en-US" sz="1800" dirty="0" smtClean="0"/>
-              <a:t>00 </a:t>
+              <a:t>3800 </a:t>
             </a:r>
             <a:r>
               <a:rPr lang="en-US" sz="1800" dirty="0"/>
@@ -13026,7 +12865,7 @@
           <p:nvPr/>
         </p:nvPicPr>
         <p:blipFill>
-          <a:blip r:embed="rId18">
+          <a:blip r:embed="rId13">
             <a:extLst>
               <a:ext uri="{28A0092B-C50C-407E-A947-70E740481C1C}">
                 <a14:useLocalDpi xmlns:a14="http://schemas.microsoft.com/office/drawing/2010/main" val="0"/>
@@ -13039,8 +12878,8 @@
         </p:blipFill>
         <p:spPr>
           <a:xfrm>
-            <a:off x="5718507" y="27426200"/>
-            <a:ext cx="3646787" cy="851074"/>
+            <a:off x="6042049" y="27439711"/>
+            <a:ext cx="3179888" cy="851074"/>
           </a:xfrm>
           <a:prstGeom prst="rect">
             <a:avLst/>
@@ -13056,7 +12895,7 @@
           <p:nvPr/>
         </p:nvPicPr>
         <p:blipFill>
-          <a:blip r:embed="rId19">
+          <a:blip r:embed="rId14">
             <a:extLst>
               <a:ext uri="{28A0092B-C50C-407E-A947-70E740481C1C}">
                 <a14:useLocalDpi xmlns:a14="http://schemas.microsoft.com/office/drawing/2010/main" val="0"/>
@@ -13069,8 +12908,8 @@
         </p:blipFill>
         <p:spPr>
           <a:xfrm>
-            <a:off x="10276435" y="27426200"/>
-            <a:ext cx="4176577" cy="851074"/>
+            <a:off x="10369858" y="27426200"/>
+            <a:ext cx="3317545" cy="851074"/>
           </a:xfrm>
           <a:prstGeom prst="rect">
             <a:avLst/>
@@ -13086,7 +12925,7 @@
           <p:nvPr/>
         </p:nvPicPr>
         <p:blipFill>
-          <a:blip r:embed="rId20">
+          <a:blip r:embed="rId15">
             <a:extLst>
               <a:ext uri="{28A0092B-C50C-407E-A947-70E740481C1C}">
                 <a14:useLocalDpi xmlns:a14="http://schemas.microsoft.com/office/drawing/2010/main" val="0"/>
@@ -13099,8 +12938,8 @@
         </p:blipFill>
         <p:spPr>
           <a:xfrm>
-            <a:off x="5718507" y="28277274"/>
-            <a:ext cx="3646787" cy="817820"/>
+            <a:off x="6042048" y="28290785"/>
+            <a:ext cx="3179889" cy="817820"/>
           </a:xfrm>
           <a:prstGeom prst="rect">
             <a:avLst/>
@@ -13116,7 +12955,7 @@
           <p:nvPr/>
         </p:nvPicPr>
         <p:blipFill>
-          <a:blip r:embed="rId21">
+          <a:blip r:embed="rId16">
             <a:extLst>
               <a:ext uri="{28A0092B-C50C-407E-A947-70E740481C1C}">
                 <a14:useLocalDpi xmlns:a14="http://schemas.microsoft.com/office/drawing/2010/main" val="0"/>
@@ -13129,8 +12968,8 @@
         </p:blipFill>
         <p:spPr>
           <a:xfrm>
-            <a:off x="10276435" y="28277274"/>
-            <a:ext cx="4176577" cy="817820"/>
+            <a:off x="10369858" y="28277274"/>
+            <a:ext cx="3317546" cy="817820"/>
           </a:xfrm>
           <a:prstGeom prst="rect">
             <a:avLst/>
@@ -13201,7 +13040,7 @@
           <p:nvPr/>
         </p:nvPicPr>
         <p:blipFill>
-          <a:blip r:embed="rId22">
+          <a:blip r:embed="rId17">
             <a:extLst>
               <a:ext uri="{28A0092B-C50C-407E-A947-70E740481C1C}">
                 <a14:useLocalDpi xmlns:a14="http://schemas.microsoft.com/office/drawing/2010/main" val="0"/>
@@ -13231,7 +13070,7 @@
           <p:nvPr/>
         </p:nvPicPr>
         <p:blipFill>
-          <a:blip r:embed="rId23">
+          <a:blip r:embed="rId18">
             <a:extLst>
               <a:ext uri="{28A0092B-C50C-407E-A947-70E740481C1C}">
                 <a14:useLocalDpi xmlns:a14="http://schemas.microsoft.com/office/drawing/2010/main" val="0"/>
@@ -13261,7 +13100,7 @@
           <p:nvPr/>
         </p:nvPicPr>
         <p:blipFill>
-          <a:blip r:embed="rId24">
+          <a:blip r:embed="rId19">
             <a:extLst>
               <a:ext uri="{28A0092B-C50C-407E-A947-70E740481C1C}">
                 <a14:useLocalDpi xmlns:a14="http://schemas.microsoft.com/office/drawing/2010/main" val="0"/>
@@ -13333,6 +13172,7 @@
           </a:bodyPr>
           <a:lstStyle/>
           <a:p>
+            <a:pPr algn="ctr"/>
             <a:r>
               <a:rPr lang="en-US" sz="1600" i="1" dirty="0">
                 <a:solidFill>
@@ -13457,7 +13297,7 @@
           <p:nvPr/>
         </p:nvPicPr>
         <p:blipFill>
-          <a:blip r:embed="rId25">
+          <a:blip r:embed="rId20">
             <a:extLst>
               <a:ext uri="{28A0092B-C50C-407E-A947-70E740481C1C}">
                 <a14:useLocalDpi xmlns:a14="http://schemas.microsoft.com/office/drawing/2010/main" val="0"/>
@@ -13478,6 +13318,383 @@
           </a:prstGeom>
         </p:spPr>
       </p:pic>
+      <p:sp>
+        <p:nvSpPr>
+          <p:cNvPr id="47" name="Text Placeholder 6"/>
+          <p:cNvSpPr>
+            <a:spLocks noGrp="1"/>
+          </p:cNvSpPr>
+          <p:nvPr>
+            <p:ph type="body" sz="quarter" idx="21"/>
+          </p:nvPr>
+        </p:nvSpPr>
+        <p:spPr>
+          <a:xfrm>
+            <a:off x="4953162" y="6738717"/>
+            <a:ext cx="4495161" cy="1144882"/>
+          </a:xfrm>
+        </p:spPr>
+        <p:txBody>
+          <a:bodyPr/>
+          <a:lstStyle/>
+          <a:p>
+            <a:pPr algn="ctr"/>
+            <a:r>
+              <a:rPr lang="hr-HR" sz="1600" dirty="0"/>
+              <a:t>R &gt; 95 &amp; G &gt; 40 &amp; B &gt; 20 </a:t>
+            </a:r>
+          </a:p>
+          <a:p>
+            <a:pPr algn="ctr"/>
+            <a:r>
+              <a:rPr lang="hr-HR" sz="1600" dirty="0"/>
+              <a:t>Max{R,G,B} – Min{R,G,B} &gt; 15 &amp;</a:t>
+            </a:r>
+          </a:p>
+          <a:p>
+            <a:pPr algn="ctr"/>
+            <a:r>
+              <a:rPr lang="hr-HR" sz="1600" dirty="0"/>
+              <a:t>|R – G| &gt; 15 &amp; R &gt; G &amp; R &gt; B </a:t>
+            </a:r>
+            <a:endParaRPr lang="en-US" sz="1600" dirty="0"/>
+          </a:p>
+        </p:txBody>
+      </p:sp>
+      <p:sp>
+        <p:nvSpPr>
+          <p:cNvPr id="4" name="Rectangle 3"/>
+          <p:cNvSpPr/>
+          <p:nvPr/>
+        </p:nvSpPr>
+        <p:spPr>
+          <a:xfrm>
+            <a:off x="8898395" y="6868667"/>
+            <a:ext cx="6427065" cy="1175706"/>
+          </a:xfrm>
+          <a:prstGeom prst="rect">
+            <a:avLst/>
+          </a:prstGeom>
+        </p:spPr>
+        <p:txBody>
+          <a:bodyPr wrap="square">
+            <a:spAutoFit/>
+          </a:bodyPr>
+          <a:lstStyle/>
+          <a:p>
+            <a:pPr algn="ctr">
+              <a:spcBef>
+                <a:spcPct val="20000"/>
+              </a:spcBef>
+            </a:pPr>
+            <a:r>
+              <a:rPr lang="hr-HR" sz="1600" dirty="0">
+                <a:solidFill>
+                  <a:schemeClr val="accent5">
+                    <a:lumMod val="50000"/>
+                  </a:schemeClr>
+                </a:solidFill>
+                <a:latin typeface="Times New Roman" panose="02020603050405020304" pitchFamily="18" charset="0"/>
+                <a:cs typeface="Times New Roman" panose="02020603050405020304" pitchFamily="18" charset="0"/>
+              </a:rPr>
+              <a:t>Y = 0.299R + 0.587G + </a:t>
+            </a:r>
+            <a:r>
+              <a:rPr lang="hr-HR" sz="1600" dirty="0">
+                <a:solidFill>
+                  <a:schemeClr val="accent5">
+                    <a:lumMod val="50000"/>
+                  </a:schemeClr>
+                </a:solidFill>
+                <a:latin typeface="Times New Roman" panose="02020603050405020304" pitchFamily="18" charset="0"/>
+                <a:cs typeface="Times New Roman" panose="02020603050405020304" pitchFamily="18" charset="0"/>
+              </a:rPr>
+              <a:t>0.114B</a:t>
+            </a:r>
+            <a:endParaRPr lang="hr-HR" sz="1600" dirty="0">
+              <a:solidFill>
+                <a:schemeClr val="accent5">
+                  <a:lumMod val="50000"/>
+                </a:schemeClr>
+              </a:solidFill>
+              <a:latin typeface="Times New Roman" panose="02020603050405020304" pitchFamily="18" charset="0"/>
+              <a:cs typeface="Times New Roman" panose="02020603050405020304" pitchFamily="18" charset="0"/>
+            </a:endParaRPr>
+          </a:p>
+          <a:p>
+            <a:pPr algn="ctr">
+              <a:spcBef>
+                <a:spcPct val="20000"/>
+              </a:spcBef>
+            </a:pPr>
+            <a:r>
+              <a:rPr lang="hr-HR" sz="1600" dirty="0">
+                <a:solidFill>
+                  <a:schemeClr val="accent5">
+                    <a:lumMod val="50000"/>
+                  </a:schemeClr>
+                </a:solidFill>
+                <a:latin typeface="Times New Roman" panose="02020603050405020304" pitchFamily="18" charset="0"/>
+                <a:cs typeface="Times New Roman" panose="02020603050405020304" pitchFamily="18" charset="0"/>
+              </a:rPr>
+              <a:t>Cr = 128 + 0.5R – 0.418G – </a:t>
+            </a:r>
+            <a:r>
+              <a:rPr lang="hr-HR" sz="1600" dirty="0">
+                <a:solidFill>
+                  <a:schemeClr val="accent5">
+                    <a:lumMod val="50000"/>
+                  </a:schemeClr>
+                </a:solidFill>
+                <a:latin typeface="Times New Roman" panose="02020603050405020304" pitchFamily="18" charset="0"/>
+                <a:cs typeface="Times New Roman" panose="02020603050405020304" pitchFamily="18" charset="0"/>
+              </a:rPr>
+              <a:t>0.081B</a:t>
+            </a:r>
+            <a:endParaRPr lang="hr-HR" sz="1600" dirty="0">
+              <a:solidFill>
+                <a:schemeClr val="accent5">
+                  <a:lumMod val="50000"/>
+                </a:schemeClr>
+              </a:solidFill>
+              <a:latin typeface="Times New Roman" panose="02020603050405020304" pitchFamily="18" charset="0"/>
+              <a:cs typeface="Times New Roman" panose="02020603050405020304" pitchFamily="18" charset="0"/>
+            </a:endParaRPr>
+          </a:p>
+          <a:p>
+            <a:pPr algn="ctr">
+              <a:spcBef>
+                <a:spcPct val="20000"/>
+              </a:spcBef>
+            </a:pPr>
+            <a:r>
+              <a:rPr lang="hr-HR" sz="1600" dirty="0">
+                <a:solidFill>
+                  <a:schemeClr val="accent5">
+                    <a:lumMod val="50000"/>
+                  </a:schemeClr>
+                </a:solidFill>
+                <a:latin typeface="Times New Roman" panose="02020603050405020304" pitchFamily="18" charset="0"/>
+                <a:cs typeface="Times New Roman" panose="02020603050405020304" pitchFamily="18" charset="0"/>
+              </a:rPr>
+              <a:t>85 &lt; Cb &lt; 135 &amp; 135 &lt; Cr &lt; 180 &amp; Y &gt; 80</a:t>
+            </a:r>
+          </a:p>
+          <a:p>
+            <a:pPr algn="ctr"/>
+            <a:endParaRPr lang="hr-HR" sz="1600" dirty="0"/>
+          </a:p>
+        </p:txBody>
+      </p:sp>
+      <p:pic>
+        <p:nvPicPr>
+          <p:cNvPr id="10" name="Picture 9" descr="skindetection_medianfilter_close2.jpg"/>
+          <p:cNvPicPr>
+            <a:picLocks noChangeAspect="1"/>
+          </p:cNvPicPr>
+          <p:nvPr/>
+        </p:nvPicPr>
+        <p:blipFill>
+          <a:blip r:embed="rId21">
+            <a:extLst>
+              <a:ext uri="{28A0092B-C50C-407E-A947-70E740481C1C}">
+                <a14:useLocalDpi xmlns:a14="http://schemas.microsoft.com/office/drawing/2010/main" val="0"/>
+              </a:ext>
+            </a:extLst>
+          </a:blip>
+          <a:stretch>
+            <a:fillRect/>
+          </a:stretch>
+        </p:blipFill>
+        <p:spPr>
+          <a:xfrm>
+            <a:off x="5406888" y="8345658"/>
+            <a:ext cx="3815049" cy="1003373"/>
+          </a:xfrm>
+          <a:prstGeom prst="rect">
+            <a:avLst/>
+          </a:prstGeom>
+        </p:spPr>
+      </p:pic>
+      <p:pic>
+        <p:nvPicPr>
+          <p:cNvPr id="11" name="Picture 10" descr="skindetection_medianfilter_close1.jpg"/>
+          <p:cNvPicPr>
+            <a:picLocks noChangeAspect="1"/>
+          </p:cNvPicPr>
+          <p:nvPr/>
+        </p:nvPicPr>
+        <p:blipFill>
+          <a:blip r:embed="rId22">
+            <a:extLst>
+              <a:ext uri="{28A0092B-C50C-407E-A947-70E740481C1C}">
+                <a14:useLocalDpi xmlns:a14="http://schemas.microsoft.com/office/drawing/2010/main" val="0"/>
+              </a:ext>
+            </a:extLst>
+          </a:blip>
+          <a:stretch>
+            <a:fillRect/>
+          </a:stretch>
+        </p:blipFill>
+        <p:spPr>
+          <a:xfrm>
+            <a:off x="5406888" y="9257274"/>
+            <a:ext cx="3770731" cy="960611"/>
+          </a:xfrm>
+          <a:prstGeom prst="rect">
+            <a:avLst/>
+          </a:prstGeom>
+        </p:spPr>
+      </p:pic>
+      <p:sp>
+        <p:nvSpPr>
+          <p:cNvPr id="55" name="Text Placeholder 6"/>
+          <p:cNvSpPr>
+            <a:spLocks noGrp="1"/>
+          </p:cNvSpPr>
+          <p:nvPr>
+            <p:ph type="body" sz="quarter" idx="21"/>
+          </p:nvPr>
+        </p:nvSpPr>
+        <p:spPr>
+          <a:xfrm>
+            <a:off x="5323860" y="10335438"/>
+            <a:ext cx="4495161" cy="553951"/>
+          </a:xfrm>
+        </p:spPr>
+        <p:txBody>
+          <a:bodyPr/>
+          <a:lstStyle/>
+          <a:p>
+            <a:pPr algn="ctr"/>
+            <a:r>
+              <a:rPr lang="hr-HR" sz="1600" i="1" dirty="0" smtClean="0"/>
+              <a:t>Median Filter &amp; Morphological Close operation</a:t>
+            </a:r>
+            <a:endParaRPr lang="en-US" sz="1600" i="1" dirty="0"/>
+          </a:p>
+        </p:txBody>
+      </p:sp>
+      <p:pic>
+        <p:nvPicPr>
+          <p:cNvPr id="36" name="Picture 35" descr="edgedetection_largestboundary1.jpg"/>
+          <p:cNvPicPr>
+            <a:picLocks noChangeAspect="1"/>
+          </p:cNvPicPr>
+          <p:nvPr/>
+        </p:nvPicPr>
+        <p:blipFill>
+          <a:blip r:embed="rId23">
+            <a:extLst>
+              <a:ext uri="{28A0092B-C50C-407E-A947-70E740481C1C}">
+                <a14:useLocalDpi xmlns:a14="http://schemas.microsoft.com/office/drawing/2010/main" val="0"/>
+              </a:ext>
+            </a:extLst>
+          </a:blip>
+          <a:stretch>
+            <a:fillRect/>
+          </a:stretch>
+        </p:blipFill>
+        <p:spPr>
+          <a:xfrm>
+            <a:off x="9934746" y="15878454"/>
+            <a:ext cx="4387605" cy="1350043"/>
+          </a:xfrm>
+          <a:prstGeom prst="rect">
+            <a:avLst/>
+          </a:prstGeom>
+        </p:spPr>
+      </p:pic>
+      <p:pic>
+        <p:nvPicPr>
+          <p:cNvPr id="42" name="Picture 41" descr="edgedetection_largestboundary2.jpg"/>
+          <p:cNvPicPr>
+            <a:picLocks noChangeAspect="1"/>
+          </p:cNvPicPr>
+          <p:nvPr/>
+        </p:nvPicPr>
+        <p:blipFill>
+          <a:blip r:embed="rId24">
+            <a:extLst>
+              <a:ext uri="{28A0092B-C50C-407E-A947-70E740481C1C}">
+                <a14:useLocalDpi xmlns:a14="http://schemas.microsoft.com/office/drawing/2010/main" val="0"/>
+              </a:ext>
+            </a:extLst>
+          </a:blip>
+          <a:stretch>
+            <a:fillRect/>
+          </a:stretch>
+        </p:blipFill>
+        <p:spPr>
+          <a:xfrm>
+            <a:off x="9944436" y="17220628"/>
+            <a:ext cx="4377915" cy="1426483"/>
+          </a:xfrm>
+          <a:prstGeom prst="rect">
+            <a:avLst/>
+          </a:prstGeom>
+        </p:spPr>
+      </p:pic>
+      <p:pic>
+        <p:nvPicPr>
+          <p:cNvPr id="48" name="Picture 47" descr="edgedetection_largestboundary3.jpg"/>
+          <p:cNvPicPr>
+            <a:picLocks noChangeAspect="1"/>
+          </p:cNvPicPr>
+          <p:nvPr/>
+        </p:nvPicPr>
+        <p:blipFill>
+          <a:blip r:embed="rId25">
+            <a:extLst>
+              <a:ext uri="{28A0092B-C50C-407E-A947-70E740481C1C}">
+                <a14:useLocalDpi xmlns:a14="http://schemas.microsoft.com/office/drawing/2010/main" val="0"/>
+              </a:ext>
+            </a:extLst>
+          </a:blip>
+          <a:stretch>
+            <a:fillRect/>
+          </a:stretch>
+        </p:blipFill>
+        <p:spPr>
+          <a:xfrm>
+            <a:off x="9944436" y="18647111"/>
+            <a:ext cx="4377915" cy="1539717"/>
+          </a:xfrm>
+          <a:prstGeom prst="rect">
+            <a:avLst/>
+          </a:prstGeom>
+        </p:spPr>
+      </p:pic>
+      <p:pic>
+        <p:nvPicPr>
+          <p:cNvPr id="56" name="Picture 55" descr="skindetection_band_detection_rotation.jpg"/>
+          <p:cNvPicPr>
+            <a:picLocks noChangeAspect="1"/>
+          </p:cNvPicPr>
+          <p:nvPr/>
+        </p:nvPicPr>
+        <p:blipFill>
+          <a:blip r:embed="rId26">
+            <a:extLst>
+              <a:ext uri="{28A0092B-C50C-407E-A947-70E740481C1C}">
+                <a14:useLocalDpi xmlns:a14="http://schemas.microsoft.com/office/drawing/2010/main" val="0"/>
+              </a:ext>
+            </a:extLst>
+          </a:blip>
+          <a:stretch>
+            <a:fillRect/>
+          </a:stretch>
+        </p:blipFill>
+        <p:spPr>
+          <a:xfrm>
+            <a:off x="9880740" y="11159763"/>
+            <a:ext cx="4387605" cy="2688611"/>
+          </a:xfrm>
+          <a:prstGeom prst="rect">
+            <a:avLst/>
+          </a:prstGeom>
+        </p:spPr>
+      </p:pic>
     </p:spTree>
     <p:extLst>
       <p:ext uri="{BB962C8B-B14F-4D97-AF65-F5344CB8AC3E}">
@@ -13488,11 +13705,11 @@
   <p:clrMapOvr>
     <a:masterClrMapping/>
   </p:clrMapOvr>
-  <mc:AlternateContent xmlns:mc="http://schemas.openxmlformats.org/markup-compatibility/2006" xmlns:p14="http://schemas.microsoft.com/office/powerpoint/2010/main">
-    <mc:Choice Requires="p14">
+  <mc:AlternateContent xmlns:mc="http://schemas.openxmlformats.org/markup-compatibility/2006">
+    <mc:Choice xmlns:p14="http://schemas.microsoft.com/office/powerpoint/2010/main" Requires="p14">
       <p:transition spd="slow" p14:dur="2000"/>
     </mc:Choice>
-    <mc:Fallback xmlns="">
+    <mc:Fallback>
       <p:transition xmlns:p14="http://schemas.microsoft.com/office/powerpoint/2010/main" spd="slow"/>
     </mc:Fallback>
   </mc:AlternateContent>

--- a/project/demoCode/posterPaper/poster.pptx
+++ b/project/demoCode/posterPaper/poster.pptx
@@ -109,7 +109,7 @@
   </p:defaultTextStyle>
   <p:extLst>
     <p:ext uri="{EFAFB233-063F-42B5-8137-9DF3F51BA10A}">
-      <p15:sldGuideLst xmlns:p15="http://schemas.microsoft.com/office/powerpoint/2012/main" xmlns="">
+      <p15:sldGuideLst xmlns:p15="http://schemas.microsoft.com/office/powerpoint/2012/main">
         <p15:guide id="1" orient="horz" pos="3318">
           <p15:clr>
             <a:srgbClr val="A4A3A4"/>
@@ -160,10 +160,55 @@
             <a:srgbClr val="A4A3A4"/>
           </p15:clr>
         </p15:guide>
+        <p15:guide id="11" orient="horz" pos="3134">
+          <p15:clr>
+            <a:srgbClr val="A4A3A4"/>
+          </p15:clr>
+        </p15:guide>
+        <p15:guide id="12" orient="horz" pos="272">
+          <p15:clr>
+            <a:srgbClr val="A4A3A4"/>
+          </p15:clr>
+        </p15:guide>
+        <p15:guide id="13" orient="horz" pos="19040">
+          <p15:clr>
+            <a:srgbClr val="A4A3A4"/>
+          </p15:clr>
+        </p15:guide>
+        <p15:guide id="14" pos="3075">
+          <p15:clr>
+            <a:srgbClr val="A4A3A4"/>
+          </p15:clr>
+        </p15:guide>
+        <p15:guide id="15" pos="9581">
+          <p15:clr>
+            <a:srgbClr val="A4A3A4"/>
+          </p15:clr>
+        </p15:guide>
+        <p15:guide id="16" pos="3246">
+          <p15:clr>
+            <a:srgbClr val="A4A3A4"/>
+          </p15:clr>
+        </p15:guide>
+        <p15:guide id="17" pos="9433">
+          <p15:clr>
+            <a:srgbClr val="A4A3A4"/>
+          </p15:clr>
+        </p15:guide>
+        <p15:guide id="18" pos="12526">
+          <p15:clr>
+            <a:srgbClr val="A4A3A4"/>
+          </p15:clr>
+        </p15:guide>
+        <p15:guide id="19" pos="149">
+          <p15:clr>
+            <a:srgbClr val="A4A3A4"/>
+          </p15:clr>
+        </p15:guide>
       </p15:sldGuideLst>
     </p:ext>
     <p:ext uri="{2D200454-40CA-4A62-9FC3-DE9A4176ACB9}">
-      <p15:notesGuideLst xmlns:p15="http://schemas.microsoft.com/office/powerpoint/2012/main" xmlns="">
+      <p15:notesGuideLst xmlns:p15="http://schemas.microsoft.com/office/powerpoint/2012/main">
         <p15:guide id="1" orient="horz" pos="13681">
           <p15:clr>
             <a:srgbClr val="A4A3A4"/>
@@ -1468,7 +1513,7 @@
   <dgm:whole/>
   <dgm:extLst>
     <a:ext uri="http://schemas.microsoft.com/office/drawing/2008/diagram">
-      <dsp:dataModelExt xmlns:dsp="http://schemas.microsoft.com/office/drawing/2008/diagram" relId="rId12" minVer="http://schemas.openxmlformats.org/drawingml/2006/diagram"/>
+      <dsp:dataModelExt xmlns:dsp="http://schemas.microsoft.com/office/drawing/2008/diagram" relId="rId10" minVer="http://schemas.openxmlformats.org/drawingml/2006/diagram"/>
     </a:ext>
     <a:ext uri="{C62137D5-CB1D-491B-B009-E17868A290BF}">
       <dgm14:recolorImg xmlns:dgm14="http://schemas.microsoft.com/office/drawing/2010/diagram" val="1"/>
@@ -5586,7 +5631,7 @@
             <a:fld id="{E6CC2317-6751-4CD4-9995-8782DD78E936}" type="datetimeFigureOut">
               <a:rPr lang="en-US" smtClean="0"/>
               <a:pPr/>
-              <a:t>03/12/15</a:t>
+              <a:t>12/3/15</a:t>
             </a:fld>
             <a:endParaRPr lang="en-US" dirty="0"/>
           </a:p>
@@ -6957,7 +7002,7 @@
   <p:timing>
     <p:tnLst>
       <p:par>
-        <p:cTn xmlns:p14="http://schemas.microsoft.com/office/powerpoint/2010/main" id="1" dur="indefinite" restart="never" nodeType="tmRoot"/>
+        <p:cTn id="1" dur="indefinite" restart="never" nodeType="tmRoot"/>
       </p:par>
     </p:tnLst>
   </p:timing>
@@ -8552,7 +8597,7 @@
               <a:graphicData uri="http://schemas.openxmlformats.org/presentationml/2006/ole">
                 <mc:AlternateContent xmlns:mc="http://schemas.openxmlformats.org/markup-compatibility/2006">
                   <mc:Choice xmlns:v="urn:schemas-microsoft-com:vml" Requires="v">
-                    <p:oleObj spid="_x0000_s1281" name="Image" r:id="rId8" imgW="1828440" imgH="1117440" progId="Photoshop.Image.13">
+                    <p:oleObj spid="_x0000_s1302" name="Image" r:id="rId8" imgW="1828440" imgH="1117440" progId="Photoshop.Image.13">
                       <p:embed/>
                     </p:oleObj>
                   </mc:Choice>
@@ -8609,7 +8654,7 @@
               <a:graphicData uri="http://schemas.openxmlformats.org/presentationml/2006/ole">
                 <mc:AlternateContent xmlns:mc="http://schemas.openxmlformats.org/markup-compatibility/2006">
                   <mc:Choice xmlns:v="urn:schemas-microsoft-com:vml" Requires="v">
-                    <p:oleObj spid="_x0000_s1282" name="Image" r:id="rId10" imgW="1828440" imgH="1117440" progId="Photoshop.Image.13">
+                    <p:oleObj spid="_x0000_s1303" name="Image" r:id="rId10" imgW="1828440" imgH="1117440" progId="Photoshop.Image.13">
                       <p:embed/>
                     </p:oleObj>
                   </mc:Choice>
@@ -9737,7 +9782,7 @@
             <a:graphicData uri="http://schemas.openxmlformats.org/presentationml/2006/ole">
               <mc:AlternateContent xmlns:mc="http://schemas.openxmlformats.org/markup-compatibility/2006">
                 <mc:Choice xmlns:v="urn:schemas-microsoft-com:vml" Requires="v">
-                  <p:oleObj spid="_x0000_s1283" name="Image" r:id="rId12" imgW="4571280" imgH="1688760" progId="Photoshop.Image.13">
+                  <p:oleObj spid="_x0000_s1304" name="Image" r:id="rId12" imgW="4571280" imgH="1688760" progId="Photoshop.Image.13">
                     <p:embed/>
                   </p:oleObj>
                 </mc:Choice>
@@ -9821,7 +9866,7 @@
             <a:graphicData uri="http://schemas.openxmlformats.org/presentationml/2006/ole">
               <mc:AlternateContent xmlns:mc="http://schemas.openxmlformats.org/markup-compatibility/2006">
                 <mc:Choice xmlns:v="urn:schemas-microsoft-com:vml" Requires="v">
-                  <p:oleObj spid="_x0000_s1284" name="Image" r:id="rId15" imgW="1574280" imgH="1053720" progId="Photoshop.Image.13">
+                  <p:oleObj spid="_x0000_s1305" name="Image" r:id="rId15" imgW="1574280" imgH="1053720" progId="Photoshop.Image.13">
                     <p:embed/>
                   </p:oleObj>
                 </mc:Choice>
@@ -10191,7 +10236,7 @@
   <p:timing>
     <p:tnLst>
       <p:par>
-        <p:cTn xmlns:p14="http://schemas.microsoft.com/office/powerpoint/2010/main" id="1" dur="indefinite" restart="never" nodeType="tmRoot"/>
+        <p:cTn id="1" dur="indefinite" restart="never" nodeType="tmRoot"/>
       </p:par>
     </p:tnLst>
   </p:timing>
@@ -10886,66 +10931,6 @@
           </a:p>
         </p:txBody>
       </p:sp>
-      <p:pic>
-        <p:nvPicPr>
-          <p:cNvPr id="5" name="Picture 4" descr="nn.png"/>
-          <p:cNvPicPr>
-            <a:picLocks noChangeAspect="1"/>
-          </p:cNvPicPr>
-          <p:nvPr/>
-        </p:nvPicPr>
-        <p:blipFill>
-          <a:blip r:embed="rId6">
-            <a:extLst>
-              <a:ext uri="{28A0092B-C50C-407E-A947-70E740481C1C}">
-                <a14:useLocalDpi xmlns:a14="http://schemas.microsoft.com/office/drawing/2010/main" val="0"/>
-              </a:ext>
-            </a:extLst>
-          </a:blip>
-          <a:stretch>
-            <a:fillRect/>
-          </a:stretch>
-        </p:blipFill>
-        <p:spPr>
-          <a:xfrm>
-            <a:off x="15325460" y="14178324"/>
-            <a:ext cx="4305169" cy="1862213"/>
-          </a:xfrm>
-          <a:prstGeom prst="rect">
-            <a:avLst/>
-          </a:prstGeom>
-        </p:spPr>
-      </p:pic>
-      <p:pic>
-        <p:nvPicPr>
-          <p:cNvPr id="22" name="Picture 21" descr="con.png"/>
-          <p:cNvPicPr>
-            <a:picLocks noChangeAspect="1"/>
-          </p:cNvPicPr>
-          <p:nvPr/>
-        </p:nvPicPr>
-        <p:blipFill>
-          <a:blip r:embed="rId7">
-            <a:extLst>
-              <a:ext uri="{28A0092B-C50C-407E-A947-70E740481C1C}">
-                <a14:useLocalDpi xmlns:a14="http://schemas.microsoft.com/office/drawing/2010/main" val="0"/>
-              </a:ext>
-            </a:extLst>
-          </a:blip>
-          <a:stretch>
-            <a:fillRect/>
-          </a:stretch>
-        </p:blipFill>
-        <p:spPr>
-          <a:xfrm>
-            <a:off x="15325462" y="16102704"/>
-            <a:ext cx="4305167" cy="1869386"/>
-          </a:xfrm>
-          <a:prstGeom prst="rect">
-            <a:avLst/>
-          </a:prstGeom>
-        </p:spPr>
-      </p:pic>
       <p:graphicFrame>
         <p:nvGraphicFramePr>
           <p:cNvPr id="25" name="Diagram 24"/>
@@ -10964,7 +10949,7 @@
         </p:xfrm>
         <a:graphic>
           <a:graphicData uri="http://schemas.openxmlformats.org/drawingml/2006/diagram">
-            <dgm:relIds xmlns:dgm="http://schemas.openxmlformats.org/drawingml/2006/diagram" xmlns:r="http://schemas.openxmlformats.org/officeDocument/2006/relationships" r:dm="rId8" r:lo="rId9" r:qs="rId10" r:cs="rId11"/>
+            <dgm:relIds xmlns:dgm="http://schemas.openxmlformats.org/drawingml/2006/diagram" xmlns:r="http://schemas.openxmlformats.org/officeDocument/2006/relationships" r:dm="rId6" r:lo="rId7" r:qs="rId8" r:cs="rId9"/>
           </a:graphicData>
         </a:graphic>
       </p:graphicFrame>
@@ -11407,7 +11392,7 @@
         <p:spPr>
           <a:xfrm>
             <a:off x="5323860" y="10971935"/>
-            <a:ext cx="4441156" cy="3006931"/>
+            <a:ext cx="4441156" cy="3213141"/>
           </a:xfrm>
         </p:spPr>
         <p:txBody>
@@ -11415,7 +11400,7 @@
           <a:lstStyle/>
           <a:p>
             <a:r>
-              <a:rPr lang="en-US" sz="1800" b="1" dirty="0" smtClean="0"/>
+              <a:rPr lang="en-US" sz="1600" b="1" dirty="0" smtClean="0"/>
               <a:t>3. Wrist Cropping</a:t>
             </a:r>
           </a:p>
@@ -11425,7 +11410,7 @@
               <a:buChar char="•"/>
             </a:pPr>
             <a:r>
-              <a:rPr lang="en-US" sz="1800" dirty="0" smtClean="0"/>
+              <a:rPr lang="en-US" sz="1600" dirty="0" smtClean="0"/>
               <a:t>Computationally intensive with hand tilt.</a:t>
             </a:r>
           </a:p>
@@ -11435,8 +11420,12 @@
               <a:buChar char="•"/>
             </a:pPr>
             <a:r>
-              <a:rPr lang="en-US" sz="1800" dirty="0" smtClean="0"/>
-              <a:t>PCA application on entire hand was not sufficient. </a:t>
+              <a:rPr lang="en-US" sz="1600" dirty="0" smtClean="0"/>
+              <a:t>PCA application on entire hand was not sufficient</a:t>
+            </a:r>
+            <a:r>
+              <a:rPr lang="en-US" sz="1600" dirty="0" smtClean="0"/>
+              <a:t>.</a:t>
             </a:r>
           </a:p>
           <a:p>
@@ -11445,16 +11434,32 @@
               <a:buChar char="•"/>
             </a:pPr>
             <a:r>
-              <a:rPr lang="en-US" sz="1800" dirty="0" smtClean="0"/>
-              <a:t>PCA on wrist band hand helped to find principle component orientation making hand rotation </a:t>
-            </a:r>
-            <a:r>
-              <a:rPr lang="en-US" sz="1800" dirty="0"/>
+              <a:rPr lang="en-US" sz="1600" dirty="0" smtClean="0"/>
+              <a:t>PCA </a:t>
+            </a:r>
+            <a:r>
+              <a:rPr lang="en-US" sz="1600" dirty="0" smtClean="0"/>
+              <a:t>on wrist band </a:t>
+            </a:r>
+            <a:r>
+              <a:rPr lang="en-US" sz="1600" dirty="0" smtClean="0"/>
+              <a:t>helped </a:t>
+            </a:r>
+            <a:r>
+              <a:rPr lang="en-US" sz="1600" dirty="0" smtClean="0"/>
+              <a:t>to find principle component orientation making hand rotation </a:t>
+            </a:r>
+            <a:r>
+              <a:rPr lang="en-US" sz="1600" dirty="0"/>
               <a:t>invariant </a:t>
             </a:r>
             <a:r>
-              <a:rPr lang="en-US" sz="1800" dirty="0" smtClean="0"/>
-              <a:t>analysis.</a:t>
+              <a:rPr lang="en-US" sz="1600" dirty="0" smtClean="0"/>
+              <a:t>analysis</a:t>
+            </a:r>
+            <a:r>
+              <a:rPr lang="en-US" sz="1600" dirty="0" smtClean="0"/>
+              <a:t>.</a:t>
             </a:r>
           </a:p>
           <a:p>
@@ -11463,17 +11468,22 @@
               <a:buChar char="•"/>
             </a:pPr>
             <a:r>
-              <a:rPr lang="en-US" sz="1800" dirty="0" smtClean="0"/>
-              <a:t>Simple width </a:t>
-            </a:r>
-            <a:r>
-              <a:rPr lang="en-US" sz="1800" dirty="0"/>
-              <a:t>based wrist cropping </a:t>
-            </a:r>
-            <a:r>
-              <a:rPr lang="en-US" sz="1800" dirty="0" smtClean="0"/>
-              <a:t> cropping algorithm now can be applied. </a:t>
-            </a:r>
+              <a:rPr lang="en-US" sz="1600" dirty="0"/>
+              <a:t>Wrist cropping is significantly less computation intensive if the forearm and wrist </a:t>
+            </a:r>
+            <a:r>
+              <a:rPr lang="en-US" sz="1600" dirty="0" smtClean="0"/>
+              <a:t>orientation </a:t>
+            </a:r>
+            <a:r>
+              <a:rPr lang="en-US" sz="1600" dirty="0"/>
+              <a:t>is known. A simple width based wrist detection algorithm can then be applied</a:t>
+            </a:r>
+            <a:r>
+              <a:rPr lang="en-US" sz="1600" dirty="0" smtClean="0"/>
+              <a:t>.</a:t>
+            </a:r>
+            <a:endParaRPr lang="en-US" sz="1600" dirty="0"/>
           </a:p>
         </p:txBody>
       </p:sp>
@@ -11489,7 +11499,7 @@
         </p:nvSpPr>
         <p:spPr>
           <a:xfrm>
-            <a:off x="5588439" y="13978421"/>
+            <a:off x="5588439" y="14194147"/>
             <a:ext cx="9075601" cy="1046394"/>
           </a:xfrm>
         </p:spPr>
@@ -11545,8 +11555,8 @@
         </p:nvSpPr>
         <p:spPr>
           <a:xfrm>
-            <a:off x="5323860" y="15024815"/>
-            <a:ext cx="4285896" cy="3711739"/>
+            <a:off x="5406888" y="15070320"/>
+            <a:ext cx="4367818" cy="3711739"/>
           </a:xfrm>
         </p:spPr>
         <p:txBody>
@@ -11715,7 +11725,15 @@
             </a:pPr>
             <a:r>
               <a:rPr lang="en-US" sz="1800" dirty="0"/>
-              <a:t>Assumption that the palm and fingers form the biggest boundary, which is true most of the time. Such a method helps us in eliminating and skin color background objects (like a distant face </a:t>
+              <a:t>Assumption that the palm and fingers form the biggest boundary, which is true most of the time. Such a method helps us in </a:t>
+            </a:r>
+            <a:r>
+              <a:rPr lang="en-US" sz="1800" dirty="0" smtClean="0"/>
+              <a:t>eliminating skin </a:t>
+            </a:r>
+            <a:r>
+              <a:rPr lang="en-US" sz="1800" dirty="0"/>
+              <a:t>color background objects (like a distant face </a:t>
             </a:r>
             <a:r>
               <a:rPr lang="en-US" sz="1800" dirty="0" err="1"/>
@@ -11829,7 +11847,7 @@
         <p:spPr>
           <a:xfrm>
             <a:off x="5406888" y="21323965"/>
-            <a:ext cx="9257152" cy="6537127"/>
+            <a:ext cx="9257152" cy="6537128"/>
           </a:xfrm>
         </p:spPr>
         <p:txBody>
@@ -11920,10 +11938,14 @@
             </a:r>
             <a:r>
               <a:rPr lang="en-US" sz="1800" dirty="0" smtClean="0"/>
-              <a:t>were tried and Arc </a:t>
-            </a:r>
-            <a:r>
-              <a:rPr lang="en-US" sz="1800" dirty="0"/>
+              <a:t>were tried and </a:t>
+            </a:r>
+            <a:r>
+              <a:rPr lang="en-US" sz="1800" b="1" dirty="0" smtClean="0"/>
+              <a:t>Arc </a:t>
+            </a:r>
+            <a:r>
+              <a:rPr lang="en-US" sz="1800" b="1" dirty="0"/>
               <a:t>length </a:t>
             </a:r>
             <a:r>
@@ -12204,13 +12226,33 @@
                 <a:latin typeface="Times New Roman"/>
                 <a:cs typeface="Times New Roman"/>
               </a:rPr>
-              <a:t>It is expressed as the distance of the boundary points, from the centroid (x_c, y_c) of the shape </a:t>
+              <a:t>It is expressed as the distance of the boundary points, from the centroid (x_c, y_c) of the </a:t>
+            </a:r>
+            <a:r>
+              <a:rPr lang="en-US" dirty="0" smtClean="0">
+                <a:solidFill>
+                  <a:schemeClr val="tx1"/>
+                </a:solidFill>
+                <a:latin typeface="Times New Roman"/>
+                <a:cs typeface="Times New Roman"/>
+              </a:rPr>
+              <a:t>shape </a:t>
             </a:r>
           </a:p>
           <a:p>
             <a:pPr lvl="2" indent="0">
               <a:buNone/>
             </a:pPr>
+            <a:r>
+              <a:rPr lang="en-US" b="1" i="1" dirty="0">
+                <a:solidFill>
+                  <a:srgbClr val="003F75"/>
+                </a:solidFill>
+                <a:latin typeface="Times New Roman"/>
+                <a:cs typeface="Times New Roman"/>
+              </a:rPr>
+              <a:t>	</a:t>
+            </a:r>
             <a:r>
               <a:rPr lang="en-US" b="1" i="1" dirty="0" smtClean="0">
                 <a:solidFill>
@@ -12219,17 +12261,17 @@
                 <a:latin typeface="Times New Roman"/>
                 <a:cs typeface="Times New Roman"/>
               </a:rPr>
-              <a:t>	                	 r</a:t>
-            </a:r>
-            <a:r>
-              <a:rPr lang="en-US" b="1" i="1" dirty="0">
+              <a:t> r(t) = ([x(t) - </a:t>
+            </a:r>
+            <a:r>
+              <a:rPr lang="en-US" b="1" i="1" dirty="0" err="1" smtClean="0">
                 <a:solidFill>
                   <a:srgbClr val="003F75"/>
                 </a:solidFill>
                 <a:latin typeface="Times New Roman"/>
                 <a:cs typeface="Times New Roman"/>
               </a:rPr>
-              <a:t>(t) = ([x(t) - x_c]^{2} + [y(t) - y_c]^{2})^{1/2</a:t>
+              <a:t>x_c</a:t>
             </a:r>
             <a:r>
               <a:rPr lang="en-US" b="1" i="1" dirty="0" smtClean="0">
@@ -12239,9 +12281,29 @@
                 <a:latin typeface="Times New Roman"/>
                 <a:cs typeface="Times New Roman"/>
               </a:rPr>
-              <a:t>}</a:t>
-            </a:r>
-            <a:endParaRPr lang="en-US" sz="1800" dirty="0"/>
+              <a:t>]^{2} + [y(t) - </a:t>
+            </a:r>
+            <a:r>
+              <a:rPr lang="en-US" b="1" i="1" dirty="0" err="1" smtClean="0">
+                <a:solidFill>
+                  <a:srgbClr val="003F75"/>
+                </a:solidFill>
+                <a:latin typeface="Times New Roman"/>
+                <a:cs typeface="Times New Roman"/>
+              </a:rPr>
+              <a:t>y_c</a:t>
+            </a:r>
+            <a:r>
+              <a:rPr lang="en-US" b="1" i="1" dirty="0" smtClean="0">
+                <a:solidFill>
+                  <a:srgbClr val="003F75"/>
+                </a:solidFill>
+                <a:latin typeface="Times New Roman"/>
+                <a:cs typeface="Times New Roman"/>
+              </a:rPr>
+              <a:t>]^{2})^{1/2}</a:t>
+            </a:r>
+            <a:endParaRPr lang="en-US" sz="1800" dirty="0" smtClean="0"/>
           </a:p>
           <a:p>
             <a:pPr marL="285750" indent="-285750">
@@ -12249,8 +12311,12 @@
               <a:buChar char="•"/>
             </a:pPr>
             <a:r>
+              <a:rPr lang="en-US" sz="1800" b="1" dirty="0" smtClean="0"/>
+              <a:t>Discrete </a:t>
+            </a:r>
+            <a:r>
               <a:rPr lang="en-US" sz="1800" b="1" dirty="0"/>
-              <a:t>Discrete Fourier </a:t>
+              <a:t>Fourier </a:t>
             </a:r>
             <a:r>
               <a:rPr lang="en-US" sz="1800" b="1" dirty="0" smtClean="0"/>
@@ -12425,7 +12491,7 @@
         <p:spPr>
           <a:xfrm>
             <a:off x="15254127" y="9185340"/>
-            <a:ext cx="4400053" cy="5386043"/>
+            <a:ext cx="4400053" cy="4887445"/>
           </a:xfrm>
           <a:prstGeom prst="rect">
             <a:avLst/>
@@ -12655,26 +12721,36 @@
               <a:buChar char="•"/>
             </a:pPr>
             <a:r>
+              <a:rPr lang="en-US" sz="1800" dirty="0" smtClean="0"/>
+              <a:t>Average </a:t>
+            </a:r>
+            <a:r>
               <a:rPr lang="en-US" sz="1800" dirty="0"/>
-              <a:t>1600 samples with 65-70% for training, 15% for validation and rest for test</a:t>
+              <a:t>result </a:t>
             </a:r>
             <a:r>
               <a:rPr lang="en-US" sz="1800" dirty="0" smtClean="0"/>
-              <a:t>.</a:t>
-            </a:r>
-            <a:endParaRPr lang="en-US" sz="1800" dirty="0"/>
-          </a:p>
-          <a:p>
-            <a:pPr marL="285750" indent="-285750">
-              <a:lnSpc>
-                <a:spcPct val="80000"/>
-              </a:lnSpc>
-              <a:buFont typeface="Arial"/>
-              <a:buChar char="•"/>
-            </a:pPr>
+              <a:t>on 3800 samples: </a:t>
+            </a:r>
             <a:r>
               <a:rPr lang="en-US" sz="1800" dirty="0"/>
-              <a:t>Average result : 84% on the testing set, 95% on the training set and 86% on the validation</a:t>
+              <a:t>84% on the testing set, </a:t>
+            </a:r>
+            <a:r>
+              <a:rPr lang="en-US" sz="1800" dirty="0" smtClean="0"/>
+              <a:t>91% </a:t>
+            </a:r>
+            <a:r>
+              <a:rPr lang="en-US" sz="1800" dirty="0"/>
+              <a:t>on the training set and </a:t>
+            </a:r>
+            <a:r>
+              <a:rPr lang="en-US" sz="1800" dirty="0" smtClean="0"/>
+              <a:t>83% </a:t>
+            </a:r>
+            <a:r>
+              <a:rPr lang="en-US" sz="1800" dirty="0"/>
+              <a:t>on the validation</a:t>
             </a:r>
             <a:r>
               <a:rPr lang="en-US" sz="1800" dirty="0" smtClean="0"/>
@@ -12839,7 +12915,7 @@
           <p:nvPr/>
         </p:nvPicPr>
         <p:blipFill>
-          <a:blip r:embed="rId13">
+          <a:blip r:embed="rId11">
             <a:extLst>
               <a:ext uri="{28A0092B-C50C-407E-A947-70E740481C1C}">
                 <a14:useLocalDpi xmlns:a14="http://schemas.microsoft.com/office/drawing/2010/main" val="0"/>
@@ -12869,7 +12945,7 @@
           <p:nvPr/>
         </p:nvPicPr>
         <p:blipFill>
-          <a:blip r:embed="rId14">
+          <a:blip r:embed="rId12">
             <a:extLst>
               <a:ext uri="{28A0092B-C50C-407E-A947-70E740481C1C}">
                 <a14:useLocalDpi xmlns:a14="http://schemas.microsoft.com/office/drawing/2010/main" val="0"/>
@@ -12899,7 +12975,7 @@
           <p:nvPr/>
         </p:nvPicPr>
         <p:blipFill>
-          <a:blip r:embed="rId15">
+          <a:blip r:embed="rId13">
             <a:extLst>
               <a:ext uri="{28A0092B-C50C-407E-A947-70E740481C1C}">
                 <a14:useLocalDpi xmlns:a14="http://schemas.microsoft.com/office/drawing/2010/main" val="0"/>
@@ -12929,7 +13005,7 @@
           <p:nvPr/>
         </p:nvPicPr>
         <p:blipFill>
-          <a:blip r:embed="rId16">
+          <a:blip r:embed="rId14">
             <a:extLst>
               <a:ext uri="{28A0092B-C50C-407E-A947-70E740481C1C}">
                 <a14:useLocalDpi xmlns:a14="http://schemas.microsoft.com/office/drawing/2010/main" val="0"/>
@@ -13014,7 +13090,7 @@
           <p:nvPr/>
         </p:nvPicPr>
         <p:blipFill>
-          <a:blip r:embed="rId17">
+          <a:blip r:embed="rId15">
             <a:extLst>
               <a:ext uri="{28A0092B-C50C-407E-A947-70E740481C1C}">
                 <a14:useLocalDpi xmlns:a14="http://schemas.microsoft.com/office/drawing/2010/main" val="0"/>
@@ -13044,7 +13120,7 @@
           <p:nvPr/>
         </p:nvPicPr>
         <p:blipFill>
-          <a:blip r:embed="rId18">
+          <a:blip r:embed="rId16">
             <a:extLst>
               <a:ext uri="{28A0092B-C50C-407E-A947-70E740481C1C}">
                 <a14:useLocalDpi xmlns:a14="http://schemas.microsoft.com/office/drawing/2010/main" val="0"/>
@@ -13074,7 +13150,7 @@
           <p:nvPr/>
         </p:nvPicPr>
         <p:blipFill>
-          <a:blip r:embed="rId19">
+          <a:blip r:embed="rId17">
             <a:extLst>
               <a:ext uri="{28A0092B-C50C-407E-A947-70E740481C1C}">
                 <a14:useLocalDpi xmlns:a14="http://schemas.microsoft.com/office/drawing/2010/main" val="0"/>
@@ -13271,7 +13347,7 @@
           <p:nvPr/>
         </p:nvPicPr>
         <p:blipFill>
-          <a:blip r:embed="rId20">
+          <a:blip r:embed="rId18">
             <a:extLst>
               <a:ext uri="{28A0092B-C50C-407E-A947-70E740481C1C}">
                 <a14:useLocalDpi xmlns:a14="http://schemas.microsoft.com/office/drawing/2010/main" val="0"/>
@@ -13427,7 +13503,7 @@
           <p:nvPr/>
         </p:nvPicPr>
         <p:blipFill>
-          <a:blip r:embed="rId21">
+          <a:blip r:embed="rId19">
             <a:extLst>
               <a:ext uri="{28A0092B-C50C-407E-A947-70E740481C1C}">
                 <a14:useLocalDpi xmlns:a14="http://schemas.microsoft.com/office/drawing/2010/main" val="0"/>
@@ -13457,7 +13533,7 @@
           <p:nvPr/>
         </p:nvPicPr>
         <p:blipFill>
-          <a:blip r:embed="rId22">
+          <a:blip r:embed="rId20">
             <a:extLst>
               <a:ext uri="{28A0092B-C50C-407E-A947-70E740481C1C}">
                 <a14:useLocalDpi xmlns:a14="http://schemas.microsoft.com/office/drawing/2010/main" val="0"/>
@@ -13516,7 +13592,7 @@
           <p:nvPr/>
         </p:nvPicPr>
         <p:blipFill>
-          <a:blip r:embed="rId23">
+          <a:blip r:embed="rId21">
             <a:extLst>
               <a:ext uri="{28A0092B-C50C-407E-A947-70E740481C1C}">
                 <a14:useLocalDpi xmlns:a14="http://schemas.microsoft.com/office/drawing/2010/main" val="0"/>
@@ -13546,7 +13622,7 @@
           <p:nvPr/>
         </p:nvPicPr>
         <p:blipFill>
-          <a:blip r:embed="rId24">
+          <a:blip r:embed="rId22">
             <a:extLst>
               <a:ext uri="{28A0092B-C50C-407E-A947-70E740481C1C}">
                 <a14:useLocalDpi xmlns:a14="http://schemas.microsoft.com/office/drawing/2010/main" val="0"/>
@@ -13576,7 +13652,7 @@
           <p:nvPr/>
         </p:nvPicPr>
         <p:blipFill>
-          <a:blip r:embed="rId25">
+          <a:blip r:embed="rId23">
             <a:extLst>
               <a:ext uri="{28A0092B-C50C-407E-A947-70E740481C1C}">
                 <a14:useLocalDpi xmlns:a14="http://schemas.microsoft.com/office/drawing/2010/main" val="0"/>
@@ -13606,7 +13682,7 @@
           <p:nvPr/>
         </p:nvPicPr>
         <p:blipFill>
-          <a:blip r:embed="rId26">
+          <a:blip r:embed="rId24">
             <a:extLst>
               <a:ext uri="{28A0092B-C50C-407E-A947-70E740481C1C}">
                 <a14:useLocalDpi xmlns:a14="http://schemas.microsoft.com/office/drawing/2010/main" val="0"/>
@@ -13636,7 +13712,7 @@
           <p:nvPr/>
         </p:nvPicPr>
         <p:blipFill>
-          <a:blip r:embed="rId27">
+          <a:blip r:embed="rId25">
             <a:extLst>
               <a:ext uri="{28A0092B-C50C-407E-A947-70E740481C1C}">
                 <a14:useLocalDpi xmlns:a14="http://schemas.microsoft.com/office/drawing/2010/main" val="0"/>
@@ -13727,6 +13803,66 @@
           </a:p>
         </p:txBody>
       </p:sp>
+      <p:pic>
+        <p:nvPicPr>
+          <p:cNvPr id="18" name="Picture 17"/>
+          <p:cNvPicPr>
+            <a:picLocks noChangeAspect="1"/>
+          </p:cNvPicPr>
+          <p:nvPr/>
+        </p:nvPicPr>
+        <p:blipFill>
+          <a:blip r:embed="rId26">
+            <a:extLst>
+              <a:ext uri="{28A0092B-C50C-407E-A947-70E740481C1C}">
+                <a14:useLocalDpi xmlns:a14="http://schemas.microsoft.com/office/drawing/2010/main" val="0"/>
+              </a:ext>
+            </a:extLst>
+          </a:blip>
+          <a:stretch>
+            <a:fillRect/>
+          </a:stretch>
+        </p:blipFill>
+        <p:spPr>
+          <a:xfrm>
+            <a:off x="15396525" y="13620378"/>
+            <a:ext cx="4234104" cy="2316865"/>
+          </a:xfrm>
+          <a:prstGeom prst="rect">
+            <a:avLst/>
+          </a:prstGeom>
+        </p:spPr>
+      </p:pic>
+      <p:pic>
+        <p:nvPicPr>
+          <p:cNvPr id="21" name="Picture 20"/>
+          <p:cNvPicPr>
+            <a:picLocks noChangeAspect="1"/>
+          </p:cNvPicPr>
+          <p:nvPr/>
+        </p:nvPicPr>
+        <p:blipFill>
+          <a:blip r:embed="rId27">
+            <a:extLst>
+              <a:ext uri="{28A0092B-C50C-407E-A947-70E740481C1C}">
+                <a14:useLocalDpi xmlns:a14="http://schemas.microsoft.com/office/drawing/2010/main" val="0"/>
+              </a:ext>
+            </a:extLst>
+          </a:blip>
+          <a:stretch>
+            <a:fillRect/>
+          </a:stretch>
+        </p:blipFill>
+        <p:spPr>
+          <a:xfrm>
+            <a:off x="15396526" y="15937243"/>
+            <a:ext cx="4234104" cy="2041208"/>
+          </a:xfrm>
+          <a:prstGeom prst="rect">
+            <a:avLst/>
+          </a:prstGeom>
+        </p:spPr>
+      </p:pic>
     </p:spTree>
     <p:extLst>
       <p:ext uri="{BB962C8B-B14F-4D97-AF65-F5344CB8AC3E}">
@@ -13737,18 +13873,18 @@
   <p:clrMapOvr>
     <a:masterClrMapping/>
   </p:clrMapOvr>
-  <mc:AlternateContent xmlns:mc="http://schemas.openxmlformats.org/markup-compatibility/2006" xmlns:p14="http://schemas.microsoft.com/office/powerpoint/2010/main">
-    <mc:Choice Requires="p14">
+  <mc:AlternateContent xmlns:mc="http://schemas.openxmlformats.org/markup-compatibility/2006">
+    <mc:Choice xmlns:p14="http://schemas.microsoft.com/office/powerpoint/2010/main" Requires="p14">
       <p:transition spd="slow" p14:dur="2000"/>
     </mc:Choice>
-    <mc:Fallback xmlns="">
-      <p:transition xmlns:p14="http://schemas.microsoft.com/office/powerpoint/2010/main" spd="slow"/>
+    <mc:Fallback>
+      <p:transition spd="slow"/>
     </mc:Fallback>
   </mc:AlternateContent>
   <p:timing>
     <p:tnLst>
       <p:par>
-        <p:cTn xmlns:p14="http://schemas.microsoft.com/office/powerpoint/2010/main" id="1" dur="indefinite" restart="never" nodeType="tmRoot"/>
+        <p:cTn id="1" dur="indefinite" restart="never" nodeType="tmRoot"/>
       </p:par>
     </p:tnLst>
   </p:timing>

--- a/project/demoCode/posterPaper/poster.pptx
+++ b/project/demoCode/posterPaper/poster.pptx
@@ -109,7 +109,7 @@
   </p:defaultTextStyle>
   <p:extLst>
     <p:ext uri="{EFAFB233-063F-42B5-8137-9DF3F51BA10A}">
-      <p15:sldGuideLst xmlns:p15="http://schemas.microsoft.com/office/powerpoint/2012/main">
+      <p15:sldGuideLst xmlns:p15="http://schemas.microsoft.com/office/powerpoint/2012/main" xmlns="">
         <p15:guide id="1" orient="horz" pos="3318">
           <p15:clr>
             <a:srgbClr val="A4A3A4"/>
@@ -208,7 +208,7 @@
       </p15:sldGuideLst>
     </p:ext>
     <p:ext uri="{2D200454-40CA-4A62-9FC3-DE9A4176ACB9}">
-      <p15:notesGuideLst xmlns:p15="http://schemas.microsoft.com/office/powerpoint/2012/main">
+      <p15:notesGuideLst xmlns:p15="http://schemas.microsoft.com/office/powerpoint/2012/main" xmlns="">
         <p15:guide id="1" orient="horz" pos="13681">
           <p15:clr>
             <a:srgbClr val="A4A3A4"/>
@@ -5631,7 +5631,7 @@
             <a:fld id="{E6CC2317-6751-4CD4-9995-8782DD78E936}" type="datetimeFigureOut">
               <a:rPr lang="en-US" smtClean="0"/>
               <a:pPr/>
-              <a:t>12/3/15</a:t>
+              <a:t>03/12/15</a:t>
             </a:fld>
             <a:endParaRPr lang="en-US" dirty="0"/>
           </a:p>
@@ -7002,7 +7002,7 @@
   <p:timing>
     <p:tnLst>
       <p:par>
-        <p:cTn id="1" dur="indefinite" restart="never" nodeType="tmRoot"/>
+        <p:cTn xmlns:p14="http://schemas.microsoft.com/office/powerpoint/2010/main" id="1" dur="indefinite" restart="never" nodeType="tmRoot"/>
       </p:par>
     </p:tnLst>
   </p:timing>
@@ -8597,7 +8597,7 @@
               <a:graphicData uri="http://schemas.openxmlformats.org/presentationml/2006/ole">
                 <mc:AlternateContent xmlns:mc="http://schemas.openxmlformats.org/markup-compatibility/2006">
                   <mc:Choice xmlns:v="urn:schemas-microsoft-com:vml" Requires="v">
-                    <p:oleObj spid="_x0000_s1302" name="Image" r:id="rId8" imgW="1828440" imgH="1117440" progId="Photoshop.Image.13">
+                    <p:oleObj spid="_x0000_s1315" name="Image" r:id="rId8" imgW="1828440" imgH="1117440" progId="Photoshop.Image.13">
                       <p:embed/>
                     </p:oleObj>
                   </mc:Choice>
@@ -8654,7 +8654,7 @@
               <a:graphicData uri="http://schemas.openxmlformats.org/presentationml/2006/ole">
                 <mc:AlternateContent xmlns:mc="http://schemas.openxmlformats.org/markup-compatibility/2006">
                   <mc:Choice xmlns:v="urn:schemas-microsoft-com:vml" Requires="v">
-                    <p:oleObj spid="_x0000_s1303" name="Image" r:id="rId10" imgW="1828440" imgH="1117440" progId="Photoshop.Image.13">
+                    <p:oleObj spid="_x0000_s1316" name="Image" r:id="rId10" imgW="1828440" imgH="1117440" progId="Photoshop.Image.13">
                       <p:embed/>
                     </p:oleObj>
                   </mc:Choice>
@@ -9782,7 +9782,7 @@
             <a:graphicData uri="http://schemas.openxmlformats.org/presentationml/2006/ole">
               <mc:AlternateContent xmlns:mc="http://schemas.openxmlformats.org/markup-compatibility/2006">
                 <mc:Choice xmlns:v="urn:schemas-microsoft-com:vml" Requires="v">
-                  <p:oleObj spid="_x0000_s1304" name="Image" r:id="rId12" imgW="4571280" imgH="1688760" progId="Photoshop.Image.13">
+                  <p:oleObj spid="_x0000_s1317" name="Image" r:id="rId12" imgW="4571280" imgH="1688760" progId="Photoshop.Image.13">
                     <p:embed/>
                   </p:oleObj>
                 </mc:Choice>
@@ -9866,7 +9866,7 @@
             <a:graphicData uri="http://schemas.openxmlformats.org/presentationml/2006/ole">
               <mc:AlternateContent xmlns:mc="http://schemas.openxmlformats.org/markup-compatibility/2006">
                 <mc:Choice xmlns:v="urn:schemas-microsoft-com:vml" Requires="v">
-                  <p:oleObj spid="_x0000_s1305" name="Image" r:id="rId15" imgW="1574280" imgH="1053720" progId="Photoshop.Image.13">
+                  <p:oleObj spid="_x0000_s1318" name="Image" r:id="rId15" imgW="1574280" imgH="1053720" progId="Photoshop.Image.13">
                     <p:embed/>
                   </p:oleObj>
                 </mc:Choice>
@@ -10236,7 +10236,7 @@
   <p:timing>
     <p:tnLst>
       <p:par>
-        <p:cTn id="1" dur="indefinite" restart="never" nodeType="tmRoot"/>
+        <p:cTn xmlns:p14="http://schemas.microsoft.com/office/powerpoint/2010/main" id="1" dur="indefinite" restart="never" nodeType="tmRoot"/>
       </p:par>
     </p:tnLst>
   </p:timing>
@@ -10745,7 +10745,19 @@
             <a:pPr algn="just"/>
             <a:r>
               <a:rPr lang="en-US" sz="1800" dirty="0"/>
-              <a:t>There are two major approaches for Hand gesture recognition: Data glove and Vision based. The Data glove approach uses a glove with sensors attached to track finger blending, positioning and orientation. In this paper we have gone ahead with vision based approach, as it is more cost effective and feasible since the user does not have to wear a cumbersome device. In hand based gesture recognition systems, hand tracking and segmentation are the most important and challenging steps towards gesture recognition. Uncontrolled environment, lighting conditions, noisy background, skin color detection and rapid hand movements are some of the challenges that need to be considered while capturing and tracking the hand gestures.</a:t>
+              <a:t>There are two major approaches for Hand gesture recognition: Data glove and Vision based. The Data glove approach uses a glove with sensors attached to track finger blending, positioning and orientation. In this paper we have gone ahead with </a:t>
+            </a:r>
+            <a:r>
+              <a:rPr lang="en-US" sz="1800" i="1" dirty="0" smtClean="0"/>
+              <a:t>Vision </a:t>
+            </a:r>
+            <a:r>
+              <a:rPr lang="en-US" sz="1800" i="1" dirty="0"/>
+              <a:t>based </a:t>
+            </a:r>
+            <a:r>
+              <a:rPr lang="en-US" sz="1800" dirty="0"/>
+              <a:t>approach, as it is more cost effective and feasible since the user does not have to wear a cumbersome device. In hand based gesture recognition systems, hand tracking and segmentation are the most important and challenging steps towards gesture recognition. Uncontrolled environment, lighting conditions, noisy background, skin color detection and rapid hand movements are some of the challenges that need to be considered while capturing and tracking the hand gestures.</a:t>
             </a:r>
           </a:p>
           <a:p>
@@ -10763,7 +10775,23 @@
             <a:pPr algn="just"/>
             <a:r>
               <a:rPr lang="en-US" sz="1800" dirty="0"/>
-              <a:t>The final step of the process involves training a classifier using the shape features extracted from the training data set collected, and using it to predict or classify a given gesture. In our work we have tried various methods like Neural Networks, K nearest neighbor and PCA for the purpose of classification, and have included the results obtained from each of the methods.</a:t>
+              <a:t>The final step of the process involves training a classifier using the shape features extracted from the training data set collected, and using it to predict or classify a given gesture. In our work we have tried various methods like Neural </a:t>
+            </a:r>
+            <a:r>
+              <a:rPr lang="en-US" sz="1800" dirty="0" smtClean="0"/>
+              <a:t>Networks and </a:t>
+            </a:r>
+            <a:r>
+              <a:rPr lang="en-US" sz="1800" dirty="0"/>
+              <a:t>K nearest neighbor </a:t>
+            </a:r>
+            <a:r>
+              <a:rPr lang="en-US" sz="1800" dirty="0" smtClean="0"/>
+              <a:t>for </a:t>
+            </a:r>
+            <a:r>
+              <a:rPr lang="en-US" sz="1800" dirty="0"/>
+              <a:t>the purpose of classification, and have included the results obtained from each of the methods.</a:t>
             </a:r>
           </a:p>
           <a:p>
@@ -11421,11 +11449,7 @@
             </a:pPr>
             <a:r>
               <a:rPr lang="en-US" sz="1600" dirty="0" smtClean="0"/>
-              <a:t>PCA application on entire hand was not sufficient</a:t>
-            </a:r>
-            <a:r>
-              <a:rPr lang="en-US" sz="1600" dirty="0" smtClean="0"/>
-              <a:t>.</a:t>
+              <a:t>PCA application on entire hand was not sufficient.</a:t>
             </a:r>
           </a:p>
           <a:p>
@@ -11435,19 +11459,7 @@
             </a:pPr>
             <a:r>
               <a:rPr lang="en-US" sz="1600" dirty="0" smtClean="0"/>
-              <a:t>PCA </a:t>
-            </a:r>
-            <a:r>
-              <a:rPr lang="en-US" sz="1600" dirty="0" smtClean="0"/>
-              <a:t>on wrist band </a:t>
-            </a:r>
-            <a:r>
-              <a:rPr lang="en-US" sz="1600" dirty="0" smtClean="0"/>
-              <a:t>helped </a:t>
-            </a:r>
-            <a:r>
-              <a:rPr lang="en-US" sz="1600" dirty="0" smtClean="0"/>
-              <a:t>to find principle component orientation making hand rotation </a:t>
+              <a:t>PCA on wrist band helped to find principle component orientation making hand rotation </a:t>
             </a:r>
             <a:r>
               <a:rPr lang="en-US" sz="1600" dirty="0"/>
@@ -11455,11 +11467,7 @@
             </a:r>
             <a:r>
               <a:rPr lang="en-US" sz="1600" dirty="0" smtClean="0"/>
-              <a:t>analysis</a:t>
-            </a:r>
-            <a:r>
-              <a:rPr lang="en-US" sz="1600" dirty="0" smtClean="0"/>
-              <a:t>.</a:t>
+              <a:t>analysis.</a:t>
             </a:r>
           </a:p>
           <a:p>
@@ -11692,16 +11700,12 @@
               <a:t>( Moore</a:t>
             </a:r>
             <a:r>
+              <a:rPr lang="en-US" sz="1800" b="1" i="1" dirty="0" smtClean="0"/>
+              <a:t>-Neighborhood </a:t>
+            </a:r>
+            <a:r>
               <a:rPr lang="en-US" sz="1800" b="1" i="1" dirty="0"/>
-              <a:t>-</a:t>
-            </a:r>
-            <a:r>
-              <a:rPr lang="en-US" sz="1800" b="1" i="1" dirty="0" err="1"/>
-              <a:t>Neighbourhood</a:t>
-            </a:r>
-            <a:r>
-              <a:rPr lang="en-US" sz="1800" b="1" i="1" dirty="0"/>
-              <a:t> tracing </a:t>
+              <a:t>tracing </a:t>
             </a:r>
             <a:r>
               <a:rPr lang="en-US" sz="1800" b="1" i="1" dirty="0" smtClean="0"/>
@@ -11805,10 +11809,10 @@
                 <a:latin typeface="Times New Roman" panose="02020603050405020304" pitchFamily="18" charset="0"/>
                 <a:cs typeface="Times New Roman" panose="02020603050405020304" pitchFamily="18" charset="0"/>
               </a:rPr>
-              <a:t>(1) segmented hand based on skin color (2) edge detector output (3) Select the largest boundary using Moore-</a:t>
-            </a:r>
-            <a:r>
-              <a:rPr lang="en-US" sz="1600" i="1" dirty="0" err="1">
+              <a:t>(1) segmented hand based on skin color (2) edge detector output (3) Select the largest boundary using Moore</a:t>
+            </a:r>
+            <a:r>
+              <a:rPr lang="en-US" sz="1600" i="1" dirty="0" smtClean="0">
                 <a:solidFill>
                   <a:schemeClr val="accent5">
                     <a:lumMod val="50000"/>
@@ -11817,7 +11821,7 @@
                 <a:latin typeface="Times New Roman" panose="02020603050405020304" pitchFamily="18" charset="0"/>
                 <a:cs typeface="Times New Roman" panose="02020603050405020304" pitchFamily="18" charset="0"/>
               </a:rPr>
-              <a:t>Neighbourhood</a:t>
+              <a:t>-Neighborhood </a:t>
             </a:r>
             <a:r>
               <a:rPr lang="en-US" sz="1600" i="1" dirty="0">
@@ -11829,7 +11833,7 @@
                 <a:latin typeface="Times New Roman" panose="02020603050405020304" pitchFamily="18" charset="0"/>
                 <a:cs typeface="Times New Roman" panose="02020603050405020304" pitchFamily="18" charset="0"/>
               </a:rPr>
-              <a:t> Algorithm and arc-tan sampled points of the boundary</a:t>
+              <a:t>Algorithm and arc-tan sampled points of the boundary</a:t>
             </a:r>
           </a:p>
         </p:txBody>
@@ -13283,63 +13287,6 @@
           </a:p>
         </p:txBody>
       </p:sp>
-      <p:sp>
-        <p:nvSpPr>
-          <p:cNvPr id="54" name="Rectangle 53"/>
-          <p:cNvSpPr/>
-          <p:nvPr/>
-        </p:nvSpPr>
-        <p:spPr>
-          <a:xfrm>
-            <a:off x="15304224" y="17978451"/>
-            <a:ext cx="4349956" cy="338554"/>
-          </a:xfrm>
-          <a:prstGeom prst="rect">
-            <a:avLst/>
-          </a:prstGeom>
-        </p:spPr>
-        <p:txBody>
-          <a:bodyPr wrap="square">
-            <a:spAutoFit/>
-          </a:bodyPr>
-          <a:lstStyle/>
-          <a:p>
-            <a:r>
-              <a:rPr lang="en-US" sz="1600" b="1" i="1" dirty="0" smtClean="0">
-                <a:solidFill>
-                  <a:schemeClr val="accent5">
-                    <a:lumMod val="50000"/>
-                  </a:schemeClr>
-                </a:solidFill>
-                <a:latin typeface="Times New Roman" panose="02020603050405020304" pitchFamily="18" charset="0"/>
-                <a:cs typeface="Times New Roman" panose="02020603050405020304" pitchFamily="18" charset="0"/>
-              </a:rPr>
-              <a:t>From top to bottom (1) EXPLAIN the plots</a:t>
-            </a:r>
-            <a:r>
-              <a:rPr lang="en-US" sz="1600" i="1" dirty="0" smtClean="0">
-                <a:solidFill>
-                  <a:schemeClr val="accent5">
-                    <a:lumMod val="50000"/>
-                  </a:schemeClr>
-                </a:solidFill>
-                <a:latin typeface="Times New Roman" panose="02020603050405020304" pitchFamily="18" charset="0"/>
-                <a:cs typeface="Times New Roman" panose="02020603050405020304" pitchFamily="18" charset="0"/>
-              </a:rPr>
-              <a:t> </a:t>
-            </a:r>
-            <a:endParaRPr lang="en-US" sz="1600" i="1" dirty="0">
-              <a:solidFill>
-                <a:schemeClr val="accent5">
-                  <a:lumMod val="50000"/>
-                </a:schemeClr>
-              </a:solidFill>
-              <a:latin typeface="Times New Roman" panose="02020603050405020304" pitchFamily="18" charset="0"/>
-              <a:cs typeface="Times New Roman" panose="02020603050405020304" pitchFamily="18" charset="0"/>
-            </a:endParaRPr>
-          </a:p>
-        </p:txBody>
-      </p:sp>
       <p:pic>
         <p:nvPicPr>
           <p:cNvPr id="57" name="Picture 56"/>
@@ -13873,18 +13820,18 @@
   <p:clrMapOvr>
     <a:masterClrMapping/>
   </p:clrMapOvr>
-  <mc:AlternateContent xmlns:mc="http://schemas.openxmlformats.org/markup-compatibility/2006">
-    <mc:Choice xmlns:p14="http://schemas.microsoft.com/office/powerpoint/2010/main" Requires="p14">
+  <mc:AlternateContent xmlns:mc="http://schemas.openxmlformats.org/markup-compatibility/2006" xmlns:p14="http://schemas.microsoft.com/office/powerpoint/2010/main">
+    <mc:Choice Requires="p14">
       <p:transition spd="slow" p14:dur="2000"/>
     </mc:Choice>
-    <mc:Fallback>
+    <mc:Fallback xmlns="">
       <p:transition spd="slow"/>
     </mc:Fallback>
   </mc:AlternateContent>
   <p:timing>
     <p:tnLst>
       <p:par>
-        <p:cTn id="1" dur="indefinite" restart="never" nodeType="tmRoot"/>
+        <p:cTn xmlns:p14="http://schemas.microsoft.com/office/powerpoint/2010/main" id="1" dur="indefinite" restart="never" nodeType="tmRoot"/>
       </p:par>
     </p:tnLst>
   </p:timing>
